--- a/流程图.pptx
+++ b/流程图.pptx
@@ -259,7 +259,7 @@
           <a:p>
             <a:fld id="{0BEABCDC-8CFE-4F93-9294-0B260C37925E}" type="datetimeFigureOut">
               <a:rPr lang="zh-CN" altLang="en-US" smtClean="0"/>
-              <a:t>2025/6/25</a:t>
+              <a:t>2025/6/26</a:t>
             </a:fld>
             <a:endParaRPr lang="zh-CN" altLang="en-US"/>
           </a:p>
@@ -457,7 +457,7 @@
           <a:p>
             <a:fld id="{0BEABCDC-8CFE-4F93-9294-0B260C37925E}" type="datetimeFigureOut">
               <a:rPr lang="zh-CN" altLang="en-US" smtClean="0"/>
-              <a:t>2025/6/25</a:t>
+              <a:t>2025/6/26</a:t>
             </a:fld>
             <a:endParaRPr lang="zh-CN" altLang="en-US"/>
           </a:p>
@@ -665,7 +665,7 @@
           <a:p>
             <a:fld id="{0BEABCDC-8CFE-4F93-9294-0B260C37925E}" type="datetimeFigureOut">
               <a:rPr lang="zh-CN" altLang="en-US" smtClean="0"/>
-              <a:t>2025/6/25</a:t>
+              <a:t>2025/6/26</a:t>
             </a:fld>
             <a:endParaRPr lang="zh-CN" altLang="en-US"/>
           </a:p>
@@ -863,7 +863,7 @@
           <a:p>
             <a:fld id="{0BEABCDC-8CFE-4F93-9294-0B260C37925E}" type="datetimeFigureOut">
               <a:rPr lang="zh-CN" altLang="en-US" smtClean="0"/>
-              <a:t>2025/6/25</a:t>
+              <a:t>2025/6/26</a:t>
             </a:fld>
             <a:endParaRPr lang="zh-CN" altLang="en-US"/>
           </a:p>
@@ -1138,7 +1138,7 @@
           <a:p>
             <a:fld id="{0BEABCDC-8CFE-4F93-9294-0B260C37925E}" type="datetimeFigureOut">
               <a:rPr lang="zh-CN" altLang="en-US" smtClean="0"/>
-              <a:t>2025/6/25</a:t>
+              <a:t>2025/6/26</a:t>
             </a:fld>
             <a:endParaRPr lang="zh-CN" altLang="en-US"/>
           </a:p>
@@ -1403,7 +1403,7 @@
           <a:p>
             <a:fld id="{0BEABCDC-8CFE-4F93-9294-0B260C37925E}" type="datetimeFigureOut">
               <a:rPr lang="zh-CN" altLang="en-US" smtClean="0"/>
-              <a:t>2025/6/25</a:t>
+              <a:t>2025/6/26</a:t>
             </a:fld>
             <a:endParaRPr lang="zh-CN" altLang="en-US"/>
           </a:p>
@@ -1815,7 +1815,7 @@
           <a:p>
             <a:fld id="{0BEABCDC-8CFE-4F93-9294-0B260C37925E}" type="datetimeFigureOut">
               <a:rPr lang="zh-CN" altLang="en-US" smtClean="0"/>
-              <a:t>2025/6/25</a:t>
+              <a:t>2025/6/26</a:t>
             </a:fld>
             <a:endParaRPr lang="zh-CN" altLang="en-US"/>
           </a:p>
@@ -1956,7 +1956,7 @@
           <a:p>
             <a:fld id="{0BEABCDC-8CFE-4F93-9294-0B260C37925E}" type="datetimeFigureOut">
               <a:rPr lang="zh-CN" altLang="en-US" smtClean="0"/>
-              <a:t>2025/6/25</a:t>
+              <a:t>2025/6/26</a:t>
             </a:fld>
             <a:endParaRPr lang="zh-CN" altLang="en-US"/>
           </a:p>
@@ -2069,7 +2069,7 @@
           <a:p>
             <a:fld id="{0BEABCDC-8CFE-4F93-9294-0B260C37925E}" type="datetimeFigureOut">
               <a:rPr lang="zh-CN" altLang="en-US" smtClean="0"/>
-              <a:t>2025/6/25</a:t>
+              <a:t>2025/6/26</a:t>
             </a:fld>
             <a:endParaRPr lang="zh-CN" altLang="en-US"/>
           </a:p>
@@ -2380,7 +2380,7 @@
           <a:p>
             <a:fld id="{0BEABCDC-8CFE-4F93-9294-0B260C37925E}" type="datetimeFigureOut">
               <a:rPr lang="zh-CN" altLang="en-US" smtClean="0"/>
-              <a:t>2025/6/25</a:t>
+              <a:t>2025/6/26</a:t>
             </a:fld>
             <a:endParaRPr lang="zh-CN" altLang="en-US"/>
           </a:p>
@@ -2668,7 +2668,7 @@
           <a:p>
             <a:fld id="{0BEABCDC-8CFE-4F93-9294-0B260C37925E}" type="datetimeFigureOut">
               <a:rPr lang="zh-CN" altLang="en-US" smtClean="0"/>
-              <a:t>2025/6/25</a:t>
+              <a:t>2025/6/26</a:t>
             </a:fld>
             <a:endParaRPr lang="zh-CN" altLang="en-US"/>
           </a:p>
@@ -2909,7 +2909,7 @@
           <a:p>
             <a:fld id="{0BEABCDC-8CFE-4F93-9294-0B260C37925E}" type="datetimeFigureOut">
               <a:rPr lang="zh-CN" altLang="en-US" smtClean="0"/>
-              <a:t>2025/6/25</a:t>
+              <a:t>2025/6/26</a:t>
             </a:fld>
             <a:endParaRPr lang="zh-CN" altLang="en-US"/>
           </a:p>
@@ -3328,6 +3328,50 @@
       </p:grpSpPr>
       <p:sp>
         <p:nvSpPr>
+          <p:cNvPr id="289" name="矩形 288">
+            <a:extLst>
+              <a:ext uri="{FF2B5EF4-FFF2-40B4-BE49-F238E27FC236}">
+                <a16:creationId xmlns:a16="http://schemas.microsoft.com/office/drawing/2014/main" id="{4BF400ED-CF2F-EC9E-5071-C00CA5883B8F}"/>
+              </a:ext>
+            </a:extLst>
+          </p:cNvPr>
+          <p:cNvSpPr/>
+          <p:nvPr/>
+        </p:nvSpPr>
+        <p:spPr>
+          <a:xfrm>
+            <a:off x="7558408" y="101600"/>
+            <a:ext cx="1286240" cy="6464300"/>
+          </a:xfrm>
+          <a:prstGeom prst="rect">
+            <a:avLst/>
+          </a:prstGeom>
+        </p:spPr>
+        <p:style>
+          <a:lnRef idx="2">
+            <a:schemeClr val="dk1"/>
+          </a:lnRef>
+          <a:fillRef idx="1">
+            <a:schemeClr val="lt1"/>
+          </a:fillRef>
+          <a:effectRef idx="0">
+            <a:schemeClr val="dk1"/>
+          </a:effectRef>
+          <a:fontRef idx="minor">
+            <a:schemeClr val="dk1"/>
+          </a:fontRef>
+        </p:style>
+        <p:txBody>
+          <a:bodyPr rtlCol="0" anchor="ctr"/>
+          <a:lstStyle/>
+          <a:p>
+            <a:pPr algn="ctr"/>
+            <a:endParaRPr lang="zh-CN" altLang="en-US"/>
+          </a:p>
+        </p:txBody>
+      </p:sp>
+      <p:sp>
+        <p:nvSpPr>
           <p:cNvPr id="4" name="矩形 3">
             <a:extLst>
               <a:ext uri="{FF2B5EF4-FFF2-40B4-BE49-F238E27FC236}">
@@ -3340,7 +3384,7 @@
         </p:nvSpPr>
         <p:spPr>
           <a:xfrm>
-            <a:off x="139383" y="101600"/>
+            <a:off x="37787" y="101600"/>
             <a:ext cx="2085976" cy="6464300"/>
           </a:xfrm>
           <a:prstGeom prst="rect">
@@ -3384,7 +3428,7 @@
         </p:nvSpPr>
         <p:spPr>
           <a:xfrm>
-            <a:off x="232251" y="165100"/>
+            <a:off x="130655" y="165100"/>
             <a:ext cx="1900239" cy="392113"/>
           </a:xfrm>
           <a:prstGeom prst="roundRect">
@@ -3427,6 +3471,8 @@
                     <a:lumMod val="75000"/>
                   </a:schemeClr>
                 </a:solidFill>
+                <a:latin typeface="仿宋" panose="02010609060101010101" pitchFamily="49" charset="-122"/>
+                <a:ea typeface="仿宋" panose="02010609060101010101" pitchFamily="49" charset="-122"/>
               </a:rPr>
               <a:t>circRNA</a:t>
             </a:r>
@@ -3444,6 +3490,8 @@
                     <a:lumMod val="75000"/>
                   </a:schemeClr>
                 </a:solidFill>
+                <a:latin typeface="仿宋" panose="02010609060101010101" pitchFamily="49" charset="-122"/>
+                <a:ea typeface="仿宋" panose="02010609060101010101" pitchFamily="49" charset="-122"/>
               </a:rPr>
               <a:t> properties</a:t>
             </a:r>
@@ -3460,6 +3508,8 @@
                   <a:lumMod val="75000"/>
                 </a:schemeClr>
               </a:solidFill>
+              <a:latin typeface="仿宋" panose="02010609060101010101" pitchFamily="49" charset="-122"/>
+              <a:ea typeface="仿宋" panose="02010609060101010101" pitchFamily="49" charset="-122"/>
             </a:endParaRPr>
           </a:p>
         </p:txBody>
@@ -3478,8 +3528,8 @@
         </p:nvSpPr>
         <p:spPr>
           <a:xfrm>
-            <a:off x="2347596" y="101600"/>
-            <a:ext cx="6334124" cy="6464300"/>
+            <a:off x="2246001" y="101600"/>
+            <a:ext cx="5054950" cy="6464300"/>
           </a:xfrm>
           <a:prstGeom prst="rect">
             <a:avLst/>
@@ -3522,8 +3572,8 @@
         </p:nvSpPr>
         <p:spPr>
           <a:xfrm>
-            <a:off x="2446020" y="165100"/>
-            <a:ext cx="6032500" cy="392113"/>
+            <a:off x="2344424" y="165100"/>
+            <a:ext cx="4789291" cy="392113"/>
           </a:xfrm>
           <a:prstGeom prst="roundRect">
             <a:avLst/>
@@ -3568,6 +3618,8 @@
                     <a:lumMod val="75000"/>
                   </a:schemeClr>
                 </a:solidFill>
+                <a:latin typeface="仿宋" panose="02010609060101010101" pitchFamily="49" charset="-122"/>
+                <a:ea typeface="仿宋" panose="02010609060101010101" pitchFamily="49" charset="-122"/>
               </a:rPr>
               <a:t>Feature construction</a:t>
             </a:r>
@@ -3584,6 +3636,8 @@
                   <a:lumMod val="75000"/>
                 </a:schemeClr>
               </a:solidFill>
+              <a:latin typeface="仿宋" panose="02010609060101010101" pitchFamily="49" charset="-122"/>
+              <a:ea typeface="仿宋" panose="02010609060101010101" pitchFamily="49" charset="-122"/>
             </a:endParaRPr>
           </a:p>
         </p:txBody>
@@ -3599,13 +3653,14 @@
           </p:cNvPr>
           <p:cNvCxnSpPr>
             <a:cxnSpLocks/>
+            <a:endCxn id="17" idx="1"/>
           </p:cNvCxnSpPr>
           <p:nvPr/>
         </p:nvCxnSpPr>
         <p:spPr>
           <a:xfrm flipV="1">
-            <a:off x="2113442" y="2553915"/>
-            <a:ext cx="3928068" cy="22785"/>
+            <a:off x="1737526" y="2574695"/>
+            <a:ext cx="3529168" cy="2254"/>
           </a:xfrm>
           <a:prstGeom prst="straightConnector1">
             <a:avLst/>
@@ -3643,7 +3698,7 @@
         </p:nvSpPr>
         <p:spPr>
           <a:xfrm>
-            <a:off x="4871523" y="2364967"/>
+            <a:off x="4453995" y="2341544"/>
             <a:ext cx="732639" cy="246221"/>
           </a:xfrm>
           <a:prstGeom prst="rect">
@@ -3665,10 +3720,16 @@
           </a:lstStyle>
           <a:p>
             <a:r>
-              <a:rPr lang="en-US" altLang="zh-CN" dirty="0"/>
+              <a:rPr lang="en-US" altLang="zh-CN" dirty="0">
+                <a:latin typeface="仿宋" panose="02010609060101010101" pitchFamily="49" charset="-122"/>
+                <a:ea typeface="仿宋" panose="02010609060101010101" pitchFamily="49" charset="-122"/>
+              </a:rPr>
               <a:t>node2vec</a:t>
             </a:r>
-            <a:endParaRPr lang="zh-CN" altLang="en-US" dirty="0"/>
+            <a:endParaRPr lang="zh-CN" altLang="en-US" dirty="0">
+              <a:latin typeface="仿宋" panose="02010609060101010101" pitchFamily="49" charset="-122"/>
+              <a:ea typeface="仿宋" panose="02010609060101010101" pitchFamily="49" charset="-122"/>
+            </a:endParaRPr>
           </a:p>
         </p:txBody>
       </p:sp>
@@ -3688,8 +3749,8 @@
         </p:nvCxnSpPr>
         <p:spPr>
           <a:xfrm flipV="1">
-            <a:off x="2113442" y="1628578"/>
-            <a:ext cx="1013933" cy="3372"/>
+            <a:off x="2011846" y="1617041"/>
+            <a:ext cx="896458" cy="14909"/>
           </a:xfrm>
           <a:prstGeom prst="straightConnector1">
             <a:avLst/>
@@ -3727,8 +3788,8 @@
         </p:nvSpPr>
         <p:spPr>
           <a:xfrm>
-            <a:off x="2296599" y="1437573"/>
-            <a:ext cx="774618" cy="246221"/>
+            <a:off x="2195003" y="1400629"/>
+            <a:ext cx="693659" cy="246221"/>
           </a:xfrm>
           <a:prstGeom prst="rect">
             <a:avLst/>
@@ -3749,54 +3810,19 @@
           </a:lstStyle>
           <a:p>
             <a:r>
-              <a:rPr lang="en-US" altLang="zh-CN" dirty="0"/>
+              <a:rPr lang="en-US" altLang="zh-CN" dirty="0">
+                <a:latin typeface="仿宋" panose="02010609060101010101" pitchFamily="49" charset="-122"/>
+                <a:ea typeface="仿宋" panose="02010609060101010101" pitchFamily="49" charset="-122"/>
+              </a:rPr>
               <a:t>node2vec</a:t>
             </a:r>
-            <a:endParaRPr lang="zh-CN" altLang="en-US" dirty="0"/>
+            <a:endParaRPr lang="zh-CN" altLang="en-US" dirty="0">
+              <a:latin typeface="仿宋" panose="02010609060101010101" pitchFamily="49" charset="-122"/>
+              <a:ea typeface="仿宋" panose="02010609060101010101" pitchFamily="49" charset="-122"/>
+            </a:endParaRPr>
           </a:p>
         </p:txBody>
       </p:sp>
-      <p:cxnSp>
-        <p:nvCxnSpPr>
-          <p:cNvPr id="26" name="直接箭头连接符 25">
-            <a:extLst>
-              <a:ext uri="{FF2B5EF4-FFF2-40B4-BE49-F238E27FC236}">
-                <a16:creationId xmlns:a16="http://schemas.microsoft.com/office/drawing/2014/main" id="{4FBAC76C-AC8B-5EDC-3A5C-93A0BC7823B2}"/>
-              </a:ext>
-            </a:extLst>
-          </p:cNvPr>
-          <p:cNvCxnSpPr>
-            <a:cxnSpLocks/>
-          </p:cNvCxnSpPr>
-          <p:nvPr/>
-        </p:nvCxnSpPr>
-        <p:spPr>
-          <a:xfrm>
-            <a:off x="7235311" y="2635849"/>
-            <a:ext cx="1586109" cy="10117"/>
-          </a:xfrm>
-          <a:prstGeom prst="straightConnector1">
-            <a:avLst/>
-          </a:prstGeom>
-          <a:ln w="19050">
-            <a:tailEnd type="triangle"/>
-          </a:ln>
-        </p:spPr>
-        <p:style>
-          <a:lnRef idx="1">
-            <a:schemeClr val="accent1"/>
-          </a:lnRef>
-          <a:fillRef idx="0">
-            <a:schemeClr val="accent1"/>
-          </a:fillRef>
-          <a:effectRef idx="0">
-            <a:schemeClr val="accent1"/>
-          </a:effectRef>
-          <a:fontRef idx="minor">
-            <a:schemeClr val="tx1"/>
-          </a:fontRef>
-        </p:style>
-      </p:cxnSp>
       <p:cxnSp>
         <p:nvCxnSpPr>
           <p:cNvPr id="29" name="直接箭头连接符 28">
@@ -3813,8 +3839,8 @@
         </p:nvCxnSpPr>
         <p:spPr>
           <a:xfrm>
-            <a:off x="4321176" y="1591670"/>
-            <a:ext cx="1363344" cy="0"/>
+            <a:off x="4219580" y="1591670"/>
+            <a:ext cx="1047114" cy="0"/>
           </a:xfrm>
           <a:prstGeom prst="straightConnector1">
             <a:avLst/>
@@ -3854,8 +3880,8 @@
         </p:nvCxnSpPr>
         <p:spPr>
           <a:xfrm>
-            <a:off x="2151538" y="915540"/>
-            <a:ext cx="975837" cy="0"/>
+            <a:off x="2049942" y="915540"/>
+            <a:ext cx="858362" cy="0"/>
           </a:xfrm>
           <a:prstGeom prst="straightConnector1">
             <a:avLst/>
@@ -3893,7 +3919,7 @@
         </p:nvSpPr>
         <p:spPr>
           <a:xfrm>
-            <a:off x="2318331" y="688520"/>
+            <a:off x="2216735" y="688520"/>
             <a:ext cx="958850" cy="246221"/>
           </a:xfrm>
           <a:prstGeom prst="rect">
@@ -3908,10 +3934,16 @@
           <a:lstStyle/>
           <a:p>
             <a:r>
-              <a:rPr lang="en-US" altLang="zh-CN" sz="1000" dirty="0"/>
+              <a:rPr lang="en-US" altLang="zh-CN" sz="1000" dirty="0">
+                <a:latin typeface="仿宋" panose="02010609060101010101" pitchFamily="49" charset="-122"/>
+                <a:ea typeface="仿宋" panose="02010609060101010101" pitchFamily="49" charset="-122"/>
+              </a:rPr>
               <a:t>node2vec</a:t>
             </a:r>
-            <a:endParaRPr lang="zh-CN" altLang="en-US" sz="1000" dirty="0"/>
+            <a:endParaRPr lang="zh-CN" altLang="en-US" sz="1000" dirty="0">
+              <a:latin typeface="仿宋" panose="02010609060101010101" pitchFamily="49" charset="-122"/>
+              <a:ea typeface="仿宋" panose="02010609060101010101" pitchFamily="49" charset="-122"/>
+            </a:endParaRPr>
           </a:p>
         </p:txBody>
       </p:sp>
@@ -3929,8 +3961,8 @@
         </p:nvSpPr>
         <p:spPr>
           <a:xfrm>
-            <a:off x="2471389" y="2642942"/>
-            <a:ext cx="1796656" cy="246221"/>
+            <a:off x="2369792" y="2642942"/>
+            <a:ext cx="2000375" cy="246221"/>
           </a:xfrm>
           <a:prstGeom prst="rect">
             <a:avLst/>
@@ -3944,10 +3976,16 @@
           <a:lstStyle/>
           <a:p>
             <a:r>
-              <a:rPr lang="en-US" altLang="zh-CN" sz="1000" dirty="0"/>
+              <a:rPr lang="en-US" altLang="zh-CN" sz="1000" dirty="0">
+                <a:latin typeface="仿宋" panose="02010609060101010101" pitchFamily="49" charset="-122"/>
+                <a:ea typeface="仿宋" panose="02010609060101010101" pitchFamily="49" charset="-122"/>
+              </a:rPr>
               <a:t>Grap attention auto-encoder</a:t>
             </a:r>
-            <a:endParaRPr lang="zh-CN" altLang="en-US" sz="1000" dirty="0"/>
+            <a:endParaRPr lang="zh-CN" altLang="en-US" sz="1000" dirty="0">
+              <a:latin typeface="仿宋" panose="02010609060101010101" pitchFamily="49" charset="-122"/>
+              <a:ea typeface="仿宋" panose="02010609060101010101" pitchFamily="49" charset="-122"/>
+            </a:endParaRPr>
           </a:p>
         </p:txBody>
       </p:sp>
@@ -3967,8 +4005,8 @@
         </p:nvCxnSpPr>
         <p:spPr>
           <a:xfrm flipV="1">
-            <a:off x="2132490" y="3466377"/>
-            <a:ext cx="955867" cy="7470"/>
+            <a:off x="2030894" y="3467356"/>
+            <a:ext cx="877410" cy="6491"/>
           </a:xfrm>
           <a:prstGeom prst="straightConnector1">
             <a:avLst/>
@@ -4006,8 +4044,8 @@
         </p:nvSpPr>
         <p:spPr>
           <a:xfrm>
-            <a:off x="2296599" y="3275786"/>
-            <a:ext cx="958850" cy="246221"/>
+            <a:off x="2195003" y="3257314"/>
+            <a:ext cx="691553" cy="246221"/>
           </a:xfrm>
           <a:prstGeom prst="rect">
             <a:avLst/>
@@ -4028,54 +4066,19 @@
           </a:lstStyle>
           <a:p>
             <a:r>
-              <a:rPr lang="en-US" altLang="zh-CN" dirty="0"/>
+              <a:rPr lang="en-US" altLang="zh-CN" dirty="0">
+                <a:latin typeface="仿宋" panose="02010609060101010101" pitchFamily="49" charset="-122"/>
+                <a:ea typeface="仿宋" panose="02010609060101010101" pitchFamily="49" charset="-122"/>
+              </a:rPr>
               <a:t>node2vec</a:t>
             </a:r>
-            <a:endParaRPr lang="zh-CN" altLang="en-US" dirty="0"/>
+            <a:endParaRPr lang="zh-CN" altLang="en-US" dirty="0">
+              <a:latin typeface="仿宋" panose="02010609060101010101" pitchFamily="49" charset="-122"/>
+              <a:ea typeface="仿宋" panose="02010609060101010101" pitchFamily="49" charset="-122"/>
+            </a:endParaRPr>
           </a:p>
         </p:txBody>
       </p:sp>
-      <p:cxnSp>
-        <p:nvCxnSpPr>
-          <p:cNvPr id="57" name="直接箭头连接符 56">
-            <a:extLst>
-              <a:ext uri="{FF2B5EF4-FFF2-40B4-BE49-F238E27FC236}">
-                <a16:creationId xmlns:a16="http://schemas.microsoft.com/office/drawing/2014/main" id="{DE3C0C4E-BE76-D465-EC8F-F5FED109919F}"/>
-              </a:ext>
-            </a:extLst>
-          </p:cNvPr>
-          <p:cNvCxnSpPr>
-            <a:cxnSpLocks/>
-          </p:cNvCxnSpPr>
-          <p:nvPr/>
-        </p:nvCxnSpPr>
-        <p:spPr>
-          <a:xfrm flipV="1">
-            <a:off x="4292600" y="3421214"/>
-            <a:ext cx="1391920" cy="7786"/>
-          </a:xfrm>
-          <a:prstGeom prst="straightConnector1">
-            <a:avLst/>
-          </a:prstGeom>
-          <a:ln w="19050">
-            <a:tailEnd type="triangle"/>
-          </a:ln>
-        </p:spPr>
-        <p:style>
-          <a:lnRef idx="1">
-            <a:schemeClr val="accent1"/>
-          </a:lnRef>
-          <a:fillRef idx="0">
-            <a:schemeClr val="accent1"/>
-          </a:fillRef>
-          <a:effectRef idx="0">
-            <a:schemeClr val="accent1"/>
-          </a:effectRef>
-          <a:fontRef idx="minor">
-            <a:schemeClr val="tx1"/>
-          </a:fontRef>
-        </p:style>
-      </p:cxnSp>
       <p:cxnSp>
         <p:nvCxnSpPr>
           <p:cNvPr id="64" name="直接箭头连接符 63">
@@ -4092,7 +4095,7 @@
         </p:nvCxnSpPr>
         <p:spPr>
           <a:xfrm flipH="1">
-            <a:off x="4517882" y="2698269"/>
+            <a:off x="4416286" y="2698269"/>
             <a:ext cx="1053" cy="722945"/>
           </a:xfrm>
           <a:prstGeom prst="straightConnector1">
@@ -4133,9 +4136,9 @@
           <p:nvPr/>
         </p:nvCxnSpPr>
         <p:spPr>
-          <a:xfrm flipV="1">
-            <a:off x="4321176" y="883249"/>
-            <a:ext cx="1193482" cy="12956"/>
+          <a:xfrm>
+            <a:off x="4219581" y="896205"/>
+            <a:ext cx="1022348" cy="0"/>
           </a:xfrm>
           <a:prstGeom prst="straightConnector1">
             <a:avLst/>
@@ -4175,7 +4178,7 @@
         </p:nvCxnSpPr>
         <p:spPr>
           <a:xfrm flipV="1">
-            <a:off x="2132489" y="3854949"/>
+            <a:off x="2030893" y="3854949"/>
             <a:ext cx="1325165" cy="3373"/>
           </a:xfrm>
           <a:prstGeom prst="straightConnector1">
@@ -4214,7 +4217,7 @@
         </p:nvSpPr>
         <p:spPr>
           <a:xfrm>
-            <a:off x="225136" y="4228121"/>
+            <a:off x="123540" y="4228121"/>
             <a:ext cx="1900239" cy="392113"/>
           </a:xfrm>
           <a:prstGeom prst="rect">
@@ -4253,6 +4256,8 @@
                 <a:solidFill>
                   <a:schemeClr val="tx1"/>
                 </a:solidFill>
+                <a:latin typeface="仿宋" panose="02010609060101010101" pitchFamily="49" charset="-122"/>
+                <a:ea typeface="仿宋" panose="02010609060101010101" pitchFamily="49" charset="-122"/>
               </a:rPr>
               <a:t>Subcellular localizations of miRNAs</a:t>
             </a:r>
@@ -4260,6 +4265,8 @@
               <a:solidFill>
                 <a:schemeClr val="tx1"/>
               </a:solidFill>
+              <a:latin typeface="仿宋" panose="02010609060101010101" pitchFamily="49" charset="-122"/>
+              <a:ea typeface="仿宋" panose="02010609060101010101" pitchFamily="49" charset="-122"/>
             </a:endParaRPr>
           </a:p>
         </p:txBody>
@@ -4280,7 +4287,7 @@
         </p:nvCxnSpPr>
         <p:spPr>
           <a:xfrm flipV="1">
-            <a:off x="2113442" y="4359428"/>
+            <a:off x="2011846" y="4359428"/>
             <a:ext cx="1325165" cy="3373"/>
           </a:xfrm>
           <a:prstGeom prst="straightConnector1">
@@ -4321,7 +4328,7 @@
         </p:nvCxnSpPr>
         <p:spPr>
           <a:xfrm>
-            <a:off x="3438607" y="3854949"/>
+            <a:off x="3337011" y="3854949"/>
             <a:ext cx="0" cy="504479"/>
           </a:xfrm>
           <a:prstGeom prst="line">
@@ -4360,133 +4367,8 @@
         </p:nvCxnSpPr>
         <p:spPr>
           <a:xfrm flipV="1">
-            <a:off x="3457654" y="4134050"/>
+            <a:off x="3356058" y="4134050"/>
             <a:ext cx="1325165" cy="3373"/>
-          </a:xfrm>
-          <a:prstGeom prst="straightConnector1">
-            <a:avLst/>
-          </a:prstGeom>
-          <a:ln w="19050">
-            <a:tailEnd type="triangle"/>
-          </a:ln>
-        </p:spPr>
-        <p:style>
-          <a:lnRef idx="1">
-            <a:schemeClr val="accent1"/>
-          </a:lnRef>
-          <a:fillRef idx="0">
-            <a:schemeClr val="accent1"/>
-          </a:fillRef>
-          <a:effectRef idx="0">
-            <a:schemeClr val="accent1"/>
-          </a:effectRef>
-          <a:fontRef idx="minor">
-            <a:schemeClr val="tx1"/>
-          </a:fontRef>
-        </p:style>
-      </p:cxnSp>
-      <p:sp>
-        <p:nvSpPr>
-          <p:cNvPr id="79" name="矩形 78">
-            <a:extLst>
-              <a:ext uri="{FF2B5EF4-FFF2-40B4-BE49-F238E27FC236}">
-                <a16:creationId xmlns:a16="http://schemas.microsoft.com/office/drawing/2014/main" id="{40A8AE98-CCCB-BC0E-86CA-0D8B2DF46982}"/>
-              </a:ext>
-            </a:extLst>
-          </p:cNvPr>
-          <p:cNvSpPr/>
-          <p:nvPr/>
-        </p:nvSpPr>
-        <p:spPr>
-          <a:xfrm>
-            <a:off x="4801866" y="3947320"/>
-            <a:ext cx="1344140" cy="744840"/>
-          </a:xfrm>
-          <a:prstGeom prst="rect">
-            <a:avLst/>
-          </a:prstGeom>
-          <a:solidFill>
-            <a:schemeClr val="accent6">
-              <a:lumMod val="40000"/>
-              <a:lumOff val="60000"/>
-            </a:schemeClr>
-          </a:solidFill>
-          <a:ln>
-            <a:noFill/>
-          </a:ln>
-        </p:spPr>
-        <p:style>
-          <a:lnRef idx="2">
-            <a:schemeClr val="accent1">
-              <a:shade val="15000"/>
-            </a:schemeClr>
-          </a:lnRef>
-          <a:fillRef idx="1">
-            <a:schemeClr val="accent1"/>
-          </a:fillRef>
-          <a:effectRef idx="0">
-            <a:schemeClr val="accent1"/>
-          </a:effectRef>
-          <a:fontRef idx="minor">
-            <a:schemeClr val="lt1"/>
-          </a:fontRef>
-        </p:style>
-        <p:txBody>
-          <a:bodyPr rtlCol="0" anchor="t"/>
-          <a:lstStyle/>
-          <a:p>
-            <a:pPr algn="ctr"/>
-            <a:r>
-              <a:rPr lang="en-US" altLang="zh-CN" sz="1000" dirty="0" err="1">
-                <a:solidFill>
-                  <a:schemeClr val="tx1"/>
-                </a:solidFill>
-              </a:rPr>
-              <a:t>circRNA</a:t>
-            </a:r>
-            <a:r>
-              <a:rPr lang="en-US" altLang="zh-CN" sz="1000" dirty="0">
-                <a:solidFill>
-                  <a:schemeClr val="tx1"/>
-                </a:solidFill>
-              </a:rPr>
-              <a:t> miRNA </a:t>
-            </a:r>
-            <a:r>
-              <a:rPr lang="en-US" altLang="zh-CN" sz="1000">
-                <a:solidFill>
-                  <a:schemeClr val="tx1"/>
-                </a:solidFill>
-              </a:rPr>
-              <a:t>co-location features</a:t>
-            </a:r>
-            <a:endParaRPr lang="zh-CN" altLang="en-US" sz="1000" dirty="0">
-              <a:solidFill>
-                <a:schemeClr val="tx1"/>
-              </a:solidFill>
-            </a:endParaRPr>
-          </a:p>
-        </p:txBody>
-      </p:sp>
-      <p:cxnSp>
-        <p:nvCxnSpPr>
-          <p:cNvPr id="81" name="直接箭头连接符 80">
-            <a:extLst>
-              <a:ext uri="{FF2B5EF4-FFF2-40B4-BE49-F238E27FC236}">
-                <a16:creationId xmlns:a16="http://schemas.microsoft.com/office/drawing/2014/main" id="{5E71D027-2B45-5A4D-E31D-4431E9DD6686}"/>
-              </a:ext>
-            </a:extLst>
-          </p:cNvPr>
-          <p:cNvCxnSpPr>
-            <a:cxnSpLocks/>
-            <a:stCxn id="38" idx="3"/>
-          </p:cNvCxnSpPr>
-          <p:nvPr/>
-        </p:nvCxnSpPr>
-        <p:spPr>
-          <a:xfrm flipV="1">
-            <a:off x="6974167" y="1776497"/>
-            <a:ext cx="1871660" cy="1"/>
           </a:xfrm>
           <a:prstGeom prst="straightConnector1">
             <a:avLst/>
@@ -4521,96 +4403,13 @@
           </p:cNvPr>
           <p:cNvCxnSpPr>
             <a:cxnSpLocks/>
-            <a:stCxn id="247" idx="3"/>
-          </p:cNvCxnSpPr>
-          <p:nvPr/>
-        </p:nvCxnSpPr>
-        <p:spPr>
-          <a:xfrm flipV="1">
-            <a:off x="6790119" y="950267"/>
-            <a:ext cx="2031301" cy="9091"/>
-          </a:xfrm>
-          <a:prstGeom prst="straightConnector1">
-            <a:avLst/>
-          </a:prstGeom>
-          <a:ln w="19050">
-            <a:tailEnd type="triangle"/>
-          </a:ln>
-        </p:spPr>
-        <p:style>
-          <a:lnRef idx="1">
-            <a:schemeClr val="accent1"/>
-          </a:lnRef>
-          <a:fillRef idx="0">
-            <a:schemeClr val="accent1"/>
-          </a:fillRef>
-          <a:effectRef idx="0">
-            <a:schemeClr val="accent1"/>
-          </a:effectRef>
-          <a:fontRef idx="minor">
-            <a:schemeClr val="tx1"/>
-          </a:fontRef>
-        </p:style>
-      </p:cxnSp>
-      <p:cxnSp>
-        <p:nvCxnSpPr>
-          <p:cNvPr id="85" name="直接箭头连接符 84">
-            <a:extLst>
-              <a:ext uri="{FF2B5EF4-FFF2-40B4-BE49-F238E27FC236}">
-                <a16:creationId xmlns:a16="http://schemas.microsoft.com/office/drawing/2014/main" id="{AF15A49B-8881-1C6C-6F3F-B4557352D9AC}"/>
-              </a:ext>
-            </a:extLst>
-          </p:cNvPr>
-          <p:cNvCxnSpPr>
-            <a:cxnSpLocks/>
           </p:cNvCxnSpPr>
           <p:nvPr/>
         </p:nvCxnSpPr>
         <p:spPr>
           <a:xfrm>
-            <a:off x="7067550" y="3397079"/>
-            <a:ext cx="1778277" cy="0"/>
-          </a:xfrm>
-          <a:prstGeom prst="straightConnector1">
-            <a:avLst/>
-          </a:prstGeom>
-          <a:ln w="19050">
-            <a:tailEnd type="triangle"/>
-          </a:ln>
-        </p:spPr>
-        <p:style>
-          <a:lnRef idx="1">
-            <a:schemeClr val="accent1"/>
-          </a:lnRef>
-          <a:fillRef idx="0">
-            <a:schemeClr val="accent1"/>
-          </a:fillRef>
-          <a:effectRef idx="0">
-            <a:schemeClr val="accent1"/>
-          </a:effectRef>
-          <a:fontRef idx="minor">
-            <a:schemeClr val="tx1"/>
-          </a:fontRef>
-        </p:style>
-      </p:cxnSp>
-      <p:cxnSp>
-        <p:nvCxnSpPr>
-          <p:cNvPr id="86" name="直接箭头连接符 85">
-            <a:extLst>
-              <a:ext uri="{FF2B5EF4-FFF2-40B4-BE49-F238E27FC236}">
-                <a16:creationId xmlns:a16="http://schemas.microsoft.com/office/drawing/2014/main" id="{F211111D-4230-6366-E6B9-AB433CF373F4}"/>
-              </a:ext>
-            </a:extLst>
-          </p:cNvPr>
-          <p:cNvCxnSpPr>
-            <a:cxnSpLocks/>
-          </p:cNvCxnSpPr>
-          <p:nvPr/>
-        </p:nvCxnSpPr>
-        <p:spPr>
-          <a:xfrm>
-            <a:off x="6146006" y="4167561"/>
-            <a:ext cx="2675414" cy="0"/>
+            <a:off x="6688745" y="940550"/>
+            <a:ext cx="994690" cy="7118"/>
           </a:xfrm>
           <a:prstGeom prst="straightConnector1">
             <a:avLst/>
@@ -4648,14 +4447,14 @@
         </p:nvGrpSpPr>
         <p:grpSpPr>
           <a:xfrm>
-            <a:off x="232251" y="2334815"/>
+            <a:off x="130655" y="2334815"/>
             <a:ext cx="1900239" cy="841077"/>
             <a:chOff x="232251" y="2334815"/>
             <a:chExt cx="1900239" cy="841077"/>
           </a:xfrm>
         </p:grpSpPr>
-        <mc:AlternateContent xmlns:mc="http://schemas.openxmlformats.org/markup-compatibility/2006" xmlns:a14="http://schemas.microsoft.com/office/drawing/2010/main">
-          <mc:Choice Requires="a14">
+        <mc:AlternateContent xmlns:mc="http://schemas.openxmlformats.org/markup-compatibility/2006">
+          <mc:Choice xmlns:a14="http://schemas.microsoft.com/office/drawing/2010/main" Requires="a14">
             <p:sp>
               <p:nvSpPr>
                 <p:cNvPr id="6" name="矩形 5">
@@ -4709,6 +4508,8 @@
                       <a:solidFill>
                         <a:schemeClr val="tx1"/>
                       </a:solidFill>
+                      <a:latin typeface="仿宋" panose="02010609060101010101" pitchFamily="49" charset="-122"/>
+                      <a:ea typeface="仿宋" panose="02010609060101010101" pitchFamily="49" charset="-122"/>
                     </a:rPr>
                     <a:t>circRNA</a:t>
                   </a:r>
@@ -4717,6 +4518,8 @@
                       <a:solidFill>
                         <a:schemeClr val="tx1"/>
                       </a:solidFill>
+                      <a:latin typeface="仿宋" panose="02010609060101010101" pitchFamily="49" charset="-122"/>
+                      <a:ea typeface="仿宋" panose="02010609060101010101" pitchFamily="49" charset="-122"/>
                     </a:rPr>
                     <a:t> sequence similarity network </a:t>
                   </a:r>
@@ -4762,12 +4565,14 @@
                     <a:solidFill>
                       <a:schemeClr val="tx1"/>
                     </a:solidFill>
+                    <a:latin typeface="仿宋" panose="02010609060101010101" pitchFamily="49" charset="-122"/>
+                    <a:ea typeface="仿宋" panose="02010609060101010101" pitchFamily="49" charset="-122"/>
                   </a:endParaRPr>
                 </a:p>
               </p:txBody>
             </p:sp>
           </mc:Choice>
-          <mc:Fallback xmlns="">
+          <mc:Fallback>
             <p:sp>
               <p:nvSpPr>
                 <p:cNvPr id="6" name="矩形 5">
@@ -4793,7 +4598,7 @@
                 <a:blipFill>
                   <a:blip r:embed="rId2"/>
                   <a:stretch>
-                    <a:fillRect/>
+                    <a:fillRect r="-2885"/>
                   </a:stretch>
                 </a:blipFill>
                 <a:ln>
@@ -4864,7 +4669,10 @@
             <a:lstStyle/>
             <a:p>
               <a:pPr algn="ctr"/>
-              <a:endParaRPr lang="en-US"/>
+              <a:endParaRPr lang="en-US">
+                <a:latin typeface="仿宋" panose="02010609060101010101" pitchFamily="49" charset="-122"/>
+                <a:ea typeface="仿宋" panose="02010609060101010101" pitchFamily="49" charset="-122"/>
+              </a:endParaRPr>
             </a:p>
           </p:txBody>
         </p:sp>
@@ -4917,7 +4725,10 @@
             <a:lstStyle/>
             <a:p>
               <a:pPr algn="ctr"/>
-              <a:endParaRPr lang="en-US"/>
+              <a:endParaRPr lang="en-US">
+                <a:latin typeface="仿宋" panose="02010609060101010101" pitchFamily="49" charset="-122"/>
+                <a:ea typeface="仿宋" panose="02010609060101010101" pitchFamily="49" charset="-122"/>
+              </a:endParaRPr>
             </a:p>
           </p:txBody>
         </p:sp>
@@ -4970,7 +4781,10 @@
             <a:lstStyle/>
             <a:p>
               <a:pPr algn="ctr"/>
-              <a:endParaRPr lang="en-US"/>
+              <a:endParaRPr lang="en-US">
+                <a:latin typeface="仿宋" panose="02010609060101010101" pitchFamily="49" charset="-122"/>
+                <a:ea typeface="仿宋" panose="02010609060101010101" pitchFamily="49" charset="-122"/>
+              </a:endParaRPr>
             </a:p>
           </p:txBody>
         </p:sp>
@@ -5023,7 +4837,10 @@
             <a:lstStyle/>
             <a:p>
               <a:pPr algn="ctr"/>
-              <a:endParaRPr lang="en-US"/>
+              <a:endParaRPr lang="en-US">
+                <a:latin typeface="仿宋" panose="02010609060101010101" pitchFamily="49" charset="-122"/>
+                <a:ea typeface="仿宋" panose="02010609060101010101" pitchFamily="49" charset="-122"/>
+              </a:endParaRPr>
             </a:p>
           </p:txBody>
         </p:sp>
@@ -5076,7 +4893,10 @@
             <a:lstStyle/>
             <a:p>
               <a:pPr algn="ctr"/>
-              <a:endParaRPr lang="en-US"/>
+              <a:endParaRPr lang="en-US">
+                <a:latin typeface="仿宋" panose="02010609060101010101" pitchFamily="49" charset="-122"/>
+                <a:ea typeface="仿宋" panose="02010609060101010101" pitchFamily="49" charset="-122"/>
+              </a:endParaRPr>
             </a:p>
           </p:txBody>
         </p:sp>
@@ -5129,7 +4949,10 @@
             <a:lstStyle/>
             <a:p>
               <a:pPr algn="ctr"/>
-              <a:endParaRPr lang="en-US"/>
+              <a:endParaRPr lang="en-US">
+                <a:latin typeface="仿宋" panose="02010609060101010101" pitchFamily="49" charset="-122"/>
+                <a:ea typeface="仿宋" panose="02010609060101010101" pitchFamily="49" charset="-122"/>
+              </a:endParaRPr>
             </a:p>
           </p:txBody>
         </p:sp>
@@ -5182,7 +5005,10 @@
             <a:lstStyle/>
             <a:p>
               <a:pPr algn="ctr"/>
-              <a:endParaRPr lang="en-US"/>
+              <a:endParaRPr lang="en-US">
+                <a:latin typeface="仿宋" panose="02010609060101010101" pitchFamily="49" charset="-122"/>
+                <a:ea typeface="仿宋" panose="02010609060101010101" pitchFamily="49" charset="-122"/>
+              </a:endParaRPr>
             </a:p>
           </p:txBody>
         </p:sp>
@@ -5609,7 +5435,7 @@
         </p:nvSpPr>
         <p:spPr>
           <a:xfrm>
-            <a:off x="778849" y="1906031"/>
+            <a:off x="677253" y="1906031"/>
             <a:ext cx="116681" cy="114667"/>
           </a:xfrm>
           <a:prstGeom prst="ellipse">
@@ -5662,7 +5488,7 @@
         </p:nvSpPr>
         <p:spPr>
           <a:xfrm>
-            <a:off x="1366423" y="1903649"/>
+            <a:off x="1264827" y="1903649"/>
             <a:ext cx="116681" cy="114667"/>
           </a:xfrm>
           <a:prstGeom prst="ellipse">
@@ -5715,14 +5541,14 @@
         </p:nvGrpSpPr>
         <p:grpSpPr>
           <a:xfrm>
-            <a:off x="241603" y="1535631"/>
+            <a:off x="140007" y="1535631"/>
             <a:ext cx="1900239" cy="763585"/>
             <a:chOff x="241603" y="1535631"/>
             <a:chExt cx="1900239" cy="763585"/>
           </a:xfrm>
         </p:grpSpPr>
-        <mc:AlternateContent xmlns:mc="http://schemas.openxmlformats.org/markup-compatibility/2006" xmlns:a14="http://schemas.microsoft.com/office/drawing/2010/main">
-          <mc:Choice Requires="a14">
+        <mc:AlternateContent xmlns:mc="http://schemas.openxmlformats.org/markup-compatibility/2006">
+          <mc:Choice xmlns:a14="http://schemas.microsoft.com/office/drawing/2010/main" Requires="a14">
             <p:sp>
               <p:nvSpPr>
                 <p:cNvPr id="7" name="矩形 6">
@@ -5776,6 +5602,8 @@
                       <a:solidFill>
                         <a:schemeClr val="tx1"/>
                       </a:solidFill>
+                      <a:latin typeface="仿宋" panose="02010609060101010101" pitchFamily="49" charset="-122"/>
+                      <a:ea typeface="仿宋" panose="02010609060101010101" pitchFamily="49" charset="-122"/>
                     </a:rPr>
                     <a:t>circRNA</a:t>
                   </a:r>
@@ -5784,6 +5612,8 @@
                       <a:solidFill>
                         <a:schemeClr val="tx1"/>
                       </a:solidFill>
+                      <a:latin typeface="仿宋" panose="02010609060101010101" pitchFamily="49" charset="-122"/>
+                      <a:ea typeface="仿宋" panose="02010609060101010101" pitchFamily="49" charset="-122"/>
                     </a:rPr>
                     <a:t>-disease association network </a:t>
                   </a:r>
@@ -5847,12 +5677,14 @@
                     <a:solidFill>
                       <a:schemeClr val="tx1"/>
                     </a:solidFill>
+                    <a:latin typeface="仿宋" panose="02010609060101010101" pitchFamily="49" charset="-122"/>
+                    <a:ea typeface="仿宋" panose="02010609060101010101" pitchFamily="49" charset="-122"/>
                   </a:endParaRPr>
                 </a:p>
               </p:txBody>
             </p:sp>
           </mc:Choice>
-          <mc:Fallback xmlns="">
+          <mc:Fallback>
             <p:sp>
               <p:nvSpPr>
                 <p:cNvPr id="7" name="矩形 6">
@@ -5878,7 +5710,7 @@
                 <a:blipFill>
                   <a:blip r:embed="rId3"/>
                   <a:stretch>
-                    <a:fillRect/>
+                    <a:fillRect r="-2564"/>
                   </a:stretch>
                 </a:blipFill>
                 <a:ln>
@@ -5949,7 +5781,10 @@
             <a:lstStyle/>
             <a:p>
               <a:pPr algn="ctr"/>
-              <a:endParaRPr lang="en-US"/>
+              <a:endParaRPr lang="en-US">
+                <a:latin typeface="仿宋" panose="02010609060101010101" pitchFamily="49" charset="-122"/>
+                <a:ea typeface="仿宋" panose="02010609060101010101" pitchFamily="49" charset="-122"/>
+              </a:endParaRPr>
             </a:p>
           </p:txBody>
         </p:sp>
@@ -6000,7 +5835,10 @@
             <a:lstStyle/>
             <a:p>
               <a:pPr algn="ctr"/>
-              <a:endParaRPr lang="en-US"/>
+              <a:endParaRPr lang="en-US">
+                <a:latin typeface="仿宋" panose="02010609060101010101" pitchFamily="49" charset="-122"/>
+                <a:ea typeface="仿宋" panose="02010609060101010101" pitchFamily="49" charset="-122"/>
+              </a:endParaRPr>
             </a:p>
           </p:txBody>
         </p:sp>
@@ -6051,7 +5889,10 @@
             <a:lstStyle/>
             <a:p>
               <a:pPr algn="ctr"/>
-              <a:endParaRPr lang="en-US"/>
+              <a:endParaRPr lang="en-US">
+                <a:latin typeface="仿宋" panose="02010609060101010101" pitchFamily="49" charset="-122"/>
+                <a:ea typeface="仿宋" panose="02010609060101010101" pitchFamily="49" charset="-122"/>
+              </a:endParaRPr>
             </a:p>
           </p:txBody>
         </p:sp>
@@ -6102,7 +5943,10 @@
             <a:lstStyle/>
             <a:p>
               <a:pPr algn="ctr"/>
-              <a:endParaRPr lang="en-US"/>
+              <a:endParaRPr lang="en-US">
+                <a:latin typeface="仿宋" panose="02010609060101010101" pitchFamily="49" charset="-122"/>
+                <a:ea typeface="仿宋" panose="02010609060101010101" pitchFamily="49" charset="-122"/>
+              </a:endParaRPr>
             </a:p>
           </p:txBody>
         </p:sp>
@@ -6153,7 +5997,10 @@
             <a:lstStyle/>
             <a:p>
               <a:pPr algn="ctr"/>
-              <a:endParaRPr lang="en-US"/>
+              <a:endParaRPr lang="en-US">
+                <a:latin typeface="仿宋" panose="02010609060101010101" pitchFamily="49" charset="-122"/>
+                <a:ea typeface="仿宋" panose="02010609060101010101" pitchFamily="49" charset="-122"/>
+              </a:endParaRPr>
             </a:p>
           </p:txBody>
         </p:sp>
@@ -6176,7 +6023,7 @@
           <p:spPr>
             <a:xfrm flipV="1">
               <a:off x="759203" y="2020698"/>
-              <a:ext cx="77987" cy="118233"/>
+              <a:ext cx="87223" cy="118233"/>
             </a:xfrm>
             <a:prstGeom prst="line">
               <a:avLst/>
@@ -6213,7 +6060,7 @@
           <p:spPr>
             <a:xfrm>
               <a:off x="1096118" y="1812516"/>
-              <a:ext cx="261610" cy="230832"/>
+              <a:ext cx="357790" cy="230832"/>
             </a:xfrm>
             <a:prstGeom prst="rect">
               <a:avLst/>
@@ -6227,7 +6074,10 @@
             <a:lstStyle/>
             <a:p>
               <a:r>
-                <a:rPr lang="en-US" sz="900" dirty="0"/>
+                <a:rPr lang="en-US" sz="900" dirty="0">
+                  <a:latin typeface="仿宋" panose="02010609060101010101" pitchFamily="49" charset="-122"/>
+                  <a:ea typeface="仿宋" panose="02010609060101010101" pitchFamily="49" charset="-122"/>
+                </a:rPr>
                 <a:t>...</a:t>
               </a:r>
             </a:p>
@@ -6248,7 +6098,7 @@
           <p:spPr>
             <a:xfrm>
               <a:off x="1270281" y="2043348"/>
-              <a:ext cx="261610" cy="230832"/>
+              <a:ext cx="357790" cy="230832"/>
             </a:xfrm>
             <a:prstGeom prst="rect">
               <a:avLst/>
@@ -6262,7 +6112,10 @@
             <a:lstStyle/>
             <a:p>
               <a:r>
-                <a:rPr lang="en-US" sz="900" dirty="0"/>
+                <a:rPr lang="en-US" sz="900" dirty="0">
+                  <a:latin typeface="仿宋" panose="02010609060101010101" pitchFamily="49" charset="-122"/>
+                  <a:ea typeface="仿宋" panose="02010609060101010101" pitchFamily="49" charset="-122"/>
+                </a:rPr>
                 <a:t>...</a:t>
               </a:r>
             </a:p>
@@ -6285,7 +6138,7 @@
           </p:nvCxnSpPr>
           <p:spPr>
             <a:xfrm flipH="1" flipV="1">
-              <a:off x="837190" y="2020698"/>
+              <a:off x="735594" y="2020698"/>
               <a:ext cx="118886" cy="113344"/>
             </a:xfrm>
             <a:prstGeom prst="line">
@@ -6326,8 +6179,8 @@
           </p:nvCxnSpPr>
           <p:spPr>
             <a:xfrm flipH="1" flipV="1">
-              <a:off x="837190" y="2020698"/>
-              <a:ext cx="352329" cy="115207"/>
+              <a:off x="846426" y="2020698"/>
+              <a:ext cx="343093" cy="115207"/>
             </a:xfrm>
             <a:prstGeom prst="line">
               <a:avLst/>
@@ -6367,8 +6220,8 @@
           </p:nvCxnSpPr>
           <p:spPr>
             <a:xfrm flipH="1" flipV="1">
-              <a:off x="837190" y="2020698"/>
-              <a:ext cx="770878" cy="113344"/>
+              <a:off x="846426" y="2020698"/>
+              <a:ext cx="761642" cy="113344"/>
             </a:xfrm>
             <a:prstGeom prst="line">
               <a:avLst/>
@@ -6571,8 +6424,8 @@
           </p:nvCxnSpPr>
           <p:spPr>
             <a:xfrm flipH="1" flipV="1">
-              <a:off x="1424764" y="2018316"/>
-              <a:ext cx="183304" cy="115726"/>
+              <a:off x="1434000" y="2018316"/>
+              <a:ext cx="174068" cy="115726"/>
             </a:xfrm>
             <a:prstGeom prst="line">
               <a:avLst/>
@@ -6613,7 +6466,7 @@
           <p:spPr>
             <a:xfrm flipV="1">
               <a:off x="1189519" y="2018316"/>
-              <a:ext cx="235245" cy="117589"/>
+              <a:ext cx="244481" cy="117589"/>
             </a:xfrm>
             <a:prstGeom prst="line">
               <a:avLst/>
@@ -6654,7 +6507,7 @@
           <p:spPr>
             <a:xfrm flipV="1">
               <a:off x="968605" y="2018316"/>
-              <a:ext cx="456159" cy="117589"/>
+              <a:ext cx="465395" cy="117589"/>
             </a:xfrm>
             <a:prstGeom prst="line">
               <a:avLst/>
@@ -6695,7 +6548,7 @@
           <p:spPr>
             <a:xfrm flipV="1">
               <a:off x="759203" y="2018316"/>
-              <a:ext cx="665561" cy="120615"/>
+              <a:ext cx="674797" cy="120615"/>
             </a:xfrm>
             <a:prstGeom prst="line">
               <a:avLst/>
@@ -6732,14 +6585,14 @@
         </p:nvGrpSpPr>
         <p:grpSpPr>
           <a:xfrm>
-            <a:off x="245964" y="607145"/>
+            <a:off x="144368" y="607145"/>
             <a:ext cx="1900239" cy="869329"/>
             <a:chOff x="251299" y="605382"/>
             <a:chExt cx="1900239" cy="869329"/>
           </a:xfrm>
         </p:grpSpPr>
-        <mc:AlternateContent xmlns:mc="http://schemas.openxmlformats.org/markup-compatibility/2006" xmlns:a14="http://schemas.microsoft.com/office/drawing/2010/main">
-          <mc:Choice Requires="a14">
+        <mc:AlternateContent xmlns:mc="http://schemas.openxmlformats.org/markup-compatibility/2006">
+          <mc:Choice xmlns:a14="http://schemas.microsoft.com/office/drawing/2010/main" Requires="a14">
             <p:sp>
               <p:nvSpPr>
                 <p:cNvPr id="8" name="矩形 7">
@@ -6793,6 +6646,8 @@
                       <a:solidFill>
                         <a:schemeClr val="tx1"/>
                       </a:solidFill>
+                      <a:latin typeface="仿宋" panose="02010609060101010101" pitchFamily="49" charset="-122"/>
+                      <a:ea typeface="仿宋" panose="02010609060101010101" pitchFamily="49" charset="-122"/>
                     </a:rPr>
                     <a:t>circRNA</a:t>
                   </a:r>
@@ -6801,6 +6656,8 @@
                       <a:solidFill>
                         <a:schemeClr val="tx1"/>
                       </a:solidFill>
+                      <a:latin typeface="仿宋" panose="02010609060101010101" pitchFamily="49" charset="-122"/>
+                      <a:ea typeface="仿宋" panose="02010609060101010101" pitchFamily="49" charset="-122"/>
                     </a:rPr>
                     <a:t>-drug association network</a:t>
                   </a:r>
@@ -6864,12 +6721,14 @@
                     <a:solidFill>
                       <a:schemeClr val="tx1"/>
                     </a:solidFill>
+                    <a:latin typeface="仿宋" panose="02010609060101010101" pitchFamily="49" charset="-122"/>
+                    <a:ea typeface="仿宋" panose="02010609060101010101" pitchFamily="49" charset="-122"/>
                   </a:endParaRPr>
                 </a:p>
               </p:txBody>
             </p:sp>
           </mc:Choice>
-          <mc:Fallback xmlns="">
+          <mc:Fallback>
             <p:sp>
               <p:nvSpPr>
                 <p:cNvPr id="8" name="矩形 7">
@@ -6966,7 +6825,10 @@
             <a:lstStyle/>
             <a:p>
               <a:pPr algn="ctr"/>
-              <a:endParaRPr lang="en-US"/>
+              <a:endParaRPr lang="en-US">
+                <a:latin typeface="仿宋" panose="02010609060101010101" pitchFamily="49" charset="-122"/>
+                <a:ea typeface="仿宋" panose="02010609060101010101" pitchFamily="49" charset="-122"/>
+              </a:endParaRPr>
             </a:p>
           </p:txBody>
         </p:sp>
@@ -7019,7 +6881,10 @@
             <a:lstStyle/>
             <a:p>
               <a:pPr algn="ctr"/>
-              <a:endParaRPr lang="en-US"/>
+              <a:endParaRPr lang="en-US">
+                <a:latin typeface="仿宋" panose="02010609060101010101" pitchFamily="49" charset="-122"/>
+                <a:ea typeface="仿宋" panose="02010609060101010101" pitchFamily="49" charset="-122"/>
+              </a:endParaRPr>
             </a:p>
           </p:txBody>
         </p:sp>
@@ -7072,7 +6937,10 @@
             <a:lstStyle/>
             <a:p>
               <a:pPr algn="ctr"/>
-              <a:endParaRPr lang="en-US"/>
+              <a:endParaRPr lang="en-US">
+                <a:latin typeface="仿宋" panose="02010609060101010101" pitchFamily="49" charset="-122"/>
+                <a:ea typeface="仿宋" panose="02010609060101010101" pitchFamily="49" charset="-122"/>
+              </a:endParaRPr>
             </a:p>
           </p:txBody>
         </p:sp>
@@ -7129,7 +6997,10 @@
             <a:lstStyle/>
             <a:p>
               <a:pPr algn="ctr"/>
-              <a:endParaRPr lang="en-US"/>
+              <a:endParaRPr lang="en-US">
+                <a:latin typeface="仿宋" panose="02010609060101010101" pitchFamily="49" charset="-122"/>
+                <a:ea typeface="仿宋" panose="02010609060101010101" pitchFamily="49" charset="-122"/>
+              </a:endParaRPr>
             </a:p>
           </p:txBody>
         </p:sp>
@@ -7186,7 +7057,10 @@
             <a:lstStyle/>
             <a:p>
               <a:pPr algn="ctr"/>
-              <a:endParaRPr lang="en-US"/>
+              <a:endParaRPr lang="en-US">
+                <a:latin typeface="仿宋" panose="02010609060101010101" pitchFamily="49" charset="-122"/>
+                <a:ea typeface="仿宋" panose="02010609060101010101" pitchFamily="49" charset="-122"/>
+              </a:endParaRPr>
             </a:p>
           </p:txBody>
         </p:sp>
@@ -7243,7 +7117,10 @@
             <a:lstStyle/>
             <a:p>
               <a:pPr algn="ctr"/>
-              <a:endParaRPr lang="en-US"/>
+              <a:endParaRPr lang="en-US">
+                <a:latin typeface="仿宋" panose="02010609060101010101" pitchFamily="49" charset="-122"/>
+                <a:ea typeface="仿宋" panose="02010609060101010101" pitchFamily="49" charset="-122"/>
+              </a:endParaRPr>
             </a:p>
           </p:txBody>
         </p:sp>
@@ -7300,7 +7177,10 @@
             <a:lstStyle/>
             <a:p>
               <a:pPr algn="ctr"/>
-              <a:endParaRPr lang="en-US"/>
+              <a:endParaRPr lang="en-US">
+                <a:latin typeface="仿宋" panose="02010609060101010101" pitchFamily="49" charset="-122"/>
+                <a:ea typeface="仿宋" panose="02010609060101010101" pitchFamily="49" charset="-122"/>
+              </a:endParaRPr>
             </a:p>
           </p:txBody>
         </p:sp>
@@ -7360,7 +7240,7 @@
           <p:spPr>
             <a:xfrm>
               <a:off x="1279801" y="1195624"/>
-              <a:ext cx="261610" cy="230832"/>
+              <a:ext cx="357790" cy="230832"/>
             </a:xfrm>
             <a:prstGeom prst="rect">
               <a:avLst/>
@@ -7374,7 +7254,10 @@
             <a:lstStyle/>
             <a:p>
               <a:r>
-                <a:rPr lang="en-US" sz="900" dirty="0"/>
+                <a:rPr lang="en-US" sz="900" dirty="0">
+                  <a:latin typeface="仿宋" panose="02010609060101010101" pitchFamily="49" charset="-122"/>
+                  <a:ea typeface="仿宋" panose="02010609060101010101" pitchFamily="49" charset="-122"/>
+                </a:rPr>
                 <a:t>...</a:t>
               </a:r>
             </a:p>
@@ -7844,14 +7727,14 @@
         </p:nvGrpSpPr>
         <p:grpSpPr>
           <a:xfrm>
-            <a:off x="232251" y="3226883"/>
+            <a:off x="130655" y="3226883"/>
             <a:ext cx="1900239" cy="834589"/>
             <a:chOff x="232251" y="3226883"/>
             <a:chExt cx="1900239" cy="834589"/>
           </a:xfrm>
         </p:grpSpPr>
-        <mc:AlternateContent xmlns:mc="http://schemas.openxmlformats.org/markup-compatibility/2006" xmlns:a14="http://schemas.microsoft.com/office/drawing/2010/main">
-          <mc:Choice Requires="a14">
+        <mc:AlternateContent xmlns:mc="http://schemas.openxmlformats.org/markup-compatibility/2006">
+          <mc:Choice xmlns:a14="http://schemas.microsoft.com/office/drawing/2010/main" Requires="a14">
             <p:sp>
               <p:nvSpPr>
                 <p:cNvPr id="9" name="矩形 8">
@@ -7905,6 +7788,8 @@
                       <a:solidFill>
                         <a:schemeClr val="tx1"/>
                       </a:solidFill>
+                      <a:latin typeface="仿宋" panose="02010609060101010101" pitchFamily="49" charset="-122"/>
+                      <a:ea typeface="仿宋" panose="02010609060101010101" pitchFamily="49" charset="-122"/>
                     </a:rPr>
                     <a:t>circRNA</a:t>
                   </a:r>
@@ -7913,6 +7798,8 @@
                       <a:solidFill>
                         <a:schemeClr val="tx1"/>
                       </a:solidFill>
+                      <a:latin typeface="仿宋" panose="02010609060101010101" pitchFamily="49" charset="-122"/>
+                      <a:ea typeface="仿宋" panose="02010609060101010101" pitchFamily="49" charset="-122"/>
                     </a:rPr>
                     <a:t>-miRNA association network</a:t>
                   </a:r>
@@ -7976,12 +7863,14 @@
                     <a:solidFill>
                       <a:schemeClr val="tx1"/>
                     </a:solidFill>
+                    <a:latin typeface="仿宋" panose="02010609060101010101" pitchFamily="49" charset="-122"/>
+                    <a:ea typeface="仿宋" panose="02010609060101010101" pitchFamily="49" charset="-122"/>
                   </a:endParaRPr>
                 </a:p>
               </p:txBody>
             </p:sp>
           </mc:Choice>
-          <mc:Fallback xmlns="">
+          <mc:Fallback>
             <p:sp>
               <p:nvSpPr>
                 <p:cNvPr id="9" name="矩形 8">
@@ -8078,7 +7967,10 @@
             <a:lstStyle/>
             <a:p>
               <a:pPr algn="ctr"/>
-              <a:endParaRPr lang="en-US"/>
+              <a:endParaRPr lang="en-US">
+                <a:latin typeface="仿宋" panose="02010609060101010101" pitchFamily="49" charset="-122"/>
+                <a:ea typeface="仿宋" panose="02010609060101010101" pitchFamily="49" charset="-122"/>
+              </a:endParaRPr>
             </a:p>
           </p:txBody>
         </p:sp>
@@ -8131,7 +8023,10 @@
             <a:lstStyle/>
             <a:p>
               <a:pPr algn="ctr"/>
-              <a:endParaRPr lang="en-US"/>
+              <a:endParaRPr lang="en-US">
+                <a:latin typeface="仿宋" panose="02010609060101010101" pitchFamily="49" charset="-122"/>
+                <a:ea typeface="仿宋" panose="02010609060101010101" pitchFamily="49" charset="-122"/>
+              </a:endParaRPr>
             </a:p>
           </p:txBody>
         </p:sp>
@@ -8184,7 +8079,10 @@
             <a:lstStyle/>
             <a:p>
               <a:pPr algn="ctr"/>
-              <a:endParaRPr lang="en-US"/>
+              <a:endParaRPr lang="en-US">
+                <a:latin typeface="仿宋" panose="02010609060101010101" pitchFamily="49" charset="-122"/>
+                <a:ea typeface="仿宋" panose="02010609060101010101" pitchFamily="49" charset="-122"/>
+              </a:endParaRPr>
             </a:p>
           </p:txBody>
         </p:sp>
@@ -8240,7 +8138,10 @@
             <a:lstStyle/>
             <a:p>
               <a:pPr algn="ctr"/>
-              <a:endParaRPr lang="en-US"/>
+              <a:endParaRPr lang="en-US">
+                <a:latin typeface="仿宋" panose="02010609060101010101" pitchFamily="49" charset="-122"/>
+                <a:ea typeface="仿宋" panose="02010609060101010101" pitchFamily="49" charset="-122"/>
+              </a:endParaRPr>
             </a:p>
           </p:txBody>
         </p:sp>
@@ -8296,7 +8197,10 @@
             <a:lstStyle/>
             <a:p>
               <a:pPr algn="ctr"/>
-              <a:endParaRPr lang="en-US"/>
+              <a:endParaRPr lang="en-US">
+                <a:latin typeface="仿宋" panose="02010609060101010101" pitchFamily="49" charset="-122"/>
+                <a:ea typeface="仿宋" panose="02010609060101010101" pitchFamily="49" charset="-122"/>
+              </a:endParaRPr>
             </a:p>
           </p:txBody>
         </p:sp>
@@ -8352,7 +8256,10 @@
             <a:lstStyle/>
             <a:p>
               <a:pPr algn="ctr"/>
-              <a:endParaRPr lang="en-US"/>
+              <a:endParaRPr lang="en-US">
+                <a:latin typeface="仿宋" panose="02010609060101010101" pitchFamily="49" charset="-122"/>
+                <a:ea typeface="仿宋" panose="02010609060101010101" pitchFamily="49" charset="-122"/>
+              </a:endParaRPr>
             </a:p>
           </p:txBody>
         </p:sp>
@@ -8408,7 +8315,10 @@
             <a:lstStyle/>
             <a:p>
               <a:pPr algn="ctr"/>
-              <a:endParaRPr lang="en-US"/>
+              <a:endParaRPr lang="en-US">
+                <a:latin typeface="仿宋" panose="02010609060101010101" pitchFamily="49" charset="-122"/>
+                <a:ea typeface="仿宋" panose="02010609060101010101" pitchFamily="49" charset="-122"/>
+              </a:endParaRPr>
             </a:p>
           </p:txBody>
         </p:sp>
@@ -8468,7 +8378,7 @@
           <p:spPr>
             <a:xfrm>
               <a:off x="1270281" y="3776904"/>
-              <a:ext cx="261610" cy="230832"/>
+              <a:ext cx="357790" cy="230832"/>
             </a:xfrm>
             <a:prstGeom prst="rect">
               <a:avLst/>
@@ -8482,7 +8392,10 @@
             <a:lstStyle/>
             <a:p>
               <a:r>
-                <a:rPr lang="en-US" sz="900" dirty="0"/>
+                <a:rPr lang="en-US" sz="900" dirty="0">
+                  <a:latin typeface="仿宋" panose="02010609060101010101" pitchFamily="49" charset="-122"/>
+                  <a:ea typeface="仿宋" panose="02010609060101010101" pitchFamily="49" charset="-122"/>
+                </a:rPr>
                 <a:t>...</a:t>
               </a:r>
             </a:p>
@@ -8952,10 +8865,10 @@
         </p:nvGrpSpPr>
         <p:grpSpPr>
           <a:xfrm>
-            <a:off x="3127375" y="583418"/>
-            <a:ext cx="1193801" cy="625573"/>
-            <a:chOff x="3311607" y="591497"/>
-            <a:chExt cx="1193801" cy="625573"/>
+            <a:off x="2908305" y="583418"/>
+            <a:ext cx="1311276" cy="625573"/>
+            <a:chOff x="3194133" y="591497"/>
+            <a:chExt cx="1311276" cy="625573"/>
           </a:xfrm>
         </p:grpSpPr>
         <p:sp>
@@ -8972,8 +8885,8 @@
           </p:nvSpPr>
           <p:spPr>
             <a:xfrm>
-              <a:off x="3311607" y="591497"/>
-              <a:ext cx="1193801" cy="625573"/>
+              <a:off x="3194133" y="591497"/>
+              <a:ext cx="1311276" cy="625573"/>
             </a:xfrm>
             <a:prstGeom prst="rect">
               <a:avLst/>
@@ -9014,6 +8927,8 @@
                   <a:solidFill>
                     <a:schemeClr val="tx1"/>
                   </a:solidFill>
+                  <a:latin typeface="仿宋" panose="02010609060101010101" pitchFamily="49" charset="-122"/>
+                  <a:ea typeface="仿宋" panose="02010609060101010101" pitchFamily="49" charset="-122"/>
                 </a:rPr>
                 <a:t>circRNA</a:t>
               </a:r>
@@ -9022,6 +8937,8 @@
                   <a:solidFill>
                     <a:schemeClr val="tx1"/>
                   </a:solidFill>
+                  <a:latin typeface="仿宋" panose="02010609060101010101" pitchFamily="49" charset="-122"/>
+                  <a:ea typeface="仿宋" panose="02010609060101010101" pitchFamily="49" charset="-122"/>
                 </a:rPr>
                 <a:t> disease network features</a:t>
               </a:r>
@@ -9030,12 +8947,16 @@
                   <a:solidFill>
                     <a:schemeClr val="tx1"/>
                   </a:solidFill>
+                  <a:latin typeface="仿宋" panose="02010609060101010101" pitchFamily="49" charset="-122"/>
+                  <a:ea typeface="仿宋" panose="02010609060101010101" pitchFamily="49" charset="-122"/>
                 </a:rPr>
               </a:br>
               <a:endParaRPr lang="zh-CN" altLang="en-US" sz="1000" dirty="0">
                 <a:solidFill>
                   <a:schemeClr val="tx1"/>
                 </a:solidFill>
+                <a:latin typeface="仿宋" panose="02010609060101010101" pitchFamily="49" charset="-122"/>
+                <a:ea typeface="仿宋" panose="02010609060101010101" pitchFamily="49" charset="-122"/>
               </a:endParaRPr>
             </a:p>
           </p:txBody>
@@ -9054,7 +8975,7 @@
           </p:nvSpPr>
           <p:spPr>
             <a:xfrm>
-              <a:off x="3699580" y="941091"/>
+              <a:off x="3607505" y="947441"/>
               <a:ext cx="45719" cy="246359"/>
             </a:xfrm>
             <a:prstGeom prst="leftBracket">
@@ -9085,7 +9006,10 @@
             <a:lstStyle/>
             <a:p>
               <a:pPr algn="ctr"/>
-              <a:endParaRPr lang="en-US"/>
+              <a:endParaRPr lang="en-US">
+                <a:latin typeface="仿宋" panose="02010609060101010101" pitchFamily="49" charset="-122"/>
+                <a:ea typeface="仿宋" panose="02010609060101010101" pitchFamily="49" charset="-122"/>
+              </a:endParaRPr>
             </a:p>
           </p:txBody>
         </p:sp>
@@ -9103,7 +9027,7 @@
           </p:nvSpPr>
           <p:spPr>
             <a:xfrm>
-              <a:off x="4060706" y="934493"/>
+              <a:off x="3968631" y="940843"/>
               <a:ext cx="55655" cy="256677"/>
             </a:xfrm>
             <a:prstGeom prst="rightBracket">
@@ -9134,7 +9058,10 @@
             <a:lstStyle/>
             <a:p>
               <a:pPr algn="ctr"/>
-              <a:endParaRPr lang="en-US"/>
+              <a:endParaRPr lang="en-US">
+                <a:latin typeface="仿宋" panose="02010609060101010101" pitchFamily="49" charset="-122"/>
+                <a:ea typeface="仿宋" panose="02010609060101010101" pitchFamily="49" charset="-122"/>
+              </a:endParaRPr>
             </a:p>
           </p:txBody>
         </p:sp>
@@ -9152,7 +9079,7 @@
           </p:nvSpPr>
           <p:spPr>
             <a:xfrm>
-              <a:off x="3766819" y="950267"/>
+              <a:off x="3674744" y="956617"/>
               <a:ext cx="69056" cy="66522"/>
             </a:xfrm>
             <a:prstGeom prst="rect">
@@ -9186,7 +9113,10 @@
             <a:lstStyle/>
             <a:p>
               <a:pPr algn="ctr"/>
-              <a:endParaRPr lang="en-US"/>
+              <a:endParaRPr lang="en-US">
+                <a:latin typeface="仿宋" panose="02010609060101010101" pitchFamily="49" charset="-122"/>
+                <a:ea typeface="仿宋" panose="02010609060101010101" pitchFamily="49" charset="-122"/>
+              </a:endParaRPr>
             </a:p>
           </p:txBody>
         </p:sp>
@@ -9204,7 +9134,7 @@
           </p:nvSpPr>
           <p:spPr>
             <a:xfrm>
-              <a:off x="3875168" y="950267"/>
+              <a:off x="3783093" y="956617"/>
               <a:ext cx="69056" cy="66522"/>
             </a:xfrm>
             <a:prstGeom prst="rect">
@@ -9238,7 +9168,10 @@
             <a:lstStyle/>
             <a:p>
               <a:pPr algn="ctr"/>
-              <a:endParaRPr lang="en-US"/>
+              <a:endParaRPr lang="en-US">
+                <a:latin typeface="仿宋" panose="02010609060101010101" pitchFamily="49" charset="-122"/>
+                <a:ea typeface="仿宋" panose="02010609060101010101" pitchFamily="49" charset="-122"/>
+              </a:endParaRPr>
             </a:p>
           </p:txBody>
         </p:sp>
@@ -9256,7 +9189,7 @@
           </p:nvSpPr>
           <p:spPr>
             <a:xfrm>
-              <a:off x="3985674" y="947190"/>
+              <a:off x="3893599" y="953540"/>
               <a:ext cx="69056" cy="66522"/>
             </a:xfrm>
             <a:prstGeom prst="rect">
@@ -9290,7 +9223,10 @@
             <a:lstStyle/>
             <a:p>
               <a:pPr algn="ctr"/>
-              <a:endParaRPr lang="en-US"/>
+              <a:endParaRPr lang="en-US">
+                <a:latin typeface="仿宋" panose="02010609060101010101" pitchFamily="49" charset="-122"/>
+                <a:ea typeface="仿宋" panose="02010609060101010101" pitchFamily="49" charset="-122"/>
+              </a:endParaRPr>
             </a:p>
           </p:txBody>
         </p:sp>
@@ -9308,7 +9244,7 @@
           </p:nvSpPr>
           <p:spPr>
             <a:xfrm>
-              <a:off x="3766819" y="1035756"/>
+              <a:off x="3674744" y="1042106"/>
               <a:ext cx="69056" cy="66522"/>
             </a:xfrm>
             <a:prstGeom prst="rect">
@@ -9342,7 +9278,10 @@
             <a:lstStyle/>
             <a:p>
               <a:pPr algn="ctr"/>
-              <a:endParaRPr lang="en-US"/>
+              <a:endParaRPr lang="en-US">
+                <a:latin typeface="仿宋" panose="02010609060101010101" pitchFamily="49" charset="-122"/>
+                <a:ea typeface="仿宋" panose="02010609060101010101" pitchFamily="49" charset="-122"/>
+              </a:endParaRPr>
             </a:p>
           </p:txBody>
         </p:sp>
@@ -9360,7 +9299,7 @@
           </p:nvSpPr>
           <p:spPr>
             <a:xfrm>
-              <a:off x="3766819" y="1121124"/>
+              <a:off x="3674744" y="1127474"/>
               <a:ext cx="69056" cy="66522"/>
             </a:xfrm>
             <a:prstGeom prst="rect">
@@ -9394,7 +9333,10 @@
             <a:lstStyle/>
             <a:p>
               <a:pPr algn="ctr"/>
-              <a:endParaRPr lang="en-US"/>
+              <a:endParaRPr lang="en-US">
+                <a:latin typeface="仿宋" panose="02010609060101010101" pitchFamily="49" charset="-122"/>
+                <a:ea typeface="仿宋" panose="02010609060101010101" pitchFamily="49" charset="-122"/>
+              </a:endParaRPr>
             </a:p>
           </p:txBody>
         </p:sp>
@@ -9412,7 +9354,7 @@
           </p:nvSpPr>
           <p:spPr>
             <a:xfrm>
-              <a:off x="3872785" y="1033717"/>
+              <a:off x="3780710" y="1040067"/>
               <a:ext cx="69056" cy="66522"/>
             </a:xfrm>
             <a:prstGeom prst="rect">
@@ -9446,7 +9388,10 @@
             <a:lstStyle/>
             <a:p>
               <a:pPr algn="ctr"/>
-              <a:endParaRPr lang="en-US"/>
+              <a:endParaRPr lang="en-US">
+                <a:latin typeface="仿宋" panose="02010609060101010101" pitchFamily="49" charset="-122"/>
+                <a:ea typeface="仿宋" panose="02010609060101010101" pitchFamily="49" charset="-122"/>
+              </a:endParaRPr>
             </a:p>
           </p:txBody>
         </p:sp>
@@ -9464,7 +9409,7 @@
           </p:nvSpPr>
           <p:spPr>
             <a:xfrm>
-              <a:off x="3872785" y="1119978"/>
+              <a:off x="3780710" y="1126328"/>
               <a:ext cx="69056" cy="66522"/>
             </a:xfrm>
             <a:prstGeom prst="rect">
@@ -9498,7 +9443,10 @@
             <a:lstStyle/>
             <a:p>
               <a:pPr algn="ctr"/>
-              <a:endParaRPr lang="en-US"/>
+              <a:endParaRPr lang="en-US">
+                <a:latin typeface="仿宋" panose="02010609060101010101" pitchFamily="49" charset="-122"/>
+                <a:ea typeface="仿宋" panose="02010609060101010101" pitchFamily="49" charset="-122"/>
+              </a:endParaRPr>
             </a:p>
           </p:txBody>
         </p:sp>
@@ -9516,7 +9464,7 @@
           </p:nvSpPr>
           <p:spPr>
             <a:xfrm>
-              <a:off x="3985499" y="1033717"/>
+              <a:off x="3893424" y="1040067"/>
               <a:ext cx="69056" cy="66522"/>
             </a:xfrm>
             <a:prstGeom prst="rect">
@@ -9550,7 +9498,10 @@
             <a:lstStyle/>
             <a:p>
               <a:pPr algn="ctr"/>
-              <a:endParaRPr lang="en-US"/>
+              <a:endParaRPr lang="en-US">
+                <a:latin typeface="仿宋" panose="02010609060101010101" pitchFamily="49" charset="-122"/>
+                <a:ea typeface="仿宋" panose="02010609060101010101" pitchFamily="49" charset="-122"/>
+              </a:endParaRPr>
             </a:p>
           </p:txBody>
         </p:sp>
@@ -9568,7 +9519,7 @@
           </p:nvSpPr>
           <p:spPr>
             <a:xfrm>
-              <a:off x="3985498" y="1121124"/>
+              <a:off x="3893423" y="1127474"/>
               <a:ext cx="69056" cy="66522"/>
             </a:xfrm>
             <a:prstGeom prst="rect">
@@ -9602,7 +9553,10 @@
             <a:lstStyle/>
             <a:p>
               <a:pPr algn="ctr"/>
-              <a:endParaRPr lang="en-US"/>
+              <a:endParaRPr lang="en-US">
+                <a:latin typeface="仿宋" panose="02010609060101010101" pitchFamily="49" charset="-122"/>
+                <a:ea typeface="仿宋" panose="02010609060101010101" pitchFamily="49" charset="-122"/>
+              </a:endParaRPr>
             </a:p>
           </p:txBody>
         </p:sp>
@@ -9621,10 +9575,10 @@
         </p:nvGrpSpPr>
         <p:grpSpPr>
           <a:xfrm>
-            <a:off x="3134716" y="1315843"/>
-            <a:ext cx="1193801" cy="625573"/>
-            <a:chOff x="3457655" y="1303240"/>
-            <a:chExt cx="1193801" cy="625573"/>
+            <a:off x="2908304" y="1315843"/>
+            <a:ext cx="1318617" cy="625573"/>
+            <a:chOff x="3332839" y="1303240"/>
+            <a:chExt cx="1318617" cy="625573"/>
           </a:xfrm>
         </p:grpSpPr>
         <p:sp>
@@ -9641,8 +9595,8 @@
           </p:nvSpPr>
           <p:spPr>
             <a:xfrm>
-              <a:off x="3457655" y="1303240"/>
-              <a:ext cx="1193801" cy="625573"/>
+              <a:off x="3332839" y="1303240"/>
+              <a:ext cx="1318617" cy="625573"/>
             </a:xfrm>
             <a:prstGeom prst="rect">
               <a:avLst/>
@@ -9683,6 +9637,8 @@
                   <a:solidFill>
                     <a:schemeClr val="tx1"/>
                   </a:solidFill>
+                  <a:latin typeface="仿宋" panose="02010609060101010101" pitchFamily="49" charset="-122"/>
+                  <a:ea typeface="仿宋" panose="02010609060101010101" pitchFamily="49" charset="-122"/>
                 </a:rPr>
                 <a:t>circRNA</a:t>
               </a:r>
@@ -9691,6 +9647,8 @@
                   <a:solidFill>
                     <a:schemeClr val="tx1"/>
                   </a:solidFill>
+                  <a:latin typeface="仿宋" panose="02010609060101010101" pitchFamily="49" charset="-122"/>
+                  <a:ea typeface="仿宋" panose="02010609060101010101" pitchFamily="49" charset="-122"/>
                 </a:rPr>
                 <a:t> disease network features</a:t>
               </a:r>
@@ -9698,6 +9656,8 @@
                 <a:solidFill>
                   <a:schemeClr val="tx1"/>
                 </a:solidFill>
+                <a:latin typeface="仿宋" panose="02010609060101010101" pitchFamily="49" charset="-122"/>
+                <a:ea typeface="仿宋" panose="02010609060101010101" pitchFamily="49" charset="-122"/>
               </a:endParaRPr>
             </a:p>
           </p:txBody>
@@ -9716,7 +9676,7 @@
           </p:nvSpPr>
           <p:spPr>
             <a:xfrm>
-              <a:off x="3847218" y="1653095"/>
+              <a:off x="3749586" y="1653095"/>
               <a:ext cx="45719" cy="246359"/>
             </a:xfrm>
             <a:prstGeom prst="leftBracket">
@@ -9747,7 +9707,10 @@
             <a:lstStyle/>
             <a:p>
               <a:pPr algn="ctr"/>
-              <a:endParaRPr lang="en-US"/>
+              <a:endParaRPr lang="en-US">
+                <a:latin typeface="仿宋" panose="02010609060101010101" pitchFamily="49" charset="-122"/>
+                <a:ea typeface="仿宋" panose="02010609060101010101" pitchFamily="49" charset="-122"/>
+              </a:endParaRPr>
             </a:p>
           </p:txBody>
         </p:sp>
@@ -9765,7 +9728,7 @@
           </p:nvSpPr>
           <p:spPr>
             <a:xfrm>
-              <a:off x="4208344" y="1646497"/>
+              <a:off x="4110712" y="1646497"/>
               <a:ext cx="55655" cy="256677"/>
             </a:xfrm>
             <a:prstGeom prst="rightBracket">
@@ -9796,7 +9759,10 @@
             <a:lstStyle/>
             <a:p>
               <a:pPr algn="ctr"/>
-              <a:endParaRPr lang="en-US"/>
+              <a:endParaRPr lang="en-US">
+                <a:latin typeface="仿宋" panose="02010609060101010101" pitchFamily="49" charset="-122"/>
+                <a:ea typeface="仿宋" panose="02010609060101010101" pitchFamily="49" charset="-122"/>
+              </a:endParaRPr>
             </a:p>
           </p:txBody>
         </p:sp>
@@ -9814,7 +9780,7 @@
           </p:nvSpPr>
           <p:spPr>
             <a:xfrm>
-              <a:off x="3914457" y="1662271"/>
+              <a:off x="3816825" y="1662271"/>
               <a:ext cx="69056" cy="66522"/>
             </a:xfrm>
             <a:prstGeom prst="rect">
@@ -9848,7 +9814,10 @@
             <a:lstStyle/>
             <a:p>
               <a:pPr algn="ctr"/>
-              <a:endParaRPr lang="en-US"/>
+              <a:endParaRPr lang="en-US">
+                <a:latin typeface="仿宋" panose="02010609060101010101" pitchFamily="49" charset="-122"/>
+                <a:ea typeface="仿宋" panose="02010609060101010101" pitchFamily="49" charset="-122"/>
+              </a:endParaRPr>
             </a:p>
           </p:txBody>
         </p:sp>
@@ -9866,7 +9835,7 @@
           </p:nvSpPr>
           <p:spPr>
             <a:xfrm>
-              <a:off x="4022806" y="1662271"/>
+              <a:off x="3925174" y="1662271"/>
               <a:ext cx="69056" cy="66522"/>
             </a:xfrm>
             <a:prstGeom prst="rect">
@@ -9900,7 +9869,10 @@
             <a:lstStyle/>
             <a:p>
               <a:pPr algn="ctr"/>
-              <a:endParaRPr lang="en-US"/>
+              <a:endParaRPr lang="en-US">
+                <a:latin typeface="仿宋" panose="02010609060101010101" pitchFamily="49" charset="-122"/>
+                <a:ea typeface="仿宋" panose="02010609060101010101" pitchFamily="49" charset="-122"/>
+              </a:endParaRPr>
             </a:p>
           </p:txBody>
         </p:sp>
@@ -9918,7 +9890,7 @@
           </p:nvSpPr>
           <p:spPr>
             <a:xfrm>
-              <a:off x="4133312" y="1659194"/>
+              <a:off x="4035680" y="1659194"/>
               <a:ext cx="69056" cy="66522"/>
             </a:xfrm>
             <a:prstGeom prst="rect">
@@ -9952,7 +9924,10 @@
             <a:lstStyle/>
             <a:p>
               <a:pPr algn="ctr"/>
-              <a:endParaRPr lang="en-US"/>
+              <a:endParaRPr lang="en-US">
+                <a:latin typeface="仿宋" panose="02010609060101010101" pitchFamily="49" charset="-122"/>
+                <a:ea typeface="仿宋" panose="02010609060101010101" pitchFamily="49" charset="-122"/>
+              </a:endParaRPr>
             </a:p>
           </p:txBody>
         </p:sp>
@@ -9970,7 +9945,7 @@
           </p:nvSpPr>
           <p:spPr>
             <a:xfrm>
-              <a:off x="3914457" y="1747760"/>
+              <a:off x="3816825" y="1747760"/>
               <a:ext cx="69056" cy="66522"/>
             </a:xfrm>
             <a:prstGeom prst="rect">
@@ -10004,7 +9979,10 @@
             <a:lstStyle/>
             <a:p>
               <a:pPr algn="ctr"/>
-              <a:endParaRPr lang="en-US"/>
+              <a:endParaRPr lang="en-US">
+                <a:latin typeface="仿宋" panose="02010609060101010101" pitchFamily="49" charset="-122"/>
+                <a:ea typeface="仿宋" panose="02010609060101010101" pitchFamily="49" charset="-122"/>
+              </a:endParaRPr>
             </a:p>
           </p:txBody>
         </p:sp>
@@ -10022,7 +10000,7 @@
           </p:nvSpPr>
           <p:spPr>
             <a:xfrm>
-              <a:off x="3914457" y="1833128"/>
+              <a:off x="3816825" y="1833128"/>
               <a:ext cx="69056" cy="66522"/>
             </a:xfrm>
             <a:prstGeom prst="rect">
@@ -10056,7 +10034,10 @@
             <a:lstStyle/>
             <a:p>
               <a:pPr algn="ctr"/>
-              <a:endParaRPr lang="en-US"/>
+              <a:endParaRPr lang="en-US">
+                <a:latin typeface="仿宋" panose="02010609060101010101" pitchFamily="49" charset="-122"/>
+                <a:ea typeface="仿宋" panose="02010609060101010101" pitchFamily="49" charset="-122"/>
+              </a:endParaRPr>
             </a:p>
           </p:txBody>
         </p:sp>
@@ -10074,7 +10055,7 @@
           </p:nvSpPr>
           <p:spPr>
             <a:xfrm>
-              <a:off x="4020423" y="1745721"/>
+              <a:off x="3922791" y="1745721"/>
               <a:ext cx="69056" cy="66522"/>
             </a:xfrm>
             <a:prstGeom prst="rect">
@@ -10108,7 +10089,10 @@
             <a:lstStyle/>
             <a:p>
               <a:pPr algn="ctr"/>
-              <a:endParaRPr lang="en-US"/>
+              <a:endParaRPr lang="en-US">
+                <a:latin typeface="仿宋" panose="02010609060101010101" pitchFamily="49" charset="-122"/>
+                <a:ea typeface="仿宋" panose="02010609060101010101" pitchFamily="49" charset="-122"/>
+              </a:endParaRPr>
             </a:p>
           </p:txBody>
         </p:sp>
@@ -10126,7 +10110,7 @@
           </p:nvSpPr>
           <p:spPr>
             <a:xfrm>
-              <a:off x="4020423" y="1831982"/>
+              <a:off x="3922791" y="1831982"/>
               <a:ext cx="69056" cy="66522"/>
             </a:xfrm>
             <a:prstGeom prst="rect">
@@ -10160,7 +10144,10 @@
             <a:lstStyle/>
             <a:p>
               <a:pPr algn="ctr"/>
-              <a:endParaRPr lang="en-US"/>
+              <a:endParaRPr lang="en-US">
+                <a:latin typeface="仿宋" panose="02010609060101010101" pitchFamily="49" charset="-122"/>
+                <a:ea typeface="仿宋" panose="02010609060101010101" pitchFamily="49" charset="-122"/>
+              </a:endParaRPr>
             </a:p>
           </p:txBody>
         </p:sp>
@@ -10178,7 +10165,7 @@
           </p:nvSpPr>
           <p:spPr>
             <a:xfrm>
-              <a:off x="4133137" y="1745721"/>
+              <a:off x="4035505" y="1745721"/>
               <a:ext cx="69056" cy="66522"/>
             </a:xfrm>
             <a:prstGeom prst="rect">
@@ -10212,7 +10199,10 @@
             <a:lstStyle/>
             <a:p>
               <a:pPr algn="ctr"/>
-              <a:endParaRPr lang="en-US"/>
+              <a:endParaRPr lang="en-US">
+                <a:latin typeface="仿宋" panose="02010609060101010101" pitchFamily="49" charset="-122"/>
+                <a:ea typeface="仿宋" panose="02010609060101010101" pitchFamily="49" charset="-122"/>
+              </a:endParaRPr>
             </a:p>
           </p:txBody>
         </p:sp>
@@ -10230,7 +10220,7 @@
           </p:nvSpPr>
           <p:spPr>
             <a:xfrm>
-              <a:off x="4133136" y="1833128"/>
+              <a:off x="4035504" y="1833128"/>
               <a:ext cx="69056" cy="66522"/>
             </a:xfrm>
             <a:prstGeom prst="rect">
@@ -10264,7 +10254,10 @@
             <a:lstStyle/>
             <a:p>
               <a:pPr algn="ctr"/>
-              <a:endParaRPr lang="en-US"/>
+              <a:endParaRPr lang="en-US">
+                <a:latin typeface="仿宋" panose="02010609060101010101" pitchFamily="49" charset="-122"/>
+                <a:ea typeface="仿宋" panose="02010609060101010101" pitchFamily="49" charset="-122"/>
+              </a:endParaRPr>
             </a:p>
           </p:txBody>
         </p:sp>
@@ -10283,10 +10276,10 @@
         </p:nvGrpSpPr>
         <p:grpSpPr>
           <a:xfrm>
-            <a:off x="6041510" y="2316973"/>
-            <a:ext cx="1195832" cy="718044"/>
-            <a:chOff x="6041510" y="2323651"/>
-            <a:chExt cx="1193801" cy="625573"/>
+            <a:off x="5266694" y="2215673"/>
+            <a:ext cx="1341783" cy="718044"/>
+            <a:chOff x="5895807" y="2323651"/>
+            <a:chExt cx="1339504" cy="625573"/>
           </a:xfrm>
         </p:grpSpPr>
         <p:sp>
@@ -10303,8 +10296,8 @@
           </p:nvSpPr>
           <p:spPr>
             <a:xfrm>
-              <a:off x="6041510" y="2323651"/>
-              <a:ext cx="1193801" cy="625573"/>
+              <a:off x="5895807" y="2323651"/>
+              <a:ext cx="1339504" cy="625573"/>
             </a:xfrm>
             <a:prstGeom prst="rect">
               <a:avLst/>
@@ -10345,6 +10338,8 @@
                   <a:solidFill>
                     <a:schemeClr val="tx1"/>
                   </a:solidFill>
+                  <a:latin typeface="仿宋" panose="02010609060101010101" pitchFamily="49" charset="-122"/>
+                  <a:ea typeface="仿宋" panose="02010609060101010101" pitchFamily="49" charset="-122"/>
                 </a:rPr>
                 <a:t>circRNA</a:t>
               </a:r>
@@ -10353,6 +10348,8 @@
                   <a:solidFill>
                     <a:schemeClr val="tx1"/>
                   </a:solidFill>
+                  <a:latin typeface="仿宋" panose="02010609060101010101" pitchFamily="49" charset="-122"/>
+                  <a:ea typeface="仿宋" panose="02010609060101010101" pitchFamily="49" charset="-122"/>
                 </a:rPr>
                 <a:t> sequence features</a:t>
               </a:r>
@@ -10360,6 +10357,8 @@
                 <a:solidFill>
                   <a:schemeClr val="tx1"/>
                 </a:solidFill>
+                <a:latin typeface="仿宋" panose="02010609060101010101" pitchFamily="49" charset="-122"/>
+                <a:ea typeface="仿宋" panose="02010609060101010101" pitchFamily="49" charset="-122"/>
               </a:endParaRPr>
             </a:p>
           </p:txBody>
@@ -10378,7 +10377,7 @@
           </p:nvSpPr>
           <p:spPr>
             <a:xfrm>
-              <a:off x="6427099" y="2668289"/>
+              <a:off x="6370045" y="2668289"/>
               <a:ext cx="45719" cy="246359"/>
             </a:xfrm>
             <a:prstGeom prst="leftBracket">
@@ -10412,7 +10411,10 @@
             <a:lstStyle/>
             <a:p>
               <a:pPr algn="ctr"/>
-              <a:endParaRPr lang="en-US"/>
+              <a:endParaRPr lang="en-US">
+                <a:latin typeface="仿宋" panose="02010609060101010101" pitchFamily="49" charset="-122"/>
+                <a:ea typeface="仿宋" panose="02010609060101010101" pitchFamily="49" charset="-122"/>
+              </a:endParaRPr>
             </a:p>
           </p:txBody>
         </p:sp>
@@ -10430,7 +10432,7 @@
           </p:nvSpPr>
           <p:spPr>
             <a:xfrm>
-              <a:off x="6788225" y="2661691"/>
+              <a:off x="6731171" y="2661691"/>
               <a:ext cx="55655" cy="256677"/>
             </a:xfrm>
             <a:prstGeom prst="rightBracket">
@@ -10464,7 +10466,10 @@
             <a:lstStyle/>
             <a:p>
               <a:pPr algn="ctr"/>
-              <a:endParaRPr lang="en-US"/>
+              <a:endParaRPr lang="en-US">
+                <a:latin typeface="仿宋" panose="02010609060101010101" pitchFamily="49" charset="-122"/>
+                <a:ea typeface="仿宋" panose="02010609060101010101" pitchFamily="49" charset="-122"/>
+              </a:endParaRPr>
             </a:p>
           </p:txBody>
         </p:sp>
@@ -10482,7 +10487,7 @@
           </p:nvSpPr>
           <p:spPr>
             <a:xfrm>
-              <a:off x="6494338" y="2677465"/>
+              <a:off x="6437284" y="2677465"/>
               <a:ext cx="69056" cy="66522"/>
             </a:xfrm>
             <a:prstGeom prst="rect">
@@ -10518,7 +10523,10 @@
             <a:lstStyle/>
             <a:p>
               <a:pPr algn="ctr"/>
-              <a:endParaRPr lang="en-US"/>
+              <a:endParaRPr lang="en-US">
+                <a:latin typeface="仿宋" panose="02010609060101010101" pitchFamily="49" charset="-122"/>
+                <a:ea typeface="仿宋" panose="02010609060101010101" pitchFamily="49" charset="-122"/>
+              </a:endParaRPr>
             </a:p>
           </p:txBody>
         </p:sp>
@@ -10536,7 +10544,7 @@
           </p:nvSpPr>
           <p:spPr>
             <a:xfrm>
-              <a:off x="6602687" y="2677465"/>
+              <a:off x="6545633" y="2677465"/>
               <a:ext cx="69056" cy="66522"/>
             </a:xfrm>
             <a:prstGeom prst="rect">
@@ -10572,7 +10580,10 @@
             <a:lstStyle/>
             <a:p>
               <a:pPr algn="ctr"/>
-              <a:endParaRPr lang="en-US"/>
+              <a:endParaRPr lang="en-US">
+                <a:latin typeface="仿宋" panose="02010609060101010101" pitchFamily="49" charset="-122"/>
+                <a:ea typeface="仿宋" panose="02010609060101010101" pitchFamily="49" charset="-122"/>
+              </a:endParaRPr>
             </a:p>
           </p:txBody>
         </p:sp>
@@ -10590,7 +10601,7 @@
           </p:nvSpPr>
           <p:spPr>
             <a:xfrm>
-              <a:off x="6713193" y="2674388"/>
+              <a:off x="6656139" y="2674388"/>
               <a:ext cx="69056" cy="66522"/>
             </a:xfrm>
             <a:prstGeom prst="rect">
@@ -10626,7 +10637,10 @@
             <a:lstStyle/>
             <a:p>
               <a:pPr algn="ctr"/>
-              <a:endParaRPr lang="en-US"/>
+              <a:endParaRPr lang="en-US">
+                <a:latin typeface="仿宋" panose="02010609060101010101" pitchFamily="49" charset="-122"/>
+                <a:ea typeface="仿宋" panose="02010609060101010101" pitchFamily="49" charset="-122"/>
+              </a:endParaRPr>
             </a:p>
           </p:txBody>
         </p:sp>
@@ -10644,7 +10658,7 @@
           </p:nvSpPr>
           <p:spPr>
             <a:xfrm>
-              <a:off x="6494338" y="2762954"/>
+              <a:off x="6437284" y="2762954"/>
               <a:ext cx="69056" cy="66522"/>
             </a:xfrm>
             <a:prstGeom prst="rect">
@@ -10680,7 +10694,10 @@
             <a:lstStyle/>
             <a:p>
               <a:pPr algn="ctr"/>
-              <a:endParaRPr lang="en-US"/>
+              <a:endParaRPr lang="en-US">
+                <a:latin typeface="仿宋" panose="02010609060101010101" pitchFamily="49" charset="-122"/>
+                <a:ea typeface="仿宋" panose="02010609060101010101" pitchFamily="49" charset="-122"/>
+              </a:endParaRPr>
             </a:p>
           </p:txBody>
         </p:sp>
@@ -10698,7 +10715,7 @@
           </p:nvSpPr>
           <p:spPr>
             <a:xfrm>
-              <a:off x="6494338" y="2848322"/>
+              <a:off x="6437284" y="2848322"/>
               <a:ext cx="69056" cy="66522"/>
             </a:xfrm>
             <a:prstGeom prst="rect">
@@ -10734,7 +10751,10 @@
             <a:lstStyle/>
             <a:p>
               <a:pPr algn="ctr"/>
-              <a:endParaRPr lang="en-US"/>
+              <a:endParaRPr lang="en-US">
+                <a:latin typeface="仿宋" panose="02010609060101010101" pitchFamily="49" charset="-122"/>
+                <a:ea typeface="仿宋" panose="02010609060101010101" pitchFamily="49" charset="-122"/>
+              </a:endParaRPr>
             </a:p>
           </p:txBody>
         </p:sp>
@@ -10752,7 +10772,7 @@
           </p:nvSpPr>
           <p:spPr>
             <a:xfrm>
-              <a:off x="6600304" y="2760915"/>
+              <a:off x="6543250" y="2760915"/>
               <a:ext cx="69056" cy="66522"/>
             </a:xfrm>
             <a:prstGeom prst="rect">
@@ -10788,7 +10808,10 @@
             <a:lstStyle/>
             <a:p>
               <a:pPr algn="ctr"/>
-              <a:endParaRPr lang="en-US"/>
+              <a:endParaRPr lang="en-US">
+                <a:latin typeface="仿宋" panose="02010609060101010101" pitchFamily="49" charset="-122"/>
+                <a:ea typeface="仿宋" panose="02010609060101010101" pitchFamily="49" charset="-122"/>
+              </a:endParaRPr>
             </a:p>
           </p:txBody>
         </p:sp>
@@ -10806,7 +10829,7 @@
           </p:nvSpPr>
           <p:spPr>
             <a:xfrm>
-              <a:off x="6600304" y="2847176"/>
+              <a:off x="6543250" y="2847176"/>
               <a:ext cx="69056" cy="66522"/>
             </a:xfrm>
             <a:prstGeom prst="rect">
@@ -10842,7 +10865,10 @@
             <a:lstStyle/>
             <a:p>
               <a:pPr algn="ctr"/>
-              <a:endParaRPr lang="en-US"/>
+              <a:endParaRPr lang="en-US">
+                <a:latin typeface="仿宋" panose="02010609060101010101" pitchFamily="49" charset="-122"/>
+                <a:ea typeface="仿宋" panose="02010609060101010101" pitchFamily="49" charset="-122"/>
+              </a:endParaRPr>
             </a:p>
           </p:txBody>
         </p:sp>
@@ -10860,7 +10886,7 @@
           </p:nvSpPr>
           <p:spPr>
             <a:xfrm>
-              <a:off x="6713018" y="2760915"/>
+              <a:off x="6655964" y="2760915"/>
               <a:ext cx="69056" cy="66522"/>
             </a:xfrm>
             <a:prstGeom prst="rect">
@@ -10896,7 +10922,10 @@
             <a:lstStyle/>
             <a:p>
               <a:pPr algn="ctr"/>
-              <a:endParaRPr lang="en-US"/>
+              <a:endParaRPr lang="en-US">
+                <a:latin typeface="仿宋" panose="02010609060101010101" pitchFamily="49" charset="-122"/>
+                <a:ea typeface="仿宋" panose="02010609060101010101" pitchFamily="49" charset="-122"/>
+              </a:endParaRPr>
             </a:p>
           </p:txBody>
         </p:sp>
@@ -10914,7 +10943,7 @@
           </p:nvSpPr>
           <p:spPr>
             <a:xfrm>
-              <a:off x="6713017" y="2848322"/>
+              <a:off x="6655963" y="2848322"/>
               <a:ext cx="69056" cy="66522"/>
             </a:xfrm>
             <a:prstGeom prst="rect">
@@ -10950,7 +10979,10 @@
             <a:lstStyle/>
             <a:p>
               <a:pPr algn="ctr"/>
-              <a:endParaRPr lang="en-US"/>
+              <a:endParaRPr lang="en-US">
+                <a:latin typeface="仿宋" panose="02010609060101010101" pitchFamily="49" charset="-122"/>
+                <a:ea typeface="仿宋" panose="02010609060101010101" pitchFamily="49" charset="-122"/>
+              </a:endParaRPr>
             </a:p>
           </p:txBody>
         </p:sp>
@@ -10969,10 +11001,10 @@
         </p:nvGrpSpPr>
         <p:grpSpPr>
           <a:xfrm>
-            <a:off x="3095496" y="3149494"/>
-            <a:ext cx="1193801" cy="625573"/>
-            <a:chOff x="3476703" y="3145137"/>
-            <a:chExt cx="1193801" cy="625573"/>
+            <a:off x="2915822" y="3149494"/>
+            <a:ext cx="1271879" cy="625573"/>
+            <a:chOff x="3398625" y="3145137"/>
+            <a:chExt cx="1271879" cy="625573"/>
           </a:xfrm>
         </p:grpSpPr>
         <p:sp>
@@ -10989,8 +11021,8 @@
           </p:nvSpPr>
           <p:spPr>
             <a:xfrm>
-              <a:off x="3476703" y="3145137"/>
-              <a:ext cx="1193801" cy="625573"/>
+              <a:off x="3398625" y="3145137"/>
+              <a:ext cx="1271879" cy="625573"/>
             </a:xfrm>
             <a:prstGeom prst="rect">
               <a:avLst/>
@@ -11031,6 +11063,8 @@
                   <a:solidFill>
                     <a:schemeClr val="tx1"/>
                   </a:solidFill>
+                  <a:latin typeface="仿宋" panose="02010609060101010101" pitchFamily="49" charset="-122"/>
+                  <a:ea typeface="仿宋" panose="02010609060101010101" pitchFamily="49" charset="-122"/>
                 </a:rPr>
                 <a:t>circRNA</a:t>
               </a:r>
@@ -11039,6 +11073,8 @@
                   <a:solidFill>
                     <a:schemeClr val="tx1"/>
                   </a:solidFill>
+                  <a:latin typeface="仿宋" panose="02010609060101010101" pitchFamily="49" charset="-122"/>
+                  <a:ea typeface="仿宋" panose="02010609060101010101" pitchFamily="49" charset="-122"/>
                 </a:rPr>
                 <a:t> miRNA network features</a:t>
               </a:r>
@@ -11046,6 +11082,8 @@
                 <a:solidFill>
                   <a:schemeClr val="tx1"/>
                 </a:solidFill>
+                <a:latin typeface="仿宋" panose="02010609060101010101" pitchFamily="49" charset="-122"/>
+                <a:ea typeface="仿宋" panose="02010609060101010101" pitchFamily="49" charset="-122"/>
               </a:endParaRPr>
             </a:p>
           </p:txBody>
@@ -11064,7 +11102,7 @@
           </p:nvSpPr>
           <p:spPr>
             <a:xfrm>
-              <a:off x="3868644" y="3493826"/>
+              <a:off x="3792444" y="3493826"/>
               <a:ext cx="45719" cy="246359"/>
             </a:xfrm>
             <a:prstGeom prst="leftBracket">
@@ -11096,7 +11134,10 @@
             <a:lstStyle/>
             <a:p>
               <a:pPr algn="ctr"/>
-              <a:endParaRPr lang="en-US"/>
+              <a:endParaRPr lang="en-US">
+                <a:latin typeface="仿宋" panose="02010609060101010101" pitchFamily="49" charset="-122"/>
+                <a:ea typeface="仿宋" panose="02010609060101010101" pitchFamily="49" charset="-122"/>
+              </a:endParaRPr>
             </a:p>
           </p:txBody>
         </p:sp>
@@ -11114,7 +11155,7 @@
           </p:nvSpPr>
           <p:spPr>
             <a:xfrm>
-              <a:off x="4229770" y="3487228"/>
+              <a:off x="4153570" y="3487228"/>
               <a:ext cx="55655" cy="256677"/>
             </a:xfrm>
             <a:prstGeom prst="rightBracket">
@@ -11146,7 +11187,10 @@
             <a:lstStyle/>
             <a:p>
               <a:pPr algn="ctr"/>
-              <a:endParaRPr lang="en-US"/>
+              <a:endParaRPr lang="en-US">
+                <a:latin typeface="仿宋" panose="02010609060101010101" pitchFamily="49" charset="-122"/>
+                <a:ea typeface="仿宋" panose="02010609060101010101" pitchFamily="49" charset="-122"/>
+              </a:endParaRPr>
             </a:p>
           </p:txBody>
         </p:sp>
@@ -11164,7 +11208,7 @@
           </p:nvSpPr>
           <p:spPr>
             <a:xfrm>
-              <a:off x="3935883" y="3503002"/>
+              <a:off x="3859683" y="3503002"/>
               <a:ext cx="69056" cy="66522"/>
             </a:xfrm>
             <a:prstGeom prst="rect">
@@ -11198,7 +11242,10 @@
             <a:lstStyle/>
             <a:p>
               <a:pPr algn="ctr"/>
-              <a:endParaRPr lang="en-US"/>
+              <a:endParaRPr lang="en-US">
+                <a:latin typeface="仿宋" panose="02010609060101010101" pitchFamily="49" charset="-122"/>
+                <a:ea typeface="仿宋" panose="02010609060101010101" pitchFamily="49" charset="-122"/>
+              </a:endParaRPr>
             </a:p>
           </p:txBody>
         </p:sp>
@@ -11216,7 +11263,7 @@
           </p:nvSpPr>
           <p:spPr>
             <a:xfrm>
-              <a:off x="4044232" y="3503002"/>
+              <a:off x="3968032" y="3503002"/>
               <a:ext cx="69056" cy="66522"/>
             </a:xfrm>
             <a:prstGeom prst="rect">
@@ -11250,7 +11297,10 @@
             <a:lstStyle/>
             <a:p>
               <a:pPr algn="ctr"/>
-              <a:endParaRPr lang="en-US"/>
+              <a:endParaRPr lang="en-US">
+                <a:latin typeface="仿宋" panose="02010609060101010101" pitchFamily="49" charset="-122"/>
+                <a:ea typeface="仿宋" panose="02010609060101010101" pitchFamily="49" charset="-122"/>
+              </a:endParaRPr>
             </a:p>
           </p:txBody>
         </p:sp>
@@ -11268,7 +11318,7 @@
           </p:nvSpPr>
           <p:spPr>
             <a:xfrm>
-              <a:off x="4154738" y="3499925"/>
+              <a:off x="4078538" y="3499925"/>
               <a:ext cx="69056" cy="66522"/>
             </a:xfrm>
             <a:prstGeom prst="rect">
@@ -11302,7 +11352,10 @@
             <a:lstStyle/>
             <a:p>
               <a:pPr algn="ctr"/>
-              <a:endParaRPr lang="en-US"/>
+              <a:endParaRPr lang="en-US">
+                <a:latin typeface="仿宋" panose="02010609060101010101" pitchFamily="49" charset="-122"/>
+                <a:ea typeface="仿宋" panose="02010609060101010101" pitchFamily="49" charset="-122"/>
+              </a:endParaRPr>
             </a:p>
           </p:txBody>
         </p:sp>
@@ -11320,7 +11373,7 @@
           </p:nvSpPr>
           <p:spPr>
             <a:xfrm>
-              <a:off x="3935883" y="3588491"/>
+              <a:off x="3859683" y="3588491"/>
               <a:ext cx="69056" cy="66522"/>
             </a:xfrm>
             <a:prstGeom prst="rect">
@@ -11354,7 +11407,10 @@
             <a:lstStyle/>
             <a:p>
               <a:pPr algn="ctr"/>
-              <a:endParaRPr lang="en-US"/>
+              <a:endParaRPr lang="en-US">
+                <a:latin typeface="仿宋" panose="02010609060101010101" pitchFamily="49" charset="-122"/>
+                <a:ea typeface="仿宋" panose="02010609060101010101" pitchFamily="49" charset="-122"/>
+              </a:endParaRPr>
             </a:p>
           </p:txBody>
         </p:sp>
@@ -11372,7 +11428,7 @@
           </p:nvSpPr>
           <p:spPr>
             <a:xfrm>
-              <a:off x="3935883" y="3673859"/>
+              <a:off x="3859683" y="3673859"/>
               <a:ext cx="69056" cy="66522"/>
             </a:xfrm>
             <a:prstGeom prst="rect">
@@ -11406,7 +11462,10 @@
             <a:lstStyle/>
             <a:p>
               <a:pPr algn="ctr"/>
-              <a:endParaRPr lang="en-US"/>
+              <a:endParaRPr lang="en-US">
+                <a:latin typeface="仿宋" panose="02010609060101010101" pitchFamily="49" charset="-122"/>
+                <a:ea typeface="仿宋" panose="02010609060101010101" pitchFamily="49" charset="-122"/>
+              </a:endParaRPr>
             </a:p>
           </p:txBody>
         </p:sp>
@@ -11424,7 +11483,7 @@
           </p:nvSpPr>
           <p:spPr>
             <a:xfrm>
-              <a:off x="4041849" y="3586452"/>
+              <a:off x="3965649" y="3586452"/>
               <a:ext cx="69056" cy="66522"/>
             </a:xfrm>
             <a:prstGeom prst="rect">
@@ -11458,7 +11517,10 @@
             <a:lstStyle/>
             <a:p>
               <a:pPr algn="ctr"/>
-              <a:endParaRPr lang="en-US"/>
+              <a:endParaRPr lang="en-US">
+                <a:latin typeface="仿宋" panose="02010609060101010101" pitchFamily="49" charset="-122"/>
+                <a:ea typeface="仿宋" panose="02010609060101010101" pitchFamily="49" charset="-122"/>
+              </a:endParaRPr>
             </a:p>
           </p:txBody>
         </p:sp>
@@ -11476,7 +11538,7 @@
           </p:nvSpPr>
           <p:spPr>
             <a:xfrm>
-              <a:off x="4041849" y="3672713"/>
+              <a:off x="3965649" y="3672713"/>
               <a:ext cx="69056" cy="66522"/>
             </a:xfrm>
             <a:prstGeom prst="rect">
@@ -11510,7 +11572,10 @@
             <a:lstStyle/>
             <a:p>
               <a:pPr algn="ctr"/>
-              <a:endParaRPr lang="en-US"/>
+              <a:endParaRPr lang="en-US">
+                <a:latin typeface="仿宋" panose="02010609060101010101" pitchFamily="49" charset="-122"/>
+                <a:ea typeface="仿宋" panose="02010609060101010101" pitchFamily="49" charset="-122"/>
+              </a:endParaRPr>
             </a:p>
           </p:txBody>
         </p:sp>
@@ -11528,7 +11593,7 @@
           </p:nvSpPr>
           <p:spPr>
             <a:xfrm>
-              <a:off x="4154563" y="3586452"/>
+              <a:off x="4078363" y="3586452"/>
               <a:ext cx="69056" cy="66522"/>
             </a:xfrm>
             <a:prstGeom prst="rect">
@@ -11562,7 +11627,10 @@
             <a:lstStyle/>
             <a:p>
               <a:pPr algn="ctr"/>
-              <a:endParaRPr lang="en-US"/>
+              <a:endParaRPr lang="en-US">
+                <a:latin typeface="仿宋" panose="02010609060101010101" pitchFamily="49" charset="-122"/>
+                <a:ea typeface="仿宋" panose="02010609060101010101" pitchFamily="49" charset="-122"/>
+              </a:endParaRPr>
             </a:p>
           </p:txBody>
         </p:sp>
@@ -11580,7 +11648,7 @@
           </p:nvSpPr>
           <p:spPr>
             <a:xfrm>
-              <a:off x="4154562" y="3673859"/>
+              <a:off x="4078362" y="3673859"/>
               <a:ext cx="69056" cy="66522"/>
             </a:xfrm>
             <a:prstGeom prst="rect">
@@ -11614,7 +11682,10 @@
             <a:lstStyle/>
             <a:p>
               <a:pPr algn="ctr"/>
-              <a:endParaRPr lang="en-US"/>
+              <a:endParaRPr lang="en-US">
+                <a:latin typeface="仿宋" panose="02010609060101010101" pitchFamily="49" charset="-122"/>
+                <a:ea typeface="仿宋" panose="02010609060101010101" pitchFamily="49" charset="-122"/>
+              </a:endParaRPr>
             </a:p>
           </p:txBody>
         </p:sp>
@@ -11635,7 +11706,7 @@
         </p:nvCxnSpPr>
         <p:spPr>
           <a:xfrm flipV="1">
-            <a:off x="2151538" y="2691778"/>
+            <a:off x="2049942" y="2691778"/>
             <a:ext cx="2372504" cy="6491"/>
           </a:xfrm>
           <a:prstGeom prst="straightConnector1">
@@ -11676,7 +11747,7 @@
         </p:nvCxnSpPr>
         <p:spPr>
           <a:xfrm flipH="1" flipV="1">
-            <a:off x="4508420" y="1591670"/>
+            <a:off x="4406824" y="1591670"/>
             <a:ext cx="10515" cy="1100108"/>
           </a:xfrm>
           <a:prstGeom prst="straightConnector1">
@@ -11717,7 +11788,7 @@
         </p:nvCxnSpPr>
         <p:spPr>
           <a:xfrm flipV="1">
-            <a:off x="4509409" y="883249"/>
+            <a:off x="4407813" y="883249"/>
             <a:ext cx="0" cy="733792"/>
           </a:xfrm>
           <a:prstGeom prst="straightConnector1">
@@ -11756,10 +11827,10 @@
         </p:nvGrpSpPr>
         <p:grpSpPr>
           <a:xfrm>
-            <a:off x="5543923" y="616949"/>
-            <a:ext cx="1246196" cy="684818"/>
-            <a:chOff x="3311607" y="591497"/>
-            <a:chExt cx="1193801" cy="625573"/>
+            <a:off x="5266692" y="616949"/>
+            <a:ext cx="1421830" cy="684818"/>
+            <a:chOff x="3143357" y="591497"/>
+            <a:chExt cx="1362051" cy="625573"/>
           </a:xfrm>
         </p:grpSpPr>
         <p:sp>
@@ -11776,8 +11847,8 @@
           </p:nvSpPr>
           <p:spPr>
             <a:xfrm>
-              <a:off x="3311607" y="591497"/>
-              <a:ext cx="1193801" cy="625573"/>
+              <a:off x="3143357" y="591497"/>
+              <a:ext cx="1362051" cy="625573"/>
             </a:xfrm>
             <a:prstGeom prst="rect">
               <a:avLst/>
@@ -11818,6 +11889,8 @@
                   <a:solidFill>
                     <a:schemeClr val="tx1"/>
                   </a:solidFill>
+                  <a:latin typeface="仿宋" panose="02010609060101010101" pitchFamily="49" charset="-122"/>
+                  <a:ea typeface="仿宋" panose="02010609060101010101" pitchFamily="49" charset="-122"/>
                 </a:rPr>
                 <a:t>circRNA</a:t>
               </a:r>
@@ -11826,6 +11899,8 @@
                   <a:solidFill>
                     <a:schemeClr val="tx1"/>
                   </a:solidFill>
+                  <a:latin typeface="仿宋" panose="02010609060101010101" pitchFamily="49" charset="-122"/>
+                  <a:ea typeface="仿宋" panose="02010609060101010101" pitchFamily="49" charset="-122"/>
                 </a:rPr>
                 <a:t> drug features(high-level)</a:t>
               </a:r>
@@ -11833,6 +11908,8 @@
                 <a:solidFill>
                   <a:schemeClr val="tx1"/>
                 </a:solidFill>
+                <a:latin typeface="仿宋" panose="02010609060101010101" pitchFamily="49" charset="-122"/>
+                <a:ea typeface="仿宋" panose="02010609060101010101" pitchFamily="49" charset="-122"/>
               </a:endParaRPr>
             </a:p>
           </p:txBody>
@@ -11851,7 +11928,7 @@
           </p:nvSpPr>
           <p:spPr>
             <a:xfrm>
-              <a:off x="3699580" y="941091"/>
+              <a:off x="3596929" y="938916"/>
               <a:ext cx="45719" cy="246359"/>
             </a:xfrm>
             <a:prstGeom prst="leftBracket">
@@ -11882,7 +11959,10 @@
             <a:lstStyle/>
             <a:p>
               <a:pPr algn="ctr"/>
-              <a:endParaRPr lang="en-US"/>
+              <a:endParaRPr lang="en-US">
+                <a:latin typeface="仿宋" panose="02010609060101010101" pitchFamily="49" charset="-122"/>
+                <a:ea typeface="仿宋" panose="02010609060101010101" pitchFamily="49" charset="-122"/>
+              </a:endParaRPr>
             </a:p>
           </p:txBody>
         </p:sp>
@@ -11900,7 +11980,7 @@
           </p:nvSpPr>
           <p:spPr>
             <a:xfrm>
-              <a:off x="4060706" y="934493"/>
+              <a:off x="3958054" y="932318"/>
               <a:ext cx="55655" cy="256677"/>
             </a:xfrm>
             <a:prstGeom prst="rightBracket">
@@ -11931,7 +12011,10 @@
             <a:lstStyle/>
             <a:p>
               <a:pPr algn="ctr"/>
-              <a:endParaRPr lang="en-US"/>
+              <a:endParaRPr lang="en-US">
+                <a:latin typeface="仿宋" panose="02010609060101010101" pitchFamily="49" charset="-122"/>
+                <a:ea typeface="仿宋" panose="02010609060101010101" pitchFamily="49" charset="-122"/>
+              </a:endParaRPr>
             </a:p>
           </p:txBody>
         </p:sp>
@@ -11949,7 +12032,7 @@
           </p:nvSpPr>
           <p:spPr>
             <a:xfrm>
-              <a:off x="3766819" y="950267"/>
+              <a:off x="3664167" y="948092"/>
               <a:ext cx="69056" cy="66522"/>
             </a:xfrm>
             <a:prstGeom prst="rect">
@@ -11983,7 +12066,10 @@
             <a:lstStyle/>
             <a:p>
               <a:pPr algn="ctr"/>
-              <a:endParaRPr lang="en-US"/>
+              <a:endParaRPr lang="en-US">
+                <a:latin typeface="仿宋" panose="02010609060101010101" pitchFamily="49" charset="-122"/>
+                <a:ea typeface="仿宋" panose="02010609060101010101" pitchFamily="49" charset="-122"/>
+              </a:endParaRPr>
             </a:p>
           </p:txBody>
         </p:sp>
@@ -12001,7 +12087,7 @@
           </p:nvSpPr>
           <p:spPr>
             <a:xfrm>
-              <a:off x="3875168" y="950267"/>
+              <a:off x="3772517" y="948092"/>
               <a:ext cx="69056" cy="66522"/>
             </a:xfrm>
             <a:prstGeom prst="rect">
@@ -12035,7 +12121,10 @@
             <a:lstStyle/>
             <a:p>
               <a:pPr algn="ctr"/>
-              <a:endParaRPr lang="en-US"/>
+              <a:endParaRPr lang="en-US">
+                <a:latin typeface="仿宋" panose="02010609060101010101" pitchFamily="49" charset="-122"/>
+                <a:ea typeface="仿宋" panose="02010609060101010101" pitchFamily="49" charset="-122"/>
+              </a:endParaRPr>
             </a:p>
           </p:txBody>
         </p:sp>
@@ -12053,7 +12142,7 @@
           </p:nvSpPr>
           <p:spPr>
             <a:xfrm>
-              <a:off x="3985674" y="947190"/>
+              <a:off x="3883023" y="945015"/>
               <a:ext cx="69056" cy="66522"/>
             </a:xfrm>
             <a:prstGeom prst="rect">
@@ -12087,7 +12176,10 @@
             <a:lstStyle/>
             <a:p>
               <a:pPr algn="ctr"/>
-              <a:endParaRPr lang="en-US"/>
+              <a:endParaRPr lang="en-US">
+                <a:latin typeface="仿宋" panose="02010609060101010101" pitchFamily="49" charset="-122"/>
+                <a:ea typeface="仿宋" panose="02010609060101010101" pitchFamily="49" charset="-122"/>
+              </a:endParaRPr>
             </a:p>
           </p:txBody>
         </p:sp>
@@ -12105,7 +12197,7 @@
           </p:nvSpPr>
           <p:spPr>
             <a:xfrm>
-              <a:off x="3766819" y="1035756"/>
+              <a:off x="3664167" y="1033581"/>
               <a:ext cx="69056" cy="66522"/>
             </a:xfrm>
             <a:prstGeom prst="rect">
@@ -12139,7 +12231,10 @@
             <a:lstStyle/>
             <a:p>
               <a:pPr algn="ctr"/>
-              <a:endParaRPr lang="en-US"/>
+              <a:endParaRPr lang="en-US">
+                <a:latin typeface="仿宋" panose="02010609060101010101" pitchFamily="49" charset="-122"/>
+                <a:ea typeface="仿宋" panose="02010609060101010101" pitchFamily="49" charset="-122"/>
+              </a:endParaRPr>
             </a:p>
           </p:txBody>
         </p:sp>
@@ -12157,7 +12252,7 @@
           </p:nvSpPr>
           <p:spPr>
             <a:xfrm>
-              <a:off x="3766819" y="1121124"/>
+              <a:off x="3664167" y="1118949"/>
               <a:ext cx="69056" cy="66522"/>
             </a:xfrm>
             <a:prstGeom prst="rect">
@@ -12191,7 +12286,10 @@
             <a:lstStyle/>
             <a:p>
               <a:pPr algn="ctr"/>
-              <a:endParaRPr lang="en-US"/>
+              <a:endParaRPr lang="en-US">
+                <a:latin typeface="仿宋" panose="02010609060101010101" pitchFamily="49" charset="-122"/>
+                <a:ea typeface="仿宋" panose="02010609060101010101" pitchFamily="49" charset="-122"/>
+              </a:endParaRPr>
             </a:p>
           </p:txBody>
         </p:sp>
@@ -12209,7 +12307,7 @@
           </p:nvSpPr>
           <p:spPr>
             <a:xfrm>
-              <a:off x="3872785" y="1033717"/>
+              <a:off x="3770133" y="1031542"/>
               <a:ext cx="69056" cy="66522"/>
             </a:xfrm>
             <a:prstGeom prst="rect">
@@ -12243,7 +12341,10 @@
             <a:lstStyle/>
             <a:p>
               <a:pPr algn="ctr"/>
-              <a:endParaRPr lang="en-US"/>
+              <a:endParaRPr lang="en-US">
+                <a:latin typeface="仿宋" panose="02010609060101010101" pitchFamily="49" charset="-122"/>
+                <a:ea typeface="仿宋" panose="02010609060101010101" pitchFamily="49" charset="-122"/>
+              </a:endParaRPr>
             </a:p>
           </p:txBody>
         </p:sp>
@@ -12261,7 +12362,7 @@
           </p:nvSpPr>
           <p:spPr>
             <a:xfrm>
-              <a:off x="3872785" y="1119978"/>
+              <a:off x="3770133" y="1117803"/>
               <a:ext cx="69056" cy="66522"/>
             </a:xfrm>
             <a:prstGeom prst="rect">
@@ -12295,7 +12396,10 @@
             <a:lstStyle/>
             <a:p>
               <a:pPr algn="ctr"/>
-              <a:endParaRPr lang="en-US"/>
+              <a:endParaRPr lang="en-US">
+                <a:latin typeface="仿宋" panose="02010609060101010101" pitchFamily="49" charset="-122"/>
+                <a:ea typeface="仿宋" panose="02010609060101010101" pitchFamily="49" charset="-122"/>
+              </a:endParaRPr>
             </a:p>
           </p:txBody>
         </p:sp>
@@ -12313,7 +12417,7 @@
           </p:nvSpPr>
           <p:spPr>
             <a:xfrm>
-              <a:off x="3985499" y="1033717"/>
+              <a:off x="3882848" y="1031542"/>
               <a:ext cx="69056" cy="66522"/>
             </a:xfrm>
             <a:prstGeom prst="rect">
@@ -12347,7 +12451,10 @@
             <a:lstStyle/>
             <a:p>
               <a:pPr algn="ctr"/>
-              <a:endParaRPr lang="en-US"/>
+              <a:endParaRPr lang="en-US">
+                <a:latin typeface="仿宋" panose="02010609060101010101" pitchFamily="49" charset="-122"/>
+                <a:ea typeface="仿宋" panose="02010609060101010101" pitchFamily="49" charset="-122"/>
+              </a:endParaRPr>
             </a:p>
           </p:txBody>
         </p:sp>
@@ -12365,7 +12472,7 @@
           </p:nvSpPr>
           <p:spPr>
             <a:xfrm>
-              <a:off x="3985498" y="1121124"/>
+              <a:off x="3882848" y="1118949"/>
               <a:ext cx="69056" cy="66522"/>
             </a:xfrm>
             <a:prstGeom prst="rect">
@@ -12399,7 +12506,10 @@
             <a:lstStyle/>
             <a:p>
               <a:pPr algn="ctr"/>
-              <a:endParaRPr lang="en-US"/>
+              <a:endParaRPr lang="en-US">
+                <a:latin typeface="仿宋" panose="02010609060101010101" pitchFamily="49" charset="-122"/>
+                <a:ea typeface="仿宋" panose="02010609060101010101" pitchFamily="49" charset="-122"/>
+              </a:endParaRPr>
             </a:p>
           </p:txBody>
         </p:sp>
@@ -12418,10 +12528,10 @@
         </p:nvGrpSpPr>
         <p:grpSpPr>
           <a:xfrm>
-            <a:off x="5684520" y="1434141"/>
-            <a:ext cx="1289647" cy="684714"/>
-            <a:chOff x="3457655" y="1303240"/>
-            <a:chExt cx="1193801" cy="625573"/>
+            <a:off x="5266696" y="1433716"/>
+            <a:ext cx="1411531" cy="684714"/>
+            <a:chOff x="3310772" y="1303240"/>
+            <a:chExt cx="1306626" cy="625573"/>
           </a:xfrm>
         </p:grpSpPr>
         <p:sp>
@@ -12438,8 +12548,8 @@
           </p:nvSpPr>
           <p:spPr>
             <a:xfrm>
-              <a:off x="3457655" y="1303240"/>
-              <a:ext cx="1193801" cy="625573"/>
+              <a:off x="3310772" y="1303240"/>
+              <a:ext cx="1306626" cy="625573"/>
             </a:xfrm>
             <a:prstGeom prst="rect">
               <a:avLst/>
@@ -12480,6 +12590,8 @@
                   <a:solidFill>
                     <a:schemeClr val="tx1"/>
                   </a:solidFill>
+                  <a:latin typeface="仿宋" panose="02010609060101010101" pitchFamily="49" charset="-122"/>
+                  <a:ea typeface="仿宋" panose="02010609060101010101" pitchFamily="49" charset="-122"/>
                 </a:rPr>
                 <a:t>circRNA</a:t>
               </a:r>
@@ -12488,6 +12600,8 @@
                   <a:solidFill>
                     <a:schemeClr val="tx1"/>
                   </a:solidFill>
+                  <a:latin typeface="仿宋" panose="02010609060101010101" pitchFamily="49" charset="-122"/>
+                  <a:ea typeface="仿宋" panose="02010609060101010101" pitchFamily="49" charset="-122"/>
                 </a:rPr>
                 <a:t> disease features(high-level)</a:t>
               </a:r>
@@ -12495,6 +12609,8 @@
                 <a:solidFill>
                   <a:schemeClr val="tx1"/>
                 </a:solidFill>
+                <a:latin typeface="仿宋" panose="02010609060101010101" pitchFamily="49" charset="-122"/>
+                <a:ea typeface="仿宋" panose="02010609060101010101" pitchFamily="49" charset="-122"/>
               </a:endParaRPr>
             </a:p>
           </p:txBody>
@@ -12513,7 +12629,7 @@
           </p:nvSpPr>
           <p:spPr>
             <a:xfrm>
-              <a:off x="3847218" y="1653095"/>
+              <a:off x="3734797" y="1653095"/>
               <a:ext cx="45719" cy="246359"/>
             </a:xfrm>
             <a:prstGeom prst="leftBracket">
@@ -12544,7 +12660,10 @@
             <a:lstStyle/>
             <a:p>
               <a:pPr algn="ctr"/>
-              <a:endParaRPr lang="en-US"/>
+              <a:endParaRPr lang="en-US">
+                <a:latin typeface="仿宋" panose="02010609060101010101" pitchFamily="49" charset="-122"/>
+                <a:ea typeface="仿宋" panose="02010609060101010101" pitchFamily="49" charset="-122"/>
+              </a:endParaRPr>
             </a:p>
           </p:txBody>
         </p:sp>
@@ -12562,7 +12681,7 @@
           </p:nvSpPr>
           <p:spPr>
             <a:xfrm>
-              <a:off x="4208344" y="1646497"/>
+              <a:off x="4095925" y="1646497"/>
               <a:ext cx="55655" cy="256677"/>
             </a:xfrm>
             <a:prstGeom prst="rightBracket">
@@ -12593,7 +12712,10 @@
             <a:lstStyle/>
             <a:p>
               <a:pPr algn="ctr"/>
-              <a:endParaRPr lang="en-US"/>
+              <a:endParaRPr lang="en-US">
+                <a:latin typeface="仿宋" panose="02010609060101010101" pitchFamily="49" charset="-122"/>
+                <a:ea typeface="仿宋" panose="02010609060101010101" pitchFamily="49" charset="-122"/>
+              </a:endParaRPr>
             </a:p>
           </p:txBody>
         </p:sp>
@@ -12611,7 +12733,7 @@
           </p:nvSpPr>
           <p:spPr>
             <a:xfrm>
-              <a:off x="3914457" y="1662271"/>
+              <a:off x="3802035" y="1662271"/>
               <a:ext cx="69056" cy="66522"/>
             </a:xfrm>
             <a:prstGeom prst="rect">
@@ -12645,7 +12767,10 @@
             <a:lstStyle/>
             <a:p>
               <a:pPr algn="ctr"/>
-              <a:endParaRPr lang="en-US"/>
+              <a:endParaRPr lang="en-US">
+                <a:latin typeface="仿宋" panose="02010609060101010101" pitchFamily="49" charset="-122"/>
+                <a:ea typeface="仿宋" panose="02010609060101010101" pitchFamily="49" charset="-122"/>
+              </a:endParaRPr>
             </a:p>
           </p:txBody>
         </p:sp>
@@ -12663,7 +12788,7 @@
           </p:nvSpPr>
           <p:spPr>
             <a:xfrm>
-              <a:off x="4022806" y="1662271"/>
+              <a:off x="3910384" y="1662271"/>
               <a:ext cx="69056" cy="66522"/>
             </a:xfrm>
             <a:prstGeom prst="rect">
@@ -12697,7 +12822,10 @@
             <a:lstStyle/>
             <a:p>
               <a:pPr algn="ctr"/>
-              <a:endParaRPr lang="en-US"/>
+              <a:endParaRPr lang="en-US">
+                <a:latin typeface="仿宋" panose="02010609060101010101" pitchFamily="49" charset="-122"/>
+                <a:ea typeface="仿宋" panose="02010609060101010101" pitchFamily="49" charset="-122"/>
+              </a:endParaRPr>
             </a:p>
           </p:txBody>
         </p:sp>
@@ -12715,7 +12843,7 @@
           </p:nvSpPr>
           <p:spPr>
             <a:xfrm>
-              <a:off x="4133312" y="1659194"/>
+              <a:off x="4020893" y="1659194"/>
               <a:ext cx="69056" cy="66522"/>
             </a:xfrm>
             <a:prstGeom prst="rect">
@@ -12749,7 +12877,10 @@
             <a:lstStyle/>
             <a:p>
               <a:pPr algn="ctr"/>
-              <a:endParaRPr lang="en-US"/>
+              <a:endParaRPr lang="en-US">
+                <a:latin typeface="仿宋" panose="02010609060101010101" pitchFamily="49" charset="-122"/>
+                <a:ea typeface="仿宋" panose="02010609060101010101" pitchFamily="49" charset="-122"/>
+              </a:endParaRPr>
             </a:p>
           </p:txBody>
         </p:sp>
@@ -12767,7 +12898,7 @@
           </p:nvSpPr>
           <p:spPr>
             <a:xfrm>
-              <a:off x="3914457" y="1747760"/>
+              <a:off x="3802035" y="1747760"/>
               <a:ext cx="69056" cy="66522"/>
             </a:xfrm>
             <a:prstGeom prst="rect">
@@ -12801,7 +12932,10 @@
             <a:lstStyle/>
             <a:p>
               <a:pPr algn="ctr"/>
-              <a:endParaRPr lang="en-US"/>
+              <a:endParaRPr lang="en-US">
+                <a:latin typeface="仿宋" panose="02010609060101010101" pitchFamily="49" charset="-122"/>
+                <a:ea typeface="仿宋" panose="02010609060101010101" pitchFamily="49" charset="-122"/>
+              </a:endParaRPr>
             </a:p>
           </p:txBody>
         </p:sp>
@@ -12819,7 +12953,7 @@
           </p:nvSpPr>
           <p:spPr>
             <a:xfrm>
-              <a:off x="3914457" y="1833128"/>
+              <a:off x="3802035" y="1833128"/>
               <a:ext cx="69056" cy="66522"/>
             </a:xfrm>
             <a:prstGeom prst="rect">
@@ -12853,7 +12987,10 @@
             <a:lstStyle/>
             <a:p>
               <a:pPr algn="ctr"/>
-              <a:endParaRPr lang="en-US"/>
+              <a:endParaRPr lang="en-US">
+                <a:latin typeface="仿宋" panose="02010609060101010101" pitchFamily="49" charset="-122"/>
+                <a:ea typeface="仿宋" panose="02010609060101010101" pitchFamily="49" charset="-122"/>
+              </a:endParaRPr>
             </a:p>
           </p:txBody>
         </p:sp>
@@ -12871,7 +13008,7 @@
           </p:nvSpPr>
           <p:spPr>
             <a:xfrm>
-              <a:off x="4020423" y="1745721"/>
+              <a:off x="3908001" y="1745721"/>
               <a:ext cx="69056" cy="66522"/>
             </a:xfrm>
             <a:prstGeom prst="rect">
@@ -12905,7 +13042,10 @@
             <a:lstStyle/>
             <a:p>
               <a:pPr algn="ctr"/>
-              <a:endParaRPr lang="en-US"/>
+              <a:endParaRPr lang="en-US">
+                <a:latin typeface="仿宋" panose="02010609060101010101" pitchFamily="49" charset="-122"/>
+                <a:ea typeface="仿宋" panose="02010609060101010101" pitchFamily="49" charset="-122"/>
+              </a:endParaRPr>
             </a:p>
           </p:txBody>
         </p:sp>
@@ -12923,7 +13063,7 @@
           </p:nvSpPr>
           <p:spPr>
             <a:xfrm>
-              <a:off x="4020423" y="1831982"/>
+              <a:off x="3908001" y="1831982"/>
               <a:ext cx="69056" cy="66522"/>
             </a:xfrm>
             <a:prstGeom prst="rect">
@@ -12957,7 +13097,10 @@
             <a:lstStyle/>
             <a:p>
               <a:pPr algn="ctr"/>
-              <a:endParaRPr lang="en-US"/>
+              <a:endParaRPr lang="en-US">
+                <a:latin typeface="仿宋" panose="02010609060101010101" pitchFamily="49" charset="-122"/>
+                <a:ea typeface="仿宋" panose="02010609060101010101" pitchFamily="49" charset="-122"/>
+              </a:endParaRPr>
             </a:p>
           </p:txBody>
         </p:sp>
@@ -12975,7 +13118,7 @@
           </p:nvSpPr>
           <p:spPr>
             <a:xfrm>
-              <a:off x="4133137" y="1745721"/>
+              <a:off x="4020718" y="1745721"/>
               <a:ext cx="69056" cy="66522"/>
             </a:xfrm>
             <a:prstGeom prst="rect">
@@ -13009,7 +13152,10 @@
             <a:lstStyle/>
             <a:p>
               <a:pPr algn="ctr"/>
-              <a:endParaRPr lang="en-US"/>
+              <a:endParaRPr lang="en-US">
+                <a:latin typeface="仿宋" panose="02010609060101010101" pitchFamily="49" charset="-122"/>
+                <a:ea typeface="仿宋" panose="02010609060101010101" pitchFamily="49" charset="-122"/>
+              </a:endParaRPr>
             </a:p>
           </p:txBody>
         </p:sp>
@@ -13027,7 +13173,7 @@
           </p:nvSpPr>
           <p:spPr>
             <a:xfrm>
-              <a:off x="4133136" y="1833128"/>
+              <a:off x="4020716" y="1833128"/>
               <a:ext cx="69056" cy="66522"/>
             </a:xfrm>
             <a:prstGeom prst="rect">
@@ -13061,7 +13207,10 @@
             <a:lstStyle/>
             <a:p>
               <a:pPr algn="ctr"/>
-              <a:endParaRPr lang="en-US"/>
+              <a:endParaRPr lang="en-US">
+                <a:latin typeface="仿宋" panose="02010609060101010101" pitchFamily="49" charset="-122"/>
+                <a:ea typeface="仿宋" panose="02010609060101010101" pitchFamily="49" charset="-122"/>
+              </a:endParaRPr>
             </a:p>
           </p:txBody>
         </p:sp>
@@ -13080,7 +13229,7 @@
         </p:nvGrpSpPr>
         <p:grpSpPr>
           <a:xfrm>
-            <a:off x="5683995" y="3139645"/>
+            <a:off x="5407435" y="3055825"/>
             <a:ext cx="1391920" cy="718039"/>
             <a:chOff x="3476703" y="3145137"/>
             <a:chExt cx="1193801" cy="625573"/>
@@ -13142,6 +13291,8 @@
                   <a:solidFill>
                     <a:schemeClr val="tx1"/>
                   </a:solidFill>
+                  <a:latin typeface="仿宋" panose="02010609060101010101" pitchFamily="49" charset="-122"/>
+                  <a:ea typeface="仿宋" panose="02010609060101010101" pitchFamily="49" charset="-122"/>
                 </a:rPr>
                 <a:t>circRNA</a:t>
               </a:r>
@@ -13150,6 +13301,8 @@
                   <a:solidFill>
                     <a:schemeClr val="tx1"/>
                   </a:solidFill>
+                  <a:latin typeface="仿宋" panose="02010609060101010101" pitchFamily="49" charset="-122"/>
+                  <a:ea typeface="仿宋" panose="02010609060101010101" pitchFamily="49" charset="-122"/>
                 </a:rPr>
                 <a:t> miRNA features(high-level)</a:t>
               </a:r>
@@ -13157,6 +13310,8 @@
                 <a:solidFill>
                   <a:schemeClr val="tx1"/>
                 </a:solidFill>
+                <a:latin typeface="仿宋" panose="02010609060101010101" pitchFamily="49" charset="-122"/>
+                <a:ea typeface="仿宋" panose="02010609060101010101" pitchFamily="49" charset="-122"/>
               </a:endParaRPr>
             </a:p>
           </p:txBody>
@@ -13207,7 +13362,10 @@
             <a:lstStyle/>
             <a:p>
               <a:pPr algn="ctr"/>
-              <a:endParaRPr lang="en-US"/>
+              <a:endParaRPr lang="en-US">
+                <a:latin typeface="仿宋" panose="02010609060101010101" pitchFamily="49" charset="-122"/>
+                <a:ea typeface="仿宋" panose="02010609060101010101" pitchFamily="49" charset="-122"/>
+              </a:endParaRPr>
             </a:p>
           </p:txBody>
         </p:sp>
@@ -13257,7 +13415,10 @@
             <a:lstStyle/>
             <a:p>
               <a:pPr algn="ctr"/>
-              <a:endParaRPr lang="en-US"/>
+              <a:endParaRPr lang="en-US">
+                <a:latin typeface="仿宋" panose="02010609060101010101" pitchFamily="49" charset="-122"/>
+                <a:ea typeface="仿宋" panose="02010609060101010101" pitchFamily="49" charset="-122"/>
+              </a:endParaRPr>
             </a:p>
           </p:txBody>
         </p:sp>
@@ -13309,7 +13470,10 @@
             <a:lstStyle/>
             <a:p>
               <a:pPr algn="ctr"/>
-              <a:endParaRPr lang="en-US"/>
+              <a:endParaRPr lang="en-US">
+                <a:latin typeface="仿宋" panose="02010609060101010101" pitchFamily="49" charset="-122"/>
+                <a:ea typeface="仿宋" panose="02010609060101010101" pitchFamily="49" charset="-122"/>
+              </a:endParaRPr>
             </a:p>
           </p:txBody>
         </p:sp>
@@ -13361,7 +13525,10 @@
             <a:lstStyle/>
             <a:p>
               <a:pPr algn="ctr"/>
-              <a:endParaRPr lang="en-US"/>
+              <a:endParaRPr lang="en-US">
+                <a:latin typeface="仿宋" panose="02010609060101010101" pitchFamily="49" charset="-122"/>
+                <a:ea typeface="仿宋" panose="02010609060101010101" pitchFamily="49" charset="-122"/>
+              </a:endParaRPr>
             </a:p>
           </p:txBody>
         </p:sp>
@@ -13413,7 +13580,10 @@
             <a:lstStyle/>
             <a:p>
               <a:pPr algn="ctr"/>
-              <a:endParaRPr lang="en-US"/>
+              <a:endParaRPr lang="en-US">
+                <a:latin typeface="仿宋" panose="02010609060101010101" pitchFamily="49" charset="-122"/>
+                <a:ea typeface="仿宋" panose="02010609060101010101" pitchFamily="49" charset="-122"/>
+              </a:endParaRPr>
             </a:p>
           </p:txBody>
         </p:sp>
@@ -13465,7 +13635,10 @@
             <a:lstStyle/>
             <a:p>
               <a:pPr algn="ctr"/>
-              <a:endParaRPr lang="en-US"/>
+              <a:endParaRPr lang="en-US">
+                <a:latin typeface="仿宋" panose="02010609060101010101" pitchFamily="49" charset="-122"/>
+                <a:ea typeface="仿宋" panose="02010609060101010101" pitchFamily="49" charset="-122"/>
+              </a:endParaRPr>
             </a:p>
           </p:txBody>
         </p:sp>
@@ -13517,7 +13690,10 @@
             <a:lstStyle/>
             <a:p>
               <a:pPr algn="ctr"/>
-              <a:endParaRPr lang="en-US"/>
+              <a:endParaRPr lang="en-US">
+                <a:latin typeface="仿宋" panose="02010609060101010101" pitchFamily="49" charset="-122"/>
+                <a:ea typeface="仿宋" panose="02010609060101010101" pitchFamily="49" charset="-122"/>
+              </a:endParaRPr>
             </a:p>
           </p:txBody>
         </p:sp>
@@ -13569,7 +13745,10 @@
             <a:lstStyle/>
             <a:p>
               <a:pPr algn="ctr"/>
-              <a:endParaRPr lang="en-US"/>
+              <a:endParaRPr lang="en-US">
+                <a:latin typeface="仿宋" panose="02010609060101010101" pitchFamily="49" charset="-122"/>
+                <a:ea typeface="仿宋" panose="02010609060101010101" pitchFamily="49" charset="-122"/>
+              </a:endParaRPr>
             </a:p>
           </p:txBody>
         </p:sp>
@@ -13621,7 +13800,10 @@
             <a:lstStyle/>
             <a:p>
               <a:pPr algn="ctr"/>
-              <a:endParaRPr lang="en-US"/>
+              <a:endParaRPr lang="en-US">
+                <a:latin typeface="仿宋" panose="02010609060101010101" pitchFamily="49" charset="-122"/>
+                <a:ea typeface="仿宋" panose="02010609060101010101" pitchFamily="49" charset="-122"/>
+              </a:endParaRPr>
             </a:p>
           </p:txBody>
         </p:sp>
@@ -13673,7 +13855,10 @@
             <a:lstStyle/>
             <a:p>
               <a:pPr algn="ctr"/>
-              <a:endParaRPr lang="en-US"/>
+              <a:endParaRPr lang="en-US">
+                <a:latin typeface="仿宋" panose="02010609060101010101" pitchFamily="49" charset="-122"/>
+                <a:ea typeface="仿宋" panose="02010609060101010101" pitchFamily="49" charset="-122"/>
+              </a:endParaRPr>
             </a:p>
           </p:txBody>
         </p:sp>
@@ -13725,36 +13910,926 @@
             <a:lstStyle/>
             <a:p>
               <a:pPr algn="ctr"/>
-              <a:endParaRPr lang="en-US"/>
+              <a:endParaRPr lang="en-US">
+                <a:latin typeface="仿宋" panose="02010609060101010101" pitchFamily="49" charset="-122"/>
+                <a:ea typeface="仿宋" panose="02010609060101010101" pitchFamily="49" charset="-122"/>
+              </a:endParaRPr>
             </a:p>
           </p:txBody>
         </p:sp>
       </p:grpSp>
-      <p:sp>
-        <p:nvSpPr>
-          <p:cNvPr id="118" name="左中括号 117">
+      <p:grpSp>
+        <p:nvGrpSpPr>
+          <p:cNvPr id="245" name="组合 244">
             <a:extLst>
               <a:ext uri="{FF2B5EF4-FFF2-40B4-BE49-F238E27FC236}">
-                <a16:creationId xmlns:a16="http://schemas.microsoft.com/office/drawing/2014/main" id="{EDD20191-5B87-F5C7-0C57-6D289F08207F}"/>
+                <a16:creationId xmlns:a16="http://schemas.microsoft.com/office/drawing/2014/main" id="{F365C0EE-8C9F-05D3-8AD5-FD845435B25D}"/>
               </a:ext>
             </a:extLst>
           </p:cNvPr>
-          <p:cNvSpPr/>
+          <p:cNvGrpSpPr/>
           <p:nvPr/>
-        </p:nvSpPr>
-        <p:spPr>
+        </p:nvGrpSpPr>
+        <p:grpSpPr>
           <a:xfrm>
-            <a:off x="5226565" y="4339978"/>
-            <a:ext cx="53306" cy="282773"/>
+            <a:off x="4700269" y="3826584"/>
+            <a:ext cx="1344140" cy="744840"/>
+            <a:chOff x="4801866" y="3947320"/>
+            <a:chExt cx="1344140" cy="744840"/>
           </a:xfrm>
-          <a:prstGeom prst="leftBracket">
-            <a:avLst/>
-          </a:prstGeom>
-          <a:noFill/>
-          <a:ln w="12700">
+        </p:grpSpPr>
+        <p:sp>
+          <p:nvSpPr>
+            <p:cNvPr id="79" name="矩形 78">
+              <a:extLst>
+                <a:ext uri="{FF2B5EF4-FFF2-40B4-BE49-F238E27FC236}">
+                  <a16:creationId xmlns:a16="http://schemas.microsoft.com/office/drawing/2014/main" id="{40A8AE98-CCCB-BC0E-86CA-0D8B2DF46982}"/>
+                </a:ext>
+              </a:extLst>
+            </p:cNvPr>
+            <p:cNvSpPr/>
+            <p:nvPr/>
+          </p:nvSpPr>
+          <p:spPr>
+            <a:xfrm>
+              <a:off x="4801866" y="3947320"/>
+              <a:ext cx="1344140" cy="744840"/>
+            </a:xfrm>
+            <a:prstGeom prst="rect">
+              <a:avLst/>
+            </a:prstGeom>
+            <a:solidFill>
+              <a:schemeClr val="accent6">
+                <a:lumMod val="40000"/>
+                <a:lumOff val="60000"/>
+              </a:schemeClr>
+            </a:solidFill>
+            <a:ln>
+              <a:noFill/>
+            </a:ln>
+          </p:spPr>
+          <p:style>
+            <a:lnRef idx="2">
+              <a:schemeClr val="accent1">
+                <a:shade val="15000"/>
+              </a:schemeClr>
+            </a:lnRef>
+            <a:fillRef idx="1">
+              <a:schemeClr val="accent1"/>
+            </a:fillRef>
+            <a:effectRef idx="0">
+              <a:schemeClr val="accent1"/>
+            </a:effectRef>
+            <a:fontRef idx="minor">
+              <a:schemeClr val="lt1"/>
+            </a:fontRef>
+          </p:style>
+          <p:txBody>
+            <a:bodyPr rtlCol="0" anchor="t"/>
+            <a:lstStyle/>
+            <a:p>
+              <a:pPr algn="ctr"/>
+              <a:r>
+                <a:rPr lang="en-US" altLang="zh-CN" sz="1000" dirty="0" err="1">
+                  <a:solidFill>
+                    <a:schemeClr val="tx1"/>
+                  </a:solidFill>
+                  <a:latin typeface="仿宋" panose="02010609060101010101" pitchFamily="49" charset="-122"/>
+                  <a:ea typeface="仿宋" panose="02010609060101010101" pitchFamily="49" charset="-122"/>
+                </a:rPr>
+                <a:t>circRNA</a:t>
+              </a:r>
+              <a:r>
+                <a:rPr lang="en-US" altLang="zh-CN" sz="1000" dirty="0">
+                  <a:solidFill>
+                    <a:schemeClr val="tx1"/>
+                  </a:solidFill>
+                  <a:latin typeface="仿宋" panose="02010609060101010101" pitchFamily="49" charset="-122"/>
+                  <a:ea typeface="仿宋" panose="02010609060101010101" pitchFamily="49" charset="-122"/>
+                </a:rPr>
+                <a:t> miRNA co-location features</a:t>
+              </a:r>
+              <a:endParaRPr lang="zh-CN" altLang="en-US" sz="1000" dirty="0">
+                <a:solidFill>
+                  <a:schemeClr val="tx1"/>
+                </a:solidFill>
+                <a:latin typeface="仿宋" panose="02010609060101010101" pitchFamily="49" charset="-122"/>
+                <a:ea typeface="仿宋" panose="02010609060101010101" pitchFamily="49" charset="-122"/>
+              </a:endParaRPr>
+            </a:p>
+          </p:txBody>
+        </p:sp>
+        <p:sp>
+          <p:nvSpPr>
+            <p:cNvPr id="118" name="左中括号 117">
+              <a:extLst>
+                <a:ext uri="{FF2B5EF4-FFF2-40B4-BE49-F238E27FC236}">
+                  <a16:creationId xmlns:a16="http://schemas.microsoft.com/office/drawing/2014/main" id="{EDD20191-5B87-F5C7-0C57-6D289F08207F}"/>
+                </a:ext>
+              </a:extLst>
+            </p:cNvPr>
+            <p:cNvSpPr/>
+            <p:nvPr/>
+          </p:nvSpPr>
+          <p:spPr>
+            <a:xfrm>
+              <a:off x="5226565" y="4339978"/>
+              <a:ext cx="53306" cy="282773"/>
+            </a:xfrm>
+            <a:prstGeom prst="leftBracket">
+              <a:avLst/>
+            </a:prstGeom>
+            <a:noFill/>
+            <a:ln w="12700">
+              <a:solidFill>
+                <a:schemeClr val="accent2"/>
+              </a:solidFill>
+            </a:ln>
+          </p:spPr>
+          <p:style>
+            <a:lnRef idx="1">
+              <a:schemeClr val="accent1"/>
+            </a:lnRef>
+            <a:fillRef idx="0">
+              <a:schemeClr val="accent1"/>
+            </a:fillRef>
+            <a:effectRef idx="0">
+              <a:schemeClr val="accent1"/>
+            </a:effectRef>
+            <a:fontRef idx="minor">
+              <a:schemeClr val="tx1"/>
+            </a:fontRef>
+          </p:style>
+          <p:txBody>
+            <a:bodyPr rtlCol="0" anchor="ctr"/>
+            <a:lstStyle/>
+            <a:p>
+              <a:pPr algn="ctr"/>
+              <a:endParaRPr lang="en-US">
+                <a:latin typeface="仿宋" panose="02010609060101010101" pitchFamily="49" charset="-122"/>
+                <a:ea typeface="仿宋" panose="02010609060101010101" pitchFamily="49" charset="-122"/>
+              </a:endParaRPr>
+            </a:p>
+          </p:txBody>
+        </p:sp>
+        <p:sp>
+          <p:nvSpPr>
+            <p:cNvPr id="119" name="右中括号 118">
+              <a:extLst>
+                <a:ext uri="{FF2B5EF4-FFF2-40B4-BE49-F238E27FC236}">
+                  <a16:creationId xmlns:a16="http://schemas.microsoft.com/office/drawing/2014/main" id="{2BF9E5EF-FB13-8F97-24EC-4C638E96426B}"/>
+                </a:ext>
+              </a:extLst>
+            </p:cNvPr>
+            <p:cNvSpPr/>
+            <p:nvPr/>
+          </p:nvSpPr>
+          <p:spPr>
+            <a:xfrm>
+              <a:off x="5647622" y="4332405"/>
+              <a:ext cx="64891" cy="294616"/>
+            </a:xfrm>
+            <a:prstGeom prst="rightBracket">
+              <a:avLst/>
+            </a:prstGeom>
+            <a:noFill/>
+            <a:ln w="12700">
+              <a:solidFill>
+                <a:schemeClr val="accent2"/>
+              </a:solidFill>
+            </a:ln>
+          </p:spPr>
+          <p:style>
+            <a:lnRef idx="1">
+              <a:schemeClr val="accent1"/>
+            </a:lnRef>
+            <a:fillRef idx="0">
+              <a:schemeClr val="accent1"/>
+            </a:fillRef>
+            <a:effectRef idx="0">
+              <a:schemeClr val="accent1"/>
+            </a:effectRef>
+            <a:fontRef idx="minor">
+              <a:schemeClr val="tx1"/>
+            </a:fontRef>
+          </p:style>
+          <p:txBody>
+            <a:bodyPr rtlCol="0" anchor="ctr"/>
+            <a:lstStyle/>
+            <a:p>
+              <a:pPr algn="ctr"/>
+              <a:endParaRPr lang="en-US">
+                <a:latin typeface="仿宋" panose="02010609060101010101" pitchFamily="49" charset="-122"/>
+                <a:ea typeface="仿宋" panose="02010609060101010101" pitchFamily="49" charset="-122"/>
+              </a:endParaRPr>
+            </a:p>
+          </p:txBody>
+        </p:sp>
+        <p:sp>
+          <p:nvSpPr>
+            <p:cNvPr id="121" name="矩形 120">
+              <a:extLst>
+                <a:ext uri="{FF2B5EF4-FFF2-40B4-BE49-F238E27FC236}">
+                  <a16:creationId xmlns:a16="http://schemas.microsoft.com/office/drawing/2014/main" id="{E12DE624-52F8-7157-6BCF-BD2592FC0266}"/>
+                </a:ext>
+              </a:extLst>
+            </p:cNvPr>
+            <p:cNvSpPr/>
+            <p:nvPr/>
+          </p:nvSpPr>
+          <p:spPr>
+            <a:xfrm>
+              <a:off x="5304963" y="4350510"/>
+              <a:ext cx="80516" cy="76355"/>
+            </a:xfrm>
+            <a:prstGeom prst="rect">
+              <a:avLst/>
+            </a:prstGeom>
             <a:solidFill>
               <a:schemeClr val="accent2"/>
             </a:solidFill>
+            <a:ln>
+              <a:noFill/>
+            </a:ln>
+          </p:spPr>
+          <p:style>
+            <a:lnRef idx="2">
+              <a:schemeClr val="accent1">
+                <a:shade val="15000"/>
+              </a:schemeClr>
+            </a:lnRef>
+            <a:fillRef idx="1">
+              <a:schemeClr val="accent1"/>
+            </a:fillRef>
+            <a:effectRef idx="0">
+              <a:schemeClr val="accent1"/>
+            </a:effectRef>
+            <a:fontRef idx="minor">
+              <a:schemeClr val="lt1"/>
+            </a:fontRef>
+          </p:style>
+          <p:txBody>
+            <a:bodyPr rtlCol="0" anchor="ctr"/>
+            <a:lstStyle/>
+            <a:p>
+              <a:pPr algn="ctr"/>
+              <a:endParaRPr lang="en-US">
+                <a:latin typeface="仿宋" panose="02010609060101010101" pitchFamily="49" charset="-122"/>
+                <a:ea typeface="仿宋" panose="02010609060101010101" pitchFamily="49" charset="-122"/>
+              </a:endParaRPr>
+            </a:p>
+          </p:txBody>
+        </p:sp>
+        <p:sp>
+          <p:nvSpPr>
+            <p:cNvPr id="122" name="矩形 121">
+              <a:extLst>
+                <a:ext uri="{FF2B5EF4-FFF2-40B4-BE49-F238E27FC236}">
+                  <a16:creationId xmlns:a16="http://schemas.microsoft.com/office/drawing/2014/main" id="{20DBA7C8-1131-E837-37BA-4577ED72D49A}"/>
+                </a:ext>
+              </a:extLst>
+            </p:cNvPr>
+            <p:cNvSpPr/>
+            <p:nvPr/>
+          </p:nvSpPr>
+          <p:spPr>
+            <a:xfrm>
+              <a:off x="5431293" y="4350510"/>
+              <a:ext cx="80516" cy="76355"/>
+            </a:xfrm>
+            <a:prstGeom prst="rect">
+              <a:avLst/>
+            </a:prstGeom>
+            <a:solidFill>
+              <a:schemeClr val="accent2"/>
+            </a:solidFill>
+            <a:ln>
+              <a:noFill/>
+            </a:ln>
+          </p:spPr>
+          <p:style>
+            <a:lnRef idx="2">
+              <a:schemeClr val="accent1">
+                <a:shade val="15000"/>
+              </a:schemeClr>
+            </a:lnRef>
+            <a:fillRef idx="1">
+              <a:schemeClr val="accent1"/>
+            </a:fillRef>
+            <a:effectRef idx="0">
+              <a:schemeClr val="accent1"/>
+            </a:effectRef>
+            <a:fontRef idx="minor">
+              <a:schemeClr val="lt1"/>
+            </a:fontRef>
+          </p:style>
+          <p:txBody>
+            <a:bodyPr rtlCol="0" anchor="ctr"/>
+            <a:lstStyle/>
+            <a:p>
+              <a:pPr algn="ctr"/>
+              <a:endParaRPr lang="en-US">
+                <a:latin typeface="仿宋" panose="02010609060101010101" pitchFamily="49" charset="-122"/>
+                <a:ea typeface="仿宋" panose="02010609060101010101" pitchFamily="49" charset="-122"/>
+              </a:endParaRPr>
+            </a:p>
+          </p:txBody>
+        </p:sp>
+        <p:sp>
+          <p:nvSpPr>
+            <p:cNvPr id="124" name="矩形 123">
+              <a:extLst>
+                <a:ext uri="{FF2B5EF4-FFF2-40B4-BE49-F238E27FC236}">
+                  <a16:creationId xmlns:a16="http://schemas.microsoft.com/office/drawing/2014/main" id="{BB8E8A6F-49D8-717D-A99C-46EF8E05C25F}"/>
+                </a:ext>
+              </a:extLst>
+            </p:cNvPr>
+            <p:cNvSpPr/>
+            <p:nvPr/>
+          </p:nvSpPr>
+          <p:spPr>
+            <a:xfrm>
+              <a:off x="5560138" y="4346978"/>
+              <a:ext cx="80516" cy="76355"/>
+            </a:xfrm>
+            <a:prstGeom prst="rect">
+              <a:avLst/>
+            </a:prstGeom>
+            <a:solidFill>
+              <a:schemeClr val="accent2"/>
+            </a:solidFill>
+            <a:ln>
+              <a:noFill/>
+            </a:ln>
+          </p:spPr>
+          <p:style>
+            <a:lnRef idx="2">
+              <a:schemeClr val="accent1">
+                <a:shade val="15000"/>
+              </a:schemeClr>
+            </a:lnRef>
+            <a:fillRef idx="1">
+              <a:schemeClr val="accent1"/>
+            </a:fillRef>
+            <a:effectRef idx="0">
+              <a:schemeClr val="accent1"/>
+            </a:effectRef>
+            <a:fontRef idx="minor">
+              <a:schemeClr val="lt1"/>
+            </a:fontRef>
+          </p:style>
+          <p:txBody>
+            <a:bodyPr rtlCol="0" anchor="ctr"/>
+            <a:lstStyle/>
+            <a:p>
+              <a:pPr algn="ctr"/>
+              <a:endParaRPr lang="en-US">
+                <a:latin typeface="仿宋" panose="02010609060101010101" pitchFamily="49" charset="-122"/>
+                <a:ea typeface="仿宋" panose="02010609060101010101" pitchFamily="49" charset="-122"/>
+              </a:endParaRPr>
+            </a:p>
+          </p:txBody>
+        </p:sp>
+        <p:sp>
+          <p:nvSpPr>
+            <p:cNvPr id="125" name="矩形 124">
+              <a:extLst>
+                <a:ext uri="{FF2B5EF4-FFF2-40B4-BE49-F238E27FC236}">
+                  <a16:creationId xmlns:a16="http://schemas.microsoft.com/office/drawing/2014/main" id="{9DFFD8CD-2415-FF36-E0D4-313BBF978E4E}"/>
+                </a:ext>
+              </a:extLst>
+            </p:cNvPr>
+            <p:cNvSpPr/>
+            <p:nvPr/>
+          </p:nvSpPr>
+          <p:spPr>
+            <a:xfrm>
+              <a:off x="5304963" y="4448635"/>
+              <a:ext cx="80516" cy="76355"/>
+            </a:xfrm>
+            <a:prstGeom prst="rect">
+              <a:avLst/>
+            </a:prstGeom>
+            <a:solidFill>
+              <a:schemeClr val="accent2"/>
+            </a:solidFill>
+            <a:ln>
+              <a:noFill/>
+            </a:ln>
+          </p:spPr>
+          <p:style>
+            <a:lnRef idx="2">
+              <a:schemeClr val="accent1">
+                <a:shade val="15000"/>
+              </a:schemeClr>
+            </a:lnRef>
+            <a:fillRef idx="1">
+              <a:schemeClr val="accent1"/>
+            </a:fillRef>
+            <a:effectRef idx="0">
+              <a:schemeClr val="accent1"/>
+            </a:effectRef>
+            <a:fontRef idx="minor">
+              <a:schemeClr val="lt1"/>
+            </a:fontRef>
+          </p:style>
+          <p:txBody>
+            <a:bodyPr rtlCol="0" anchor="ctr"/>
+            <a:lstStyle/>
+            <a:p>
+              <a:pPr algn="ctr"/>
+              <a:endParaRPr lang="en-US">
+                <a:latin typeface="仿宋" panose="02010609060101010101" pitchFamily="49" charset="-122"/>
+                <a:ea typeface="仿宋" panose="02010609060101010101" pitchFamily="49" charset="-122"/>
+              </a:endParaRPr>
+            </a:p>
+          </p:txBody>
+        </p:sp>
+        <p:sp>
+          <p:nvSpPr>
+            <p:cNvPr id="127" name="矩形 126">
+              <a:extLst>
+                <a:ext uri="{FF2B5EF4-FFF2-40B4-BE49-F238E27FC236}">
+                  <a16:creationId xmlns:a16="http://schemas.microsoft.com/office/drawing/2014/main" id="{8B81D1E3-B1A0-CB51-F662-B2ECA36D1CB0}"/>
+                </a:ext>
+              </a:extLst>
+            </p:cNvPr>
+            <p:cNvSpPr/>
+            <p:nvPr/>
+          </p:nvSpPr>
+          <p:spPr>
+            <a:xfrm>
+              <a:off x="5304963" y="4546621"/>
+              <a:ext cx="80516" cy="76355"/>
+            </a:xfrm>
+            <a:prstGeom prst="rect">
+              <a:avLst/>
+            </a:prstGeom>
+            <a:solidFill>
+              <a:schemeClr val="accent2"/>
+            </a:solidFill>
+            <a:ln>
+              <a:noFill/>
+            </a:ln>
+          </p:spPr>
+          <p:style>
+            <a:lnRef idx="2">
+              <a:schemeClr val="accent1">
+                <a:shade val="15000"/>
+              </a:schemeClr>
+            </a:lnRef>
+            <a:fillRef idx="1">
+              <a:schemeClr val="accent1"/>
+            </a:fillRef>
+            <a:effectRef idx="0">
+              <a:schemeClr val="accent1"/>
+            </a:effectRef>
+            <a:fontRef idx="minor">
+              <a:schemeClr val="lt1"/>
+            </a:fontRef>
+          </p:style>
+          <p:txBody>
+            <a:bodyPr rtlCol="0" anchor="ctr"/>
+            <a:lstStyle/>
+            <a:p>
+              <a:pPr algn="ctr"/>
+              <a:endParaRPr lang="en-US">
+                <a:latin typeface="仿宋" panose="02010609060101010101" pitchFamily="49" charset="-122"/>
+                <a:ea typeface="仿宋" panose="02010609060101010101" pitchFamily="49" charset="-122"/>
+              </a:endParaRPr>
+            </a:p>
+          </p:txBody>
+        </p:sp>
+        <p:sp>
+          <p:nvSpPr>
+            <p:cNvPr id="128" name="矩形 127">
+              <a:extLst>
+                <a:ext uri="{FF2B5EF4-FFF2-40B4-BE49-F238E27FC236}">
+                  <a16:creationId xmlns:a16="http://schemas.microsoft.com/office/drawing/2014/main" id="{87F5F40C-6034-33BD-CB46-FF2D8FD574DC}"/>
+                </a:ext>
+              </a:extLst>
+            </p:cNvPr>
+            <p:cNvSpPr/>
+            <p:nvPr/>
+          </p:nvSpPr>
+          <p:spPr>
+            <a:xfrm>
+              <a:off x="5428515" y="4446295"/>
+              <a:ext cx="80516" cy="76355"/>
+            </a:xfrm>
+            <a:prstGeom prst="rect">
+              <a:avLst/>
+            </a:prstGeom>
+            <a:solidFill>
+              <a:schemeClr val="accent2"/>
+            </a:solidFill>
+            <a:ln>
+              <a:noFill/>
+            </a:ln>
+          </p:spPr>
+          <p:style>
+            <a:lnRef idx="2">
+              <a:schemeClr val="accent1">
+                <a:shade val="15000"/>
+              </a:schemeClr>
+            </a:lnRef>
+            <a:fillRef idx="1">
+              <a:schemeClr val="accent1"/>
+            </a:fillRef>
+            <a:effectRef idx="0">
+              <a:schemeClr val="accent1"/>
+            </a:effectRef>
+            <a:fontRef idx="minor">
+              <a:schemeClr val="lt1"/>
+            </a:fontRef>
+          </p:style>
+          <p:txBody>
+            <a:bodyPr rtlCol="0" anchor="ctr"/>
+            <a:lstStyle/>
+            <a:p>
+              <a:pPr algn="ctr"/>
+              <a:endParaRPr lang="en-US">
+                <a:latin typeface="仿宋" panose="02010609060101010101" pitchFamily="49" charset="-122"/>
+                <a:ea typeface="仿宋" panose="02010609060101010101" pitchFamily="49" charset="-122"/>
+              </a:endParaRPr>
+            </a:p>
+          </p:txBody>
+        </p:sp>
+        <p:sp>
+          <p:nvSpPr>
+            <p:cNvPr id="129" name="矩形 128">
+              <a:extLst>
+                <a:ext uri="{FF2B5EF4-FFF2-40B4-BE49-F238E27FC236}">
+                  <a16:creationId xmlns:a16="http://schemas.microsoft.com/office/drawing/2014/main" id="{907BD1BC-9BC6-EF37-FBC2-E0C982E69CF0}"/>
+                </a:ext>
+              </a:extLst>
+            </p:cNvPr>
+            <p:cNvSpPr/>
+            <p:nvPr/>
+          </p:nvSpPr>
+          <p:spPr>
+            <a:xfrm>
+              <a:off x="5428515" y="4545306"/>
+              <a:ext cx="80516" cy="76355"/>
+            </a:xfrm>
+            <a:prstGeom prst="rect">
+              <a:avLst/>
+            </a:prstGeom>
+            <a:solidFill>
+              <a:schemeClr val="accent2"/>
+            </a:solidFill>
+            <a:ln>
+              <a:noFill/>
+            </a:ln>
+          </p:spPr>
+          <p:style>
+            <a:lnRef idx="2">
+              <a:schemeClr val="accent1">
+                <a:shade val="15000"/>
+              </a:schemeClr>
+            </a:lnRef>
+            <a:fillRef idx="1">
+              <a:schemeClr val="accent1"/>
+            </a:fillRef>
+            <a:effectRef idx="0">
+              <a:schemeClr val="accent1"/>
+            </a:effectRef>
+            <a:fontRef idx="minor">
+              <a:schemeClr val="lt1"/>
+            </a:fontRef>
+          </p:style>
+          <p:txBody>
+            <a:bodyPr rtlCol="0" anchor="ctr"/>
+            <a:lstStyle/>
+            <a:p>
+              <a:pPr algn="ctr"/>
+              <a:endParaRPr lang="en-US">
+                <a:latin typeface="仿宋" panose="02010609060101010101" pitchFamily="49" charset="-122"/>
+                <a:ea typeface="仿宋" panose="02010609060101010101" pitchFamily="49" charset="-122"/>
+              </a:endParaRPr>
+            </a:p>
+          </p:txBody>
+        </p:sp>
+        <p:sp>
+          <p:nvSpPr>
+            <p:cNvPr id="172" name="矩形 171">
+              <a:extLst>
+                <a:ext uri="{FF2B5EF4-FFF2-40B4-BE49-F238E27FC236}">
+                  <a16:creationId xmlns:a16="http://schemas.microsoft.com/office/drawing/2014/main" id="{126880C5-37B7-2737-4782-D2AE40AFC9EE}"/>
+                </a:ext>
+              </a:extLst>
+            </p:cNvPr>
+            <p:cNvSpPr/>
+            <p:nvPr/>
+          </p:nvSpPr>
+          <p:spPr>
+            <a:xfrm>
+              <a:off x="5559934" y="4446295"/>
+              <a:ext cx="80516" cy="76355"/>
+            </a:xfrm>
+            <a:prstGeom prst="rect">
+              <a:avLst/>
+            </a:prstGeom>
+            <a:solidFill>
+              <a:schemeClr val="accent2"/>
+            </a:solidFill>
+            <a:ln>
+              <a:noFill/>
+            </a:ln>
+          </p:spPr>
+          <p:style>
+            <a:lnRef idx="2">
+              <a:schemeClr val="accent1">
+                <a:shade val="15000"/>
+              </a:schemeClr>
+            </a:lnRef>
+            <a:fillRef idx="1">
+              <a:schemeClr val="accent1"/>
+            </a:fillRef>
+            <a:effectRef idx="0">
+              <a:schemeClr val="accent1"/>
+            </a:effectRef>
+            <a:fontRef idx="minor">
+              <a:schemeClr val="lt1"/>
+            </a:fontRef>
+          </p:style>
+          <p:txBody>
+            <a:bodyPr rtlCol="0" anchor="ctr"/>
+            <a:lstStyle/>
+            <a:p>
+              <a:pPr algn="ctr"/>
+              <a:endParaRPr lang="en-US">
+                <a:latin typeface="仿宋" panose="02010609060101010101" pitchFamily="49" charset="-122"/>
+                <a:ea typeface="仿宋" panose="02010609060101010101" pitchFamily="49" charset="-122"/>
+              </a:endParaRPr>
+            </a:p>
+          </p:txBody>
+        </p:sp>
+        <p:sp>
+          <p:nvSpPr>
+            <p:cNvPr id="173" name="矩形 172">
+              <a:extLst>
+                <a:ext uri="{FF2B5EF4-FFF2-40B4-BE49-F238E27FC236}">
+                  <a16:creationId xmlns:a16="http://schemas.microsoft.com/office/drawing/2014/main" id="{E9D9ED9E-C137-E9E8-9D3C-DD433A4690E8}"/>
+                </a:ext>
+              </a:extLst>
+            </p:cNvPr>
+            <p:cNvSpPr/>
+            <p:nvPr/>
+          </p:nvSpPr>
+          <p:spPr>
+            <a:xfrm>
+              <a:off x="5559933" y="4546621"/>
+              <a:ext cx="80516" cy="76355"/>
+            </a:xfrm>
+            <a:prstGeom prst="rect">
+              <a:avLst/>
+            </a:prstGeom>
+            <a:solidFill>
+              <a:schemeClr val="accent2"/>
+            </a:solidFill>
+            <a:ln>
+              <a:noFill/>
+            </a:ln>
+          </p:spPr>
+          <p:style>
+            <a:lnRef idx="2">
+              <a:schemeClr val="accent1">
+                <a:shade val="15000"/>
+              </a:schemeClr>
+            </a:lnRef>
+            <a:fillRef idx="1">
+              <a:schemeClr val="accent1"/>
+            </a:fillRef>
+            <a:effectRef idx="0">
+              <a:schemeClr val="accent1"/>
+            </a:effectRef>
+            <a:fontRef idx="minor">
+              <a:schemeClr val="lt1"/>
+            </a:fontRef>
+          </p:style>
+          <p:txBody>
+            <a:bodyPr rtlCol="0" anchor="ctr"/>
+            <a:lstStyle/>
+            <a:p>
+              <a:pPr algn="ctr"/>
+              <a:endParaRPr lang="en-US">
+                <a:latin typeface="仿宋" panose="02010609060101010101" pitchFamily="49" charset="-122"/>
+                <a:ea typeface="仿宋" panose="02010609060101010101" pitchFamily="49" charset="-122"/>
+              </a:endParaRPr>
+            </a:p>
+          </p:txBody>
+        </p:sp>
+      </p:grpSp>
+      <p:grpSp>
+        <p:nvGrpSpPr>
+          <p:cNvPr id="30" name="组合 29">
+            <a:extLst>
+              <a:ext uri="{FF2B5EF4-FFF2-40B4-BE49-F238E27FC236}">
+                <a16:creationId xmlns:a16="http://schemas.microsoft.com/office/drawing/2014/main" id="{78D1E9F7-DB85-F4E3-1C57-403DCC1C2083}"/>
+              </a:ext>
+            </a:extLst>
+          </p:cNvPr>
+          <p:cNvGrpSpPr/>
+          <p:nvPr/>
+        </p:nvGrpSpPr>
+        <p:grpSpPr>
+          <a:xfrm>
+            <a:off x="123539" y="5433012"/>
+            <a:ext cx="1900239" cy="512423"/>
+            <a:chOff x="232250" y="4743903"/>
+            <a:chExt cx="1900239" cy="512423"/>
+          </a:xfrm>
+        </p:grpSpPr>
+        <p:sp>
+          <p:nvSpPr>
+            <p:cNvPr id="2" name="矩形 1">
+              <a:extLst>
+                <a:ext uri="{FF2B5EF4-FFF2-40B4-BE49-F238E27FC236}">
+                  <a16:creationId xmlns:a16="http://schemas.microsoft.com/office/drawing/2014/main" id="{6964F7C0-2C54-9F9C-FD68-1A03EE02B131}"/>
+                </a:ext>
+              </a:extLst>
+            </p:cNvPr>
+            <p:cNvSpPr/>
+            <p:nvPr/>
+          </p:nvSpPr>
+          <p:spPr>
+            <a:xfrm>
+              <a:off x="232250" y="4743903"/>
+              <a:ext cx="1900239" cy="512423"/>
+            </a:xfrm>
+            <a:prstGeom prst="rect">
+              <a:avLst/>
+            </a:prstGeom>
+            <a:solidFill>
+              <a:srgbClr val="FFE59A"/>
+            </a:solidFill>
+            <a:ln>
+              <a:noFill/>
+            </a:ln>
+          </p:spPr>
+          <p:style>
+            <a:lnRef idx="2">
+              <a:schemeClr val="accent1">
+                <a:shade val="15000"/>
+              </a:schemeClr>
+            </a:lnRef>
+            <a:fillRef idx="1">
+              <a:schemeClr val="accent1"/>
+            </a:fillRef>
+            <a:effectRef idx="0">
+              <a:schemeClr val="accent1"/>
+            </a:effectRef>
+            <a:fontRef idx="minor">
+              <a:schemeClr val="lt1"/>
+            </a:fontRef>
+          </p:style>
+          <p:txBody>
+            <a:bodyPr rtlCol="0" anchor="t"/>
+            <a:lstStyle/>
+            <a:p>
+              <a:pPr algn="ctr"/>
+              <a:r>
+                <a:rPr lang="en-US" altLang="zh-CN" sz="1000" dirty="0" err="1">
+                  <a:solidFill>
+                    <a:schemeClr val="tx1"/>
+                  </a:solidFill>
+                  <a:latin typeface="仿宋" panose="02010609060101010101" pitchFamily="49" charset="-122"/>
+                  <a:ea typeface="仿宋" panose="02010609060101010101" pitchFamily="49" charset="-122"/>
+                </a:rPr>
+                <a:t>circRNA</a:t>
+              </a:r>
+              <a:r>
+                <a:rPr lang="en-US" altLang="zh-CN" sz="1000" dirty="0">
+                  <a:solidFill>
+                    <a:schemeClr val="tx1"/>
+                  </a:solidFill>
+                  <a:latin typeface="仿宋" panose="02010609060101010101" pitchFamily="49" charset="-122"/>
+                  <a:ea typeface="仿宋" panose="02010609060101010101" pitchFamily="49" charset="-122"/>
+                </a:rPr>
+                <a:t> sequence</a:t>
+              </a:r>
+            </a:p>
+            <a:p>
+              <a:pPr algn="ctr"/>
+              <a:endParaRPr lang="zh-CN" altLang="en-US" sz="1000" dirty="0">
+                <a:solidFill>
+                  <a:schemeClr val="tx1"/>
+                </a:solidFill>
+                <a:latin typeface="仿宋" panose="02010609060101010101" pitchFamily="49" charset="-122"/>
+                <a:ea typeface="仿宋" panose="02010609060101010101" pitchFamily="49" charset="-122"/>
+              </a:endParaRPr>
+            </a:p>
+          </p:txBody>
+        </p:sp>
+        <p:sp>
+          <p:nvSpPr>
+            <p:cNvPr id="25" name="矩形 24">
+              <a:extLst>
+                <a:ext uri="{FF2B5EF4-FFF2-40B4-BE49-F238E27FC236}">
+                  <a16:creationId xmlns:a16="http://schemas.microsoft.com/office/drawing/2014/main" id="{515F3691-6049-5B54-9442-EC9022BF6256}"/>
+                </a:ext>
+              </a:extLst>
+            </p:cNvPr>
+            <p:cNvSpPr/>
+            <p:nvPr/>
+          </p:nvSpPr>
+          <p:spPr>
+            <a:xfrm>
+              <a:off x="698201" y="4955619"/>
+              <a:ext cx="954107" cy="276999"/>
+            </a:xfrm>
+            <a:prstGeom prst="rect">
+              <a:avLst/>
+            </a:prstGeom>
+            <a:noFill/>
+          </p:spPr>
+          <p:txBody>
+            <a:bodyPr wrap="none" lIns="91440" tIns="45720" rIns="91440" bIns="45720">
+              <a:spAutoFit/>
+            </a:bodyPr>
+            <a:lstStyle/>
+            <a:p>
+              <a:pPr algn="ctr"/>
+              <a:r>
+                <a:rPr lang="en-US" altLang="zh-CN" sz="1200" b="1" cap="none" spc="0" dirty="0">
+                  <a:ln w="0"/>
+                  <a:solidFill>
+                    <a:schemeClr val="accent1"/>
+                  </a:solidFill>
+                  <a:effectLst>
+                    <a:outerShdw blurRad="38100" dist="25400" dir="5400000" algn="ctr" rotWithShape="0">
+                      <a:srgbClr val="6E747A">
+                        <a:alpha val="43000"/>
+                      </a:srgbClr>
+                    </a:outerShdw>
+                  </a:effectLst>
+                  <a:latin typeface="仿宋" panose="02010609060101010101" pitchFamily="49" charset="-122"/>
+                  <a:ea typeface="仿宋" panose="02010609060101010101" pitchFamily="49" charset="-122"/>
+                </a:rPr>
+                <a:t>AUCG</a:t>
+              </a:r>
+              <a:r>
+                <a:rPr lang="en-US" altLang="zh-CN" sz="1200" b="1" dirty="0">
+                  <a:ln w="0"/>
+                  <a:solidFill>
+                    <a:schemeClr val="accent1"/>
+                  </a:solidFill>
+                  <a:effectLst>
+                    <a:outerShdw blurRad="38100" dist="25400" dir="5400000" algn="ctr" rotWithShape="0">
+                      <a:srgbClr val="6E747A">
+                        <a:alpha val="43000"/>
+                      </a:srgbClr>
+                    </a:outerShdw>
+                  </a:effectLst>
+                  <a:latin typeface="仿宋" panose="02010609060101010101" pitchFamily="49" charset="-122"/>
+                  <a:ea typeface="仿宋" panose="02010609060101010101" pitchFamily="49" charset="-122"/>
+                </a:rPr>
+                <a:t>……GA</a:t>
+              </a:r>
+              <a:endParaRPr lang="zh-CN" altLang="en-US" sz="1200" b="1" cap="none" spc="0" dirty="0">
+                <a:ln w="0"/>
+                <a:solidFill>
+                  <a:schemeClr val="accent1"/>
+                </a:solidFill>
+                <a:effectLst>
+                  <a:outerShdw blurRad="38100" dist="25400" dir="5400000" algn="ctr" rotWithShape="0">
+                    <a:srgbClr val="6E747A">
+                      <a:alpha val="43000"/>
+                    </a:srgbClr>
+                  </a:outerShdw>
+                </a:effectLst>
+                <a:latin typeface="仿宋" panose="02010609060101010101" pitchFamily="49" charset="-122"/>
+                <a:ea typeface="仿宋" panose="02010609060101010101" pitchFamily="49" charset="-122"/>
+              </a:endParaRPr>
+            </a:p>
+          </p:txBody>
+        </p:sp>
+      </p:grpSp>
+      <p:cxnSp>
+        <p:nvCxnSpPr>
+          <p:cNvPr id="224" name="直接箭头连接符 223">
+            <a:extLst>
+              <a:ext uri="{FF2B5EF4-FFF2-40B4-BE49-F238E27FC236}">
+                <a16:creationId xmlns:a16="http://schemas.microsoft.com/office/drawing/2014/main" id="{5EF28CD0-3914-8791-EEC2-E259CD59DD43}"/>
+              </a:ext>
+            </a:extLst>
+          </p:cNvPr>
+          <p:cNvCxnSpPr>
+            <a:cxnSpLocks/>
+          </p:cNvCxnSpPr>
+          <p:nvPr/>
+        </p:nvCxnSpPr>
+        <p:spPr>
+          <a:xfrm flipV="1">
+            <a:off x="2030893" y="5712510"/>
+            <a:ext cx="1325165" cy="3373"/>
+          </a:xfrm>
+          <a:prstGeom prst="straightConnector1">
+            <a:avLst/>
+          </a:prstGeom>
+          <a:ln w="19050">
+            <a:tailEnd type="triangle"/>
           </a:ln>
         </p:spPr>
         <p:style>
@@ -13771,40 +14846,31 @@
             <a:schemeClr val="tx1"/>
           </a:fontRef>
         </p:style>
-        <p:txBody>
-          <a:bodyPr rtlCol="0" anchor="ctr"/>
-          <a:lstStyle/>
-          <a:p>
-            <a:pPr algn="ctr"/>
-            <a:endParaRPr lang="en-US"/>
-          </a:p>
-        </p:txBody>
-      </p:sp>
-      <p:sp>
-        <p:nvSpPr>
-          <p:cNvPr id="119" name="右中括号 118">
+      </p:cxnSp>
+      <p:cxnSp>
+        <p:nvCxnSpPr>
+          <p:cNvPr id="230" name="直接箭头连接符 229">
             <a:extLst>
               <a:ext uri="{FF2B5EF4-FFF2-40B4-BE49-F238E27FC236}">
-                <a16:creationId xmlns:a16="http://schemas.microsoft.com/office/drawing/2014/main" id="{2BF9E5EF-FB13-8F97-24EC-4C638E96426B}"/>
+                <a16:creationId xmlns:a16="http://schemas.microsoft.com/office/drawing/2014/main" id="{9D273D3C-C210-171A-FEE7-B0AADB8EE50B}"/>
               </a:ext>
             </a:extLst>
           </p:cNvPr>
-          <p:cNvSpPr/>
+          <p:cNvCxnSpPr>
+            <a:cxnSpLocks/>
+          </p:cNvCxnSpPr>
           <p:nvPr/>
-        </p:nvSpPr>
+        </p:nvCxnSpPr>
         <p:spPr>
-          <a:xfrm>
-            <a:off x="5647622" y="4332405"/>
-            <a:ext cx="64891" cy="294616"/>
+          <a:xfrm flipH="1" flipV="1">
+            <a:off x="3323400" y="5086474"/>
+            <a:ext cx="10515" cy="622663"/>
           </a:xfrm>
-          <a:prstGeom prst="rightBracket">
+          <a:prstGeom prst="straightConnector1">
             <a:avLst/>
           </a:prstGeom>
-          <a:noFill/>
-          <a:ln w="12700">
-            <a:solidFill>
-              <a:schemeClr val="accent2"/>
-            </a:solidFill>
+          <a:ln w="19050">
+            <a:tailEnd type="triangle"/>
           </a:ln>
         </p:spPr>
         <p:style>
@@ -13821,21 +14887,2600 @@
             <a:schemeClr val="tx1"/>
           </a:fontRef>
         </p:style>
+      </p:cxnSp>
+      <p:cxnSp>
+        <p:nvCxnSpPr>
+          <p:cNvPr id="236" name="直接箭头连接符 235">
+            <a:extLst>
+              <a:ext uri="{FF2B5EF4-FFF2-40B4-BE49-F238E27FC236}">
+                <a16:creationId xmlns:a16="http://schemas.microsoft.com/office/drawing/2014/main" id="{EB5E3613-8A80-975D-057A-1C80B0504204}"/>
+              </a:ext>
+            </a:extLst>
+          </p:cNvPr>
+          <p:cNvCxnSpPr>
+            <a:cxnSpLocks/>
+          </p:cNvCxnSpPr>
+          <p:nvPr/>
+        </p:nvCxnSpPr>
+        <p:spPr>
+          <a:xfrm>
+            <a:off x="3323400" y="5086474"/>
+            <a:ext cx="843049" cy="0"/>
+          </a:xfrm>
+          <a:prstGeom prst="straightConnector1">
+            <a:avLst/>
+          </a:prstGeom>
+          <a:ln w="19050">
+            <a:tailEnd type="triangle"/>
+          </a:ln>
+        </p:spPr>
+        <p:style>
+          <a:lnRef idx="1">
+            <a:schemeClr val="accent1"/>
+          </a:lnRef>
+          <a:fillRef idx="0">
+            <a:schemeClr val="accent1"/>
+          </a:fillRef>
+          <a:effectRef idx="0">
+            <a:schemeClr val="accent1"/>
+          </a:effectRef>
+          <a:fontRef idx="minor">
+            <a:schemeClr val="tx1"/>
+          </a:fontRef>
+        </p:style>
+      </p:cxnSp>
+      <p:grpSp>
+        <p:nvGrpSpPr>
+          <p:cNvPr id="240" name="组合 239">
+            <a:extLst>
+              <a:ext uri="{FF2B5EF4-FFF2-40B4-BE49-F238E27FC236}">
+                <a16:creationId xmlns:a16="http://schemas.microsoft.com/office/drawing/2014/main" id="{630F6D54-12F7-CD2E-64FE-8405BE7719CE}"/>
+              </a:ext>
+            </a:extLst>
+          </p:cNvPr>
+          <p:cNvGrpSpPr/>
+          <p:nvPr/>
+        </p:nvGrpSpPr>
+        <p:grpSpPr>
+          <a:xfrm>
+            <a:off x="4184765" y="4626305"/>
+            <a:ext cx="1344140" cy="622663"/>
+            <a:chOff x="4801866" y="4069497"/>
+            <a:chExt cx="1344140" cy="622663"/>
+          </a:xfrm>
+        </p:grpSpPr>
+        <p:sp>
+          <p:nvSpPr>
+            <p:cNvPr id="241" name="矩形 240">
+              <a:extLst>
+                <a:ext uri="{FF2B5EF4-FFF2-40B4-BE49-F238E27FC236}">
+                  <a16:creationId xmlns:a16="http://schemas.microsoft.com/office/drawing/2014/main" id="{AACBE5F0-0257-A783-5527-18D679E9833F}"/>
+                </a:ext>
+              </a:extLst>
+            </p:cNvPr>
+            <p:cNvSpPr/>
+            <p:nvPr/>
+          </p:nvSpPr>
+          <p:spPr>
+            <a:xfrm>
+              <a:off x="4801866" y="4069497"/>
+              <a:ext cx="1344140" cy="622663"/>
+            </a:xfrm>
+            <a:prstGeom prst="rect">
+              <a:avLst/>
+            </a:prstGeom>
+            <a:solidFill>
+              <a:schemeClr val="accent6">
+                <a:lumMod val="40000"/>
+                <a:lumOff val="60000"/>
+              </a:schemeClr>
+            </a:solidFill>
+            <a:ln>
+              <a:noFill/>
+            </a:ln>
+          </p:spPr>
+          <p:style>
+            <a:lnRef idx="2">
+              <a:schemeClr val="accent1">
+                <a:shade val="15000"/>
+              </a:schemeClr>
+            </a:lnRef>
+            <a:fillRef idx="1">
+              <a:schemeClr val="accent1"/>
+            </a:fillRef>
+            <a:effectRef idx="0">
+              <a:schemeClr val="accent1"/>
+            </a:effectRef>
+            <a:fontRef idx="minor">
+              <a:schemeClr val="lt1"/>
+            </a:fontRef>
+          </p:style>
+          <p:txBody>
+            <a:bodyPr rtlCol="0" anchor="t"/>
+            <a:lstStyle/>
+            <a:p>
+              <a:pPr algn="ctr"/>
+              <a:r>
+                <a:rPr lang="en-US" altLang="zh-CN" sz="1000" dirty="0">
+                  <a:solidFill>
+                    <a:schemeClr val="tx1"/>
+                  </a:solidFill>
+                  <a:latin typeface="仿宋" panose="02010609060101010101" pitchFamily="49" charset="-122"/>
+                  <a:ea typeface="仿宋" panose="02010609060101010101" pitchFamily="49" charset="-122"/>
+                </a:rPr>
+                <a:t>K-</a:t>
+              </a:r>
+              <a:r>
+                <a:rPr lang="en-US" altLang="zh-CN" sz="1000" dirty="0" err="1">
+                  <a:solidFill>
+                    <a:schemeClr val="tx1"/>
+                  </a:solidFill>
+                  <a:latin typeface="仿宋" panose="02010609060101010101" pitchFamily="49" charset="-122"/>
+                  <a:ea typeface="仿宋" panose="02010609060101010101" pitchFamily="49" charset="-122"/>
+                </a:rPr>
+                <a:t>mer</a:t>
+              </a:r>
+              <a:r>
+                <a:rPr lang="en-US" altLang="zh-CN" sz="1000" dirty="0">
+                  <a:solidFill>
+                    <a:schemeClr val="tx1"/>
+                  </a:solidFill>
+                  <a:latin typeface="仿宋" panose="02010609060101010101" pitchFamily="49" charset="-122"/>
+                  <a:ea typeface="仿宋" panose="02010609060101010101" pitchFamily="49" charset="-122"/>
+                </a:rPr>
+                <a:t> features</a:t>
+              </a:r>
+              <a:endParaRPr lang="zh-CN" altLang="en-US" sz="1000" dirty="0">
+                <a:solidFill>
+                  <a:schemeClr val="tx1"/>
+                </a:solidFill>
+                <a:latin typeface="仿宋" panose="02010609060101010101" pitchFamily="49" charset="-122"/>
+                <a:ea typeface="仿宋" panose="02010609060101010101" pitchFamily="49" charset="-122"/>
+              </a:endParaRPr>
+            </a:p>
+          </p:txBody>
+        </p:sp>
+        <p:sp>
+          <p:nvSpPr>
+            <p:cNvPr id="242" name="左中括号 241">
+              <a:extLst>
+                <a:ext uri="{FF2B5EF4-FFF2-40B4-BE49-F238E27FC236}">
+                  <a16:creationId xmlns:a16="http://schemas.microsoft.com/office/drawing/2014/main" id="{BA2C0D9D-BB08-D2E3-C866-D5C8BB0C7618}"/>
+                </a:ext>
+              </a:extLst>
+            </p:cNvPr>
+            <p:cNvSpPr/>
+            <p:nvPr/>
+          </p:nvSpPr>
+          <p:spPr>
+            <a:xfrm>
+              <a:off x="5226565" y="4339978"/>
+              <a:ext cx="53306" cy="282773"/>
+            </a:xfrm>
+            <a:prstGeom prst="leftBracket">
+              <a:avLst/>
+            </a:prstGeom>
+            <a:noFill/>
+            <a:ln w="12700">
+              <a:solidFill>
+                <a:srgbClr val="00B0F0"/>
+              </a:solidFill>
+            </a:ln>
+          </p:spPr>
+          <p:style>
+            <a:lnRef idx="1">
+              <a:schemeClr val="accent1"/>
+            </a:lnRef>
+            <a:fillRef idx="0">
+              <a:schemeClr val="accent1"/>
+            </a:fillRef>
+            <a:effectRef idx="0">
+              <a:schemeClr val="accent1"/>
+            </a:effectRef>
+            <a:fontRef idx="minor">
+              <a:schemeClr val="tx1"/>
+            </a:fontRef>
+          </p:style>
+          <p:txBody>
+            <a:bodyPr rtlCol="0" anchor="ctr"/>
+            <a:lstStyle/>
+            <a:p>
+              <a:pPr algn="ctr"/>
+              <a:endParaRPr lang="en-US">
+                <a:latin typeface="仿宋" panose="02010609060101010101" pitchFamily="49" charset="-122"/>
+                <a:ea typeface="仿宋" panose="02010609060101010101" pitchFamily="49" charset="-122"/>
+              </a:endParaRPr>
+            </a:p>
+          </p:txBody>
+        </p:sp>
+        <p:sp>
+          <p:nvSpPr>
+            <p:cNvPr id="243" name="右中括号 242">
+              <a:extLst>
+                <a:ext uri="{FF2B5EF4-FFF2-40B4-BE49-F238E27FC236}">
+                  <a16:creationId xmlns:a16="http://schemas.microsoft.com/office/drawing/2014/main" id="{4D9059DA-802A-4AA5-8EE9-D465388B1696}"/>
+                </a:ext>
+              </a:extLst>
+            </p:cNvPr>
+            <p:cNvSpPr/>
+            <p:nvPr/>
+          </p:nvSpPr>
+          <p:spPr>
+            <a:xfrm>
+              <a:off x="5647622" y="4332405"/>
+              <a:ext cx="64891" cy="294616"/>
+            </a:xfrm>
+            <a:prstGeom prst="rightBracket">
+              <a:avLst/>
+            </a:prstGeom>
+            <a:noFill/>
+            <a:ln w="12700">
+              <a:solidFill>
+                <a:srgbClr val="00B0F0"/>
+              </a:solidFill>
+            </a:ln>
+          </p:spPr>
+          <p:style>
+            <a:lnRef idx="1">
+              <a:schemeClr val="accent1"/>
+            </a:lnRef>
+            <a:fillRef idx="0">
+              <a:schemeClr val="accent1"/>
+            </a:fillRef>
+            <a:effectRef idx="0">
+              <a:schemeClr val="accent1"/>
+            </a:effectRef>
+            <a:fontRef idx="minor">
+              <a:schemeClr val="tx1"/>
+            </a:fontRef>
+          </p:style>
+          <p:txBody>
+            <a:bodyPr rtlCol="0" anchor="ctr"/>
+            <a:lstStyle/>
+            <a:p>
+              <a:pPr algn="ctr"/>
+              <a:endParaRPr lang="en-US">
+                <a:latin typeface="仿宋" panose="02010609060101010101" pitchFamily="49" charset="-122"/>
+                <a:ea typeface="仿宋" panose="02010609060101010101" pitchFamily="49" charset="-122"/>
+              </a:endParaRPr>
+            </a:p>
+          </p:txBody>
+        </p:sp>
+        <p:sp>
+          <p:nvSpPr>
+            <p:cNvPr id="39" name="矩形 38">
+              <a:extLst>
+                <a:ext uri="{FF2B5EF4-FFF2-40B4-BE49-F238E27FC236}">
+                  <a16:creationId xmlns:a16="http://schemas.microsoft.com/office/drawing/2014/main" id="{04F802B6-19A4-6B20-0C6D-01C0FDCE32F0}"/>
+                </a:ext>
+              </a:extLst>
+            </p:cNvPr>
+            <p:cNvSpPr/>
+            <p:nvPr/>
+          </p:nvSpPr>
+          <p:spPr>
+            <a:xfrm>
+              <a:off x="5304963" y="4350510"/>
+              <a:ext cx="80516" cy="76355"/>
+            </a:xfrm>
+            <a:prstGeom prst="rect">
+              <a:avLst/>
+            </a:prstGeom>
+            <a:solidFill>
+              <a:srgbClr val="00B0F0"/>
+            </a:solidFill>
+            <a:ln>
+              <a:noFill/>
+            </a:ln>
+          </p:spPr>
+          <p:style>
+            <a:lnRef idx="2">
+              <a:schemeClr val="accent1">
+                <a:shade val="15000"/>
+              </a:schemeClr>
+            </a:lnRef>
+            <a:fillRef idx="1">
+              <a:schemeClr val="accent1"/>
+            </a:fillRef>
+            <a:effectRef idx="0">
+              <a:schemeClr val="accent1"/>
+            </a:effectRef>
+            <a:fontRef idx="minor">
+              <a:schemeClr val="lt1"/>
+            </a:fontRef>
+          </p:style>
+          <p:txBody>
+            <a:bodyPr rtlCol="0" anchor="ctr"/>
+            <a:lstStyle/>
+            <a:p>
+              <a:pPr algn="ctr"/>
+              <a:endParaRPr lang="en-US">
+                <a:latin typeface="仿宋" panose="02010609060101010101" pitchFamily="49" charset="-122"/>
+                <a:ea typeface="仿宋" panose="02010609060101010101" pitchFamily="49" charset="-122"/>
+              </a:endParaRPr>
+            </a:p>
+          </p:txBody>
+        </p:sp>
+        <p:sp>
+          <p:nvSpPr>
+            <p:cNvPr id="49" name="矩形 48">
+              <a:extLst>
+                <a:ext uri="{FF2B5EF4-FFF2-40B4-BE49-F238E27FC236}">
+                  <a16:creationId xmlns:a16="http://schemas.microsoft.com/office/drawing/2014/main" id="{8FBC7CA6-0A76-856F-F7BE-C39F75EEEC00}"/>
+                </a:ext>
+              </a:extLst>
+            </p:cNvPr>
+            <p:cNvSpPr/>
+            <p:nvPr/>
+          </p:nvSpPr>
+          <p:spPr>
+            <a:xfrm>
+              <a:off x="5431293" y="4350510"/>
+              <a:ext cx="80516" cy="76355"/>
+            </a:xfrm>
+            <a:prstGeom prst="rect">
+              <a:avLst/>
+            </a:prstGeom>
+            <a:solidFill>
+              <a:srgbClr val="00B0F0"/>
+            </a:solidFill>
+            <a:ln>
+              <a:noFill/>
+            </a:ln>
+          </p:spPr>
+          <p:style>
+            <a:lnRef idx="2">
+              <a:schemeClr val="accent1">
+                <a:shade val="15000"/>
+              </a:schemeClr>
+            </a:lnRef>
+            <a:fillRef idx="1">
+              <a:schemeClr val="accent1"/>
+            </a:fillRef>
+            <a:effectRef idx="0">
+              <a:schemeClr val="accent1"/>
+            </a:effectRef>
+            <a:fontRef idx="minor">
+              <a:schemeClr val="lt1"/>
+            </a:fontRef>
+          </p:style>
+          <p:txBody>
+            <a:bodyPr rtlCol="0" anchor="ctr"/>
+            <a:lstStyle/>
+            <a:p>
+              <a:pPr algn="ctr"/>
+              <a:endParaRPr lang="en-US">
+                <a:latin typeface="仿宋" panose="02010609060101010101" pitchFamily="49" charset="-122"/>
+                <a:ea typeface="仿宋" panose="02010609060101010101" pitchFamily="49" charset="-122"/>
+              </a:endParaRPr>
+            </a:p>
+          </p:txBody>
+        </p:sp>
+        <p:sp>
+          <p:nvSpPr>
+            <p:cNvPr id="58" name="矩形 57">
+              <a:extLst>
+                <a:ext uri="{FF2B5EF4-FFF2-40B4-BE49-F238E27FC236}">
+                  <a16:creationId xmlns:a16="http://schemas.microsoft.com/office/drawing/2014/main" id="{4F0173DE-8660-54A7-8324-9F592E39A81E}"/>
+                </a:ext>
+              </a:extLst>
+            </p:cNvPr>
+            <p:cNvSpPr/>
+            <p:nvPr/>
+          </p:nvSpPr>
+          <p:spPr>
+            <a:xfrm>
+              <a:off x="5560138" y="4346978"/>
+              <a:ext cx="80516" cy="76355"/>
+            </a:xfrm>
+            <a:prstGeom prst="rect">
+              <a:avLst/>
+            </a:prstGeom>
+            <a:solidFill>
+              <a:srgbClr val="00B0F0"/>
+            </a:solidFill>
+            <a:ln>
+              <a:noFill/>
+            </a:ln>
+          </p:spPr>
+          <p:style>
+            <a:lnRef idx="2">
+              <a:schemeClr val="accent1">
+                <a:shade val="15000"/>
+              </a:schemeClr>
+            </a:lnRef>
+            <a:fillRef idx="1">
+              <a:schemeClr val="accent1"/>
+            </a:fillRef>
+            <a:effectRef idx="0">
+              <a:schemeClr val="accent1"/>
+            </a:effectRef>
+            <a:fontRef idx="minor">
+              <a:schemeClr val="lt1"/>
+            </a:fontRef>
+          </p:style>
+          <p:txBody>
+            <a:bodyPr rtlCol="0" anchor="ctr"/>
+            <a:lstStyle/>
+            <a:p>
+              <a:pPr algn="ctr"/>
+              <a:endParaRPr lang="en-US">
+                <a:latin typeface="仿宋" panose="02010609060101010101" pitchFamily="49" charset="-122"/>
+                <a:ea typeface="仿宋" panose="02010609060101010101" pitchFamily="49" charset="-122"/>
+              </a:endParaRPr>
+            </a:p>
+          </p:txBody>
+        </p:sp>
+        <p:sp>
+          <p:nvSpPr>
+            <p:cNvPr id="60" name="矩形 59">
+              <a:extLst>
+                <a:ext uri="{FF2B5EF4-FFF2-40B4-BE49-F238E27FC236}">
+                  <a16:creationId xmlns:a16="http://schemas.microsoft.com/office/drawing/2014/main" id="{05539499-C877-0204-8D94-A36D9C94BCF1}"/>
+                </a:ext>
+              </a:extLst>
+            </p:cNvPr>
+            <p:cNvSpPr/>
+            <p:nvPr/>
+          </p:nvSpPr>
+          <p:spPr>
+            <a:xfrm>
+              <a:off x="5304963" y="4448635"/>
+              <a:ext cx="80516" cy="76355"/>
+            </a:xfrm>
+            <a:prstGeom prst="rect">
+              <a:avLst/>
+            </a:prstGeom>
+            <a:solidFill>
+              <a:srgbClr val="00B0F0"/>
+            </a:solidFill>
+            <a:ln>
+              <a:noFill/>
+            </a:ln>
+          </p:spPr>
+          <p:style>
+            <a:lnRef idx="2">
+              <a:schemeClr val="accent1">
+                <a:shade val="15000"/>
+              </a:schemeClr>
+            </a:lnRef>
+            <a:fillRef idx="1">
+              <a:schemeClr val="accent1"/>
+            </a:fillRef>
+            <a:effectRef idx="0">
+              <a:schemeClr val="accent1"/>
+            </a:effectRef>
+            <a:fontRef idx="minor">
+              <a:schemeClr val="lt1"/>
+            </a:fontRef>
+          </p:style>
+          <p:txBody>
+            <a:bodyPr rtlCol="0" anchor="ctr"/>
+            <a:lstStyle/>
+            <a:p>
+              <a:pPr algn="ctr"/>
+              <a:endParaRPr lang="en-US">
+                <a:latin typeface="仿宋" panose="02010609060101010101" pitchFamily="49" charset="-122"/>
+                <a:ea typeface="仿宋" panose="02010609060101010101" pitchFamily="49" charset="-122"/>
+              </a:endParaRPr>
+            </a:p>
+          </p:txBody>
+        </p:sp>
+        <p:sp>
+          <p:nvSpPr>
+            <p:cNvPr id="70" name="矩形 69">
+              <a:extLst>
+                <a:ext uri="{FF2B5EF4-FFF2-40B4-BE49-F238E27FC236}">
+                  <a16:creationId xmlns:a16="http://schemas.microsoft.com/office/drawing/2014/main" id="{E8412CBC-E5EE-6C97-F288-525811C26D3C}"/>
+                </a:ext>
+              </a:extLst>
+            </p:cNvPr>
+            <p:cNvSpPr/>
+            <p:nvPr/>
+          </p:nvSpPr>
+          <p:spPr>
+            <a:xfrm>
+              <a:off x="5304963" y="4546621"/>
+              <a:ext cx="80516" cy="76355"/>
+            </a:xfrm>
+            <a:prstGeom prst="rect">
+              <a:avLst/>
+            </a:prstGeom>
+            <a:solidFill>
+              <a:srgbClr val="00B0F0"/>
+            </a:solidFill>
+            <a:ln>
+              <a:noFill/>
+            </a:ln>
+          </p:spPr>
+          <p:style>
+            <a:lnRef idx="2">
+              <a:schemeClr val="accent1">
+                <a:shade val="15000"/>
+              </a:schemeClr>
+            </a:lnRef>
+            <a:fillRef idx="1">
+              <a:schemeClr val="accent1"/>
+            </a:fillRef>
+            <a:effectRef idx="0">
+              <a:schemeClr val="accent1"/>
+            </a:effectRef>
+            <a:fontRef idx="minor">
+              <a:schemeClr val="lt1"/>
+            </a:fontRef>
+          </p:style>
+          <p:txBody>
+            <a:bodyPr rtlCol="0" anchor="ctr"/>
+            <a:lstStyle/>
+            <a:p>
+              <a:pPr algn="ctr"/>
+              <a:endParaRPr lang="en-US">
+                <a:latin typeface="仿宋" panose="02010609060101010101" pitchFamily="49" charset="-122"/>
+                <a:ea typeface="仿宋" panose="02010609060101010101" pitchFamily="49" charset="-122"/>
+              </a:endParaRPr>
+            </a:p>
+          </p:txBody>
+        </p:sp>
+        <p:sp>
+          <p:nvSpPr>
+            <p:cNvPr id="108" name="矩形 107">
+              <a:extLst>
+                <a:ext uri="{FF2B5EF4-FFF2-40B4-BE49-F238E27FC236}">
+                  <a16:creationId xmlns:a16="http://schemas.microsoft.com/office/drawing/2014/main" id="{A5C273F0-319D-B998-DF13-164CF9B5095D}"/>
+                </a:ext>
+              </a:extLst>
+            </p:cNvPr>
+            <p:cNvSpPr/>
+            <p:nvPr/>
+          </p:nvSpPr>
+          <p:spPr>
+            <a:xfrm>
+              <a:off x="5428515" y="4446295"/>
+              <a:ext cx="80516" cy="76355"/>
+            </a:xfrm>
+            <a:prstGeom prst="rect">
+              <a:avLst/>
+            </a:prstGeom>
+            <a:solidFill>
+              <a:srgbClr val="00B0F0"/>
+            </a:solidFill>
+            <a:ln>
+              <a:noFill/>
+            </a:ln>
+          </p:spPr>
+          <p:style>
+            <a:lnRef idx="2">
+              <a:schemeClr val="accent1">
+                <a:shade val="15000"/>
+              </a:schemeClr>
+            </a:lnRef>
+            <a:fillRef idx="1">
+              <a:schemeClr val="accent1"/>
+            </a:fillRef>
+            <a:effectRef idx="0">
+              <a:schemeClr val="accent1"/>
+            </a:effectRef>
+            <a:fontRef idx="minor">
+              <a:schemeClr val="lt1"/>
+            </a:fontRef>
+          </p:style>
+          <p:txBody>
+            <a:bodyPr rtlCol="0" anchor="ctr"/>
+            <a:lstStyle/>
+            <a:p>
+              <a:pPr algn="ctr"/>
+              <a:endParaRPr lang="en-US">
+                <a:latin typeface="仿宋" panose="02010609060101010101" pitchFamily="49" charset="-122"/>
+                <a:ea typeface="仿宋" panose="02010609060101010101" pitchFamily="49" charset="-122"/>
+              </a:endParaRPr>
+            </a:p>
+          </p:txBody>
+        </p:sp>
+        <p:sp>
+          <p:nvSpPr>
+            <p:cNvPr id="109" name="矩形 108">
+              <a:extLst>
+                <a:ext uri="{FF2B5EF4-FFF2-40B4-BE49-F238E27FC236}">
+                  <a16:creationId xmlns:a16="http://schemas.microsoft.com/office/drawing/2014/main" id="{95035E54-4212-2F52-DF8C-D5DA2B54CD61}"/>
+                </a:ext>
+              </a:extLst>
+            </p:cNvPr>
+            <p:cNvSpPr/>
+            <p:nvPr/>
+          </p:nvSpPr>
+          <p:spPr>
+            <a:xfrm>
+              <a:off x="5428515" y="4545306"/>
+              <a:ext cx="80516" cy="76355"/>
+            </a:xfrm>
+            <a:prstGeom prst="rect">
+              <a:avLst/>
+            </a:prstGeom>
+            <a:solidFill>
+              <a:srgbClr val="00B0F0"/>
+            </a:solidFill>
+            <a:ln>
+              <a:noFill/>
+            </a:ln>
+          </p:spPr>
+          <p:style>
+            <a:lnRef idx="2">
+              <a:schemeClr val="accent1">
+                <a:shade val="15000"/>
+              </a:schemeClr>
+            </a:lnRef>
+            <a:fillRef idx="1">
+              <a:schemeClr val="accent1"/>
+            </a:fillRef>
+            <a:effectRef idx="0">
+              <a:schemeClr val="accent1"/>
+            </a:effectRef>
+            <a:fontRef idx="minor">
+              <a:schemeClr val="lt1"/>
+            </a:fontRef>
+          </p:style>
+          <p:txBody>
+            <a:bodyPr rtlCol="0" anchor="ctr"/>
+            <a:lstStyle/>
+            <a:p>
+              <a:pPr algn="ctr"/>
+              <a:endParaRPr lang="en-US">
+                <a:latin typeface="仿宋" panose="02010609060101010101" pitchFamily="49" charset="-122"/>
+                <a:ea typeface="仿宋" panose="02010609060101010101" pitchFamily="49" charset="-122"/>
+              </a:endParaRPr>
+            </a:p>
+          </p:txBody>
+        </p:sp>
+        <p:sp>
+          <p:nvSpPr>
+            <p:cNvPr id="111" name="矩形 110">
+              <a:extLst>
+                <a:ext uri="{FF2B5EF4-FFF2-40B4-BE49-F238E27FC236}">
+                  <a16:creationId xmlns:a16="http://schemas.microsoft.com/office/drawing/2014/main" id="{51DDD158-5988-1B9D-FADD-BBA8D72E7717}"/>
+                </a:ext>
+              </a:extLst>
+            </p:cNvPr>
+            <p:cNvSpPr/>
+            <p:nvPr/>
+          </p:nvSpPr>
+          <p:spPr>
+            <a:xfrm>
+              <a:off x="5559934" y="4446295"/>
+              <a:ext cx="80516" cy="76355"/>
+            </a:xfrm>
+            <a:prstGeom prst="rect">
+              <a:avLst/>
+            </a:prstGeom>
+            <a:solidFill>
+              <a:srgbClr val="00B0F0"/>
+            </a:solidFill>
+            <a:ln>
+              <a:noFill/>
+            </a:ln>
+          </p:spPr>
+          <p:style>
+            <a:lnRef idx="2">
+              <a:schemeClr val="accent1">
+                <a:shade val="15000"/>
+              </a:schemeClr>
+            </a:lnRef>
+            <a:fillRef idx="1">
+              <a:schemeClr val="accent1"/>
+            </a:fillRef>
+            <a:effectRef idx="0">
+              <a:schemeClr val="accent1"/>
+            </a:effectRef>
+            <a:fontRef idx="minor">
+              <a:schemeClr val="lt1"/>
+            </a:fontRef>
+          </p:style>
+          <p:txBody>
+            <a:bodyPr rtlCol="0" anchor="ctr"/>
+            <a:lstStyle/>
+            <a:p>
+              <a:pPr algn="ctr"/>
+              <a:endParaRPr lang="en-US">
+                <a:latin typeface="仿宋" panose="02010609060101010101" pitchFamily="49" charset="-122"/>
+                <a:ea typeface="仿宋" panose="02010609060101010101" pitchFamily="49" charset="-122"/>
+              </a:endParaRPr>
+            </a:p>
+          </p:txBody>
+        </p:sp>
+        <p:sp>
+          <p:nvSpPr>
+            <p:cNvPr id="112" name="矩形 111">
+              <a:extLst>
+                <a:ext uri="{FF2B5EF4-FFF2-40B4-BE49-F238E27FC236}">
+                  <a16:creationId xmlns:a16="http://schemas.microsoft.com/office/drawing/2014/main" id="{6A7DA8A9-6A20-14AC-4C49-F24C9C872945}"/>
+                </a:ext>
+              </a:extLst>
+            </p:cNvPr>
+            <p:cNvSpPr/>
+            <p:nvPr/>
+          </p:nvSpPr>
+          <p:spPr>
+            <a:xfrm>
+              <a:off x="5559933" y="4546621"/>
+              <a:ext cx="80516" cy="76355"/>
+            </a:xfrm>
+            <a:prstGeom prst="rect">
+              <a:avLst/>
+            </a:prstGeom>
+            <a:solidFill>
+              <a:srgbClr val="00B0F0"/>
+            </a:solidFill>
+            <a:ln>
+              <a:noFill/>
+            </a:ln>
+          </p:spPr>
+          <p:style>
+            <a:lnRef idx="2">
+              <a:schemeClr val="accent1">
+                <a:shade val="15000"/>
+              </a:schemeClr>
+            </a:lnRef>
+            <a:fillRef idx="1">
+              <a:schemeClr val="accent1"/>
+            </a:fillRef>
+            <a:effectRef idx="0">
+              <a:schemeClr val="accent1"/>
+            </a:effectRef>
+            <a:fontRef idx="minor">
+              <a:schemeClr val="lt1"/>
+            </a:fontRef>
+          </p:style>
+          <p:txBody>
+            <a:bodyPr rtlCol="0" anchor="ctr"/>
+            <a:lstStyle/>
+            <a:p>
+              <a:pPr algn="ctr"/>
+              <a:endParaRPr lang="en-US">
+                <a:latin typeface="仿宋" panose="02010609060101010101" pitchFamily="49" charset="-122"/>
+                <a:ea typeface="仿宋" panose="02010609060101010101" pitchFamily="49" charset="-122"/>
+              </a:endParaRPr>
+            </a:p>
+          </p:txBody>
+        </p:sp>
+      </p:grpSp>
+      <p:cxnSp>
+        <p:nvCxnSpPr>
+          <p:cNvPr id="114" name="直接箭头连接符 113">
+            <a:extLst>
+              <a:ext uri="{FF2B5EF4-FFF2-40B4-BE49-F238E27FC236}">
+                <a16:creationId xmlns:a16="http://schemas.microsoft.com/office/drawing/2014/main" id="{D07E0D75-F7B5-7486-805F-01170ED5DAF6}"/>
+              </a:ext>
+            </a:extLst>
+          </p:cNvPr>
+          <p:cNvCxnSpPr>
+            <a:cxnSpLocks/>
+          </p:cNvCxnSpPr>
+          <p:nvPr/>
+        </p:nvCxnSpPr>
+        <p:spPr>
+          <a:xfrm>
+            <a:off x="3347955" y="5715883"/>
+            <a:ext cx="843049" cy="0"/>
+          </a:xfrm>
+          <a:prstGeom prst="straightConnector1">
+            <a:avLst/>
+          </a:prstGeom>
+          <a:ln w="19050">
+            <a:tailEnd type="triangle"/>
+          </a:ln>
+        </p:spPr>
+        <p:style>
+          <a:lnRef idx="1">
+            <a:schemeClr val="accent1"/>
+          </a:lnRef>
+          <a:fillRef idx="0">
+            <a:schemeClr val="accent1"/>
+          </a:fillRef>
+          <a:effectRef idx="0">
+            <a:schemeClr val="accent1"/>
+          </a:effectRef>
+          <a:fontRef idx="minor">
+            <a:schemeClr val="tx1"/>
+          </a:fontRef>
+        </p:style>
+      </p:cxnSp>
+      <p:grpSp>
+        <p:nvGrpSpPr>
+          <p:cNvPr id="115" name="组合 114">
+            <a:extLst>
+              <a:ext uri="{FF2B5EF4-FFF2-40B4-BE49-F238E27FC236}">
+                <a16:creationId xmlns:a16="http://schemas.microsoft.com/office/drawing/2014/main" id="{8AEDFD7C-2A6D-8B5C-5833-4E6B1F7A97CC}"/>
+              </a:ext>
+            </a:extLst>
+          </p:cNvPr>
+          <p:cNvGrpSpPr/>
+          <p:nvPr/>
+        </p:nvGrpSpPr>
+        <p:grpSpPr>
+          <a:xfrm>
+            <a:off x="4191004" y="5269538"/>
+            <a:ext cx="1344140" cy="622663"/>
+            <a:chOff x="4801866" y="4069497"/>
+            <a:chExt cx="1344140" cy="622663"/>
+          </a:xfrm>
+        </p:grpSpPr>
+        <p:sp>
+          <p:nvSpPr>
+            <p:cNvPr id="117" name="矩形 116">
+              <a:extLst>
+                <a:ext uri="{FF2B5EF4-FFF2-40B4-BE49-F238E27FC236}">
+                  <a16:creationId xmlns:a16="http://schemas.microsoft.com/office/drawing/2014/main" id="{36C1E6E0-D2F5-5974-AB68-B2C362D1423F}"/>
+                </a:ext>
+              </a:extLst>
+            </p:cNvPr>
+            <p:cNvSpPr/>
+            <p:nvPr/>
+          </p:nvSpPr>
+          <p:spPr>
+            <a:xfrm>
+              <a:off x="4801866" y="4069497"/>
+              <a:ext cx="1344140" cy="622663"/>
+            </a:xfrm>
+            <a:prstGeom prst="rect">
+              <a:avLst/>
+            </a:prstGeom>
+            <a:solidFill>
+              <a:schemeClr val="accent6">
+                <a:lumMod val="40000"/>
+                <a:lumOff val="60000"/>
+              </a:schemeClr>
+            </a:solidFill>
+            <a:ln>
+              <a:noFill/>
+            </a:ln>
+          </p:spPr>
+          <p:style>
+            <a:lnRef idx="2">
+              <a:schemeClr val="accent1">
+                <a:shade val="15000"/>
+              </a:schemeClr>
+            </a:lnRef>
+            <a:fillRef idx="1">
+              <a:schemeClr val="accent1"/>
+            </a:fillRef>
+            <a:effectRef idx="0">
+              <a:schemeClr val="accent1"/>
+            </a:effectRef>
+            <a:fontRef idx="minor">
+              <a:schemeClr val="lt1"/>
+            </a:fontRef>
+          </p:style>
+          <p:txBody>
+            <a:bodyPr rtlCol="0" anchor="t"/>
+            <a:lstStyle/>
+            <a:p>
+              <a:pPr algn="ctr"/>
+              <a:r>
+                <a:rPr lang="en-US" altLang="zh-CN" sz="1000" dirty="0">
+                  <a:solidFill>
+                    <a:schemeClr val="tx1"/>
+                  </a:solidFill>
+                  <a:latin typeface="仿宋" panose="02010609060101010101" pitchFamily="49" charset="-122"/>
+                  <a:ea typeface="仿宋" panose="02010609060101010101" pitchFamily="49" charset="-122"/>
+                </a:rPr>
+                <a:t>RCK-mer features</a:t>
+              </a:r>
+              <a:endParaRPr lang="zh-CN" altLang="en-US" sz="1000" dirty="0">
+                <a:solidFill>
+                  <a:schemeClr val="tx1"/>
+                </a:solidFill>
+                <a:latin typeface="仿宋" panose="02010609060101010101" pitchFamily="49" charset="-122"/>
+                <a:ea typeface="仿宋" panose="02010609060101010101" pitchFamily="49" charset="-122"/>
+              </a:endParaRPr>
+            </a:p>
+          </p:txBody>
+        </p:sp>
+        <p:sp>
+          <p:nvSpPr>
+            <p:cNvPr id="174" name="左中括号 173">
+              <a:extLst>
+                <a:ext uri="{FF2B5EF4-FFF2-40B4-BE49-F238E27FC236}">
+                  <a16:creationId xmlns:a16="http://schemas.microsoft.com/office/drawing/2014/main" id="{E06DDDDA-CEAD-EE07-5283-67B9F4B99B4E}"/>
+                </a:ext>
+              </a:extLst>
+            </p:cNvPr>
+            <p:cNvSpPr/>
+            <p:nvPr/>
+          </p:nvSpPr>
+          <p:spPr>
+            <a:xfrm>
+              <a:off x="5226565" y="4339978"/>
+              <a:ext cx="53306" cy="282773"/>
+            </a:xfrm>
+            <a:prstGeom prst="leftBracket">
+              <a:avLst/>
+            </a:prstGeom>
+            <a:noFill/>
+            <a:ln w="12700">
+              <a:solidFill>
+                <a:schemeClr val="accent3">
+                  <a:lumMod val="50000"/>
+                </a:schemeClr>
+              </a:solidFill>
+            </a:ln>
+          </p:spPr>
+          <p:style>
+            <a:lnRef idx="1">
+              <a:schemeClr val="accent1"/>
+            </a:lnRef>
+            <a:fillRef idx="0">
+              <a:schemeClr val="accent1"/>
+            </a:fillRef>
+            <a:effectRef idx="0">
+              <a:schemeClr val="accent1"/>
+            </a:effectRef>
+            <a:fontRef idx="minor">
+              <a:schemeClr val="tx1"/>
+            </a:fontRef>
+          </p:style>
+          <p:txBody>
+            <a:bodyPr rtlCol="0" anchor="ctr"/>
+            <a:lstStyle/>
+            <a:p>
+              <a:pPr algn="ctr"/>
+              <a:endParaRPr lang="en-US">
+                <a:latin typeface="仿宋" panose="02010609060101010101" pitchFamily="49" charset="-122"/>
+                <a:ea typeface="仿宋" panose="02010609060101010101" pitchFamily="49" charset="-122"/>
+              </a:endParaRPr>
+            </a:p>
+          </p:txBody>
+        </p:sp>
+        <p:sp>
+          <p:nvSpPr>
+            <p:cNvPr id="175" name="右中括号 174">
+              <a:extLst>
+                <a:ext uri="{FF2B5EF4-FFF2-40B4-BE49-F238E27FC236}">
+                  <a16:creationId xmlns:a16="http://schemas.microsoft.com/office/drawing/2014/main" id="{5D5A6959-DA9E-FAD1-91C7-97EC68374785}"/>
+                </a:ext>
+              </a:extLst>
+            </p:cNvPr>
+            <p:cNvSpPr/>
+            <p:nvPr/>
+          </p:nvSpPr>
+          <p:spPr>
+            <a:xfrm>
+              <a:off x="5647622" y="4332405"/>
+              <a:ext cx="64891" cy="294616"/>
+            </a:xfrm>
+            <a:prstGeom prst="rightBracket">
+              <a:avLst/>
+            </a:prstGeom>
+            <a:noFill/>
+            <a:ln w="12700">
+              <a:solidFill>
+                <a:schemeClr val="accent3">
+                  <a:lumMod val="50000"/>
+                </a:schemeClr>
+              </a:solidFill>
+            </a:ln>
+          </p:spPr>
+          <p:style>
+            <a:lnRef idx="1">
+              <a:schemeClr val="accent1"/>
+            </a:lnRef>
+            <a:fillRef idx="0">
+              <a:schemeClr val="accent1"/>
+            </a:fillRef>
+            <a:effectRef idx="0">
+              <a:schemeClr val="accent1"/>
+            </a:effectRef>
+            <a:fontRef idx="minor">
+              <a:schemeClr val="tx1"/>
+            </a:fontRef>
+          </p:style>
+          <p:txBody>
+            <a:bodyPr rtlCol="0" anchor="ctr"/>
+            <a:lstStyle/>
+            <a:p>
+              <a:pPr algn="ctr"/>
+              <a:endParaRPr lang="en-US">
+                <a:latin typeface="仿宋" panose="02010609060101010101" pitchFamily="49" charset="-122"/>
+                <a:ea typeface="仿宋" panose="02010609060101010101" pitchFamily="49" charset="-122"/>
+              </a:endParaRPr>
+            </a:p>
+          </p:txBody>
+        </p:sp>
+        <p:sp>
+          <p:nvSpPr>
+            <p:cNvPr id="177" name="矩形 176">
+              <a:extLst>
+                <a:ext uri="{FF2B5EF4-FFF2-40B4-BE49-F238E27FC236}">
+                  <a16:creationId xmlns:a16="http://schemas.microsoft.com/office/drawing/2014/main" id="{1389FF1C-638F-EAEB-297D-F1BEC1234DAE}"/>
+                </a:ext>
+              </a:extLst>
+            </p:cNvPr>
+            <p:cNvSpPr/>
+            <p:nvPr/>
+          </p:nvSpPr>
+          <p:spPr>
+            <a:xfrm>
+              <a:off x="5304963" y="4350510"/>
+              <a:ext cx="80516" cy="76355"/>
+            </a:xfrm>
+            <a:prstGeom prst="rect">
+              <a:avLst/>
+            </a:prstGeom>
+            <a:solidFill>
+              <a:schemeClr val="accent3">
+                <a:lumMod val="50000"/>
+              </a:schemeClr>
+            </a:solidFill>
+            <a:ln>
+              <a:noFill/>
+            </a:ln>
+          </p:spPr>
+          <p:style>
+            <a:lnRef idx="2">
+              <a:schemeClr val="accent1">
+                <a:shade val="15000"/>
+              </a:schemeClr>
+            </a:lnRef>
+            <a:fillRef idx="1">
+              <a:schemeClr val="accent1"/>
+            </a:fillRef>
+            <a:effectRef idx="0">
+              <a:schemeClr val="accent1"/>
+            </a:effectRef>
+            <a:fontRef idx="minor">
+              <a:schemeClr val="lt1"/>
+            </a:fontRef>
+          </p:style>
+          <p:txBody>
+            <a:bodyPr rtlCol="0" anchor="ctr"/>
+            <a:lstStyle/>
+            <a:p>
+              <a:pPr algn="ctr"/>
+              <a:endParaRPr lang="en-US">
+                <a:latin typeface="仿宋" panose="02010609060101010101" pitchFamily="49" charset="-122"/>
+                <a:ea typeface="仿宋" panose="02010609060101010101" pitchFamily="49" charset="-122"/>
+              </a:endParaRPr>
+            </a:p>
+          </p:txBody>
+        </p:sp>
+        <p:sp>
+          <p:nvSpPr>
+            <p:cNvPr id="178" name="矩形 177">
+              <a:extLst>
+                <a:ext uri="{FF2B5EF4-FFF2-40B4-BE49-F238E27FC236}">
+                  <a16:creationId xmlns:a16="http://schemas.microsoft.com/office/drawing/2014/main" id="{7A9AB9E8-8D84-771C-802A-C939F3280BE5}"/>
+                </a:ext>
+              </a:extLst>
+            </p:cNvPr>
+            <p:cNvSpPr/>
+            <p:nvPr/>
+          </p:nvSpPr>
+          <p:spPr>
+            <a:xfrm>
+              <a:off x="5431293" y="4350510"/>
+              <a:ext cx="80516" cy="76355"/>
+            </a:xfrm>
+            <a:prstGeom prst="rect">
+              <a:avLst/>
+            </a:prstGeom>
+            <a:solidFill>
+              <a:schemeClr val="accent3">
+                <a:lumMod val="50000"/>
+              </a:schemeClr>
+            </a:solidFill>
+            <a:ln>
+              <a:noFill/>
+            </a:ln>
+          </p:spPr>
+          <p:style>
+            <a:lnRef idx="2">
+              <a:schemeClr val="accent1">
+                <a:shade val="15000"/>
+              </a:schemeClr>
+            </a:lnRef>
+            <a:fillRef idx="1">
+              <a:schemeClr val="accent1"/>
+            </a:fillRef>
+            <a:effectRef idx="0">
+              <a:schemeClr val="accent1"/>
+            </a:effectRef>
+            <a:fontRef idx="minor">
+              <a:schemeClr val="lt1"/>
+            </a:fontRef>
+          </p:style>
+          <p:txBody>
+            <a:bodyPr rtlCol="0" anchor="ctr"/>
+            <a:lstStyle/>
+            <a:p>
+              <a:pPr algn="ctr"/>
+              <a:endParaRPr lang="en-US">
+                <a:latin typeface="仿宋" panose="02010609060101010101" pitchFamily="49" charset="-122"/>
+                <a:ea typeface="仿宋" panose="02010609060101010101" pitchFamily="49" charset="-122"/>
+              </a:endParaRPr>
+            </a:p>
+          </p:txBody>
+        </p:sp>
+        <p:sp>
+          <p:nvSpPr>
+            <p:cNvPr id="179" name="矩形 178">
+              <a:extLst>
+                <a:ext uri="{FF2B5EF4-FFF2-40B4-BE49-F238E27FC236}">
+                  <a16:creationId xmlns:a16="http://schemas.microsoft.com/office/drawing/2014/main" id="{572E4654-5C39-1020-8F73-F40BF2FF3FDC}"/>
+                </a:ext>
+              </a:extLst>
+            </p:cNvPr>
+            <p:cNvSpPr/>
+            <p:nvPr/>
+          </p:nvSpPr>
+          <p:spPr>
+            <a:xfrm>
+              <a:off x="5560138" y="4346978"/>
+              <a:ext cx="80516" cy="76355"/>
+            </a:xfrm>
+            <a:prstGeom prst="rect">
+              <a:avLst/>
+            </a:prstGeom>
+            <a:solidFill>
+              <a:schemeClr val="accent3">
+                <a:lumMod val="50000"/>
+              </a:schemeClr>
+            </a:solidFill>
+            <a:ln>
+              <a:noFill/>
+            </a:ln>
+          </p:spPr>
+          <p:style>
+            <a:lnRef idx="2">
+              <a:schemeClr val="accent1">
+                <a:shade val="15000"/>
+              </a:schemeClr>
+            </a:lnRef>
+            <a:fillRef idx="1">
+              <a:schemeClr val="accent1"/>
+            </a:fillRef>
+            <a:effectRef idx="0">
+              <a:schemeClr val="accent1"/>
+            </a:effectRef>
+            <a:fontRef idx="minor">
+              <a:schemeClr val="lt1"/>
+            </a:fontRef>
+          </p:style>
+          <p:txBody>
+            <a:bodyPr rtlCol="0" anchor="ctr"/>
+            <a:lstStyle/>
+            <a:p>
+              <a:pPr algn="ctr"/>
+              <a:endParaRPr lang="en-US">
+                <a:latin typeface="仿宋" panose="02010609060101010101" pitchFamily="49" charset="-122"/>
+                <a:ea typeface="仿宋" panose="02010609060101010101" pitchFamily="49" charset="-122"/>
+              </a:endParaRPr>
+            </a:p>
+          </p:txBody>
+        </p:sp>
+        <p:sp>
+          <p:nvSpPr>
+            <p:cNvPr id="221" name="矩形 220">
+              <a:extLst>
+                <a:ext uri="{FF2B5EF4-FFF2-40B4-BE49-F238E27FC236}">
+                  <a16:creationId xmlns:a16="http://schemas.microsoft.com/office/drawing/2014/main" id="{90512FC3-F29F-D4EA-FB9A-B9404180B22E}"/>
+                </a:ext>
+              </a:extLst>
+            </p:cNvPr>
+            <p:cNvSpPr/>
+            <p:nvPr/>
+          </p:nvSpPr>
+          <p:spPr>
+            <a:xfrm>
+              <a:off x="5304963" y="4448635"/>
+              <a:ext cx="80516" cy="76355"/>
+            </a:xfrm>
+            <a:prstGeom prst="rect">
+              <a:avLst/>
+            </a:prstGeom>
+            <a:solidFill>
+              <a:schemeClr val="accent3">
+                <a:lumMod val="50000"/>
+              </a:schemeClr>
+            </a:solidFill>
+            <a:ln>
+              <a:noFill/>
+            </a:ln>
+          </p:spPr>
+          <p:style>
+            <a:lnRef idx="2">
+              <a:schemeClr val="accent1">
+                <a:shade val="15000"/>
+              </a:schemeClr>
+            </a:lnRef>
+            <a:fillRef idx="1">
+              <a:schemeClr val="accent1"/>
+            </a:fillRef>
+            <a:effectRef idx="0">
+              <a:schemeClr val="accent1"/>
+            </a:effectRef>
+            <a:fontRef idx="minor">
+              <a:schemeClr val="lt1"/>
+            </a:fontRef>
+          </p:style>
+          <p:txBody>
+            <a:bodyPr rtlCol="0" anchor="ctr"/>
+            <a:lstStyle/>
+            <a:p>
+              <a:pPr algn="ctr"/>
+              <a:endParaRPr lang="en-US">
+                <a:latin typeface="仿宋" panose="02010609060101010101" pitchFamily="49" charset="-122"/>
+                <a:ea typeface="仿宋" panose="02010609060101010101" pitchFamily="49" charset="-122"/>
+              </a:endParaRPr>
+            </a:p>
+          </p:txBody>
+        </p:sp>
+        <p:sp>
+          <p:nvSpPr>
+            <p:cNvPr id="222" name="矩形 221">
+              <a:extLst>
+                <a:ext uri="{FF2B5EF4-FFF2-40B4-BE49-F238E27FC236}">
+                  <a16:creationId xmlns:a16="http://schemas.microsoft.com/office/drawing/2014/main" id="{62020823-7028-E9CD-FA23-750BD93E12B9}"/>
+                </a:ext>
+              </a:extLst>
+            </p:cNvPr>
+            <p:cNvSpPr/>
+            <p:nvPr/>
+          </p:nvSpPr>
+          <p:spPr>
+            <a:xfrm>
+              <a:off x="5304963" y="4546621"/>
+              <a:ext cx="80516" cy="76355"/>
+            </a:xfrm>
+            <a:prstGeom prst="rect">
+              <a:avLst/>
+            </a:prstGeom>
+            <a:solidFill>
+              <a:schemeClr val="accent3">
+                <a:lumMod val="50000"/>
+              </a:schemeClr>
+            </a:solidFill>
+            <a:ln>
+              <a:noFill/>
+            </a:ln>
+          </p:spPr>
+          <p:style>
+            <a:lnRef idx="2">
+              <a:schemeClr val="accent1">
+                <a:shade val="15000"/>
+              </a:schemeClr>
+            </a:lnRef>
+            <a:fillRef idx="1">
+              <a:schemeClr val="accent1"/>
+            </a:fillRef>
+            <a:effectRef idx="0">
+              <a:schemeClr val="accent1"/>
+            </a:effectRef>
+            <a:fontRef idx="minor">
+              <a:schemeClr val="lt1"/>
+            </a:fontRef>
+          </p:style>
+          <p:txBody>
+            <a:bodyPr rtlCol="0" anchor="ctr"/>
+            <a:lstStyle/>
+            <a:p>
+              <a:pPr algn="ctr"/>
+              <a:endParaRPr lang="en-US">
+                <a:latin typeface="仿宋" panose="02010609060101010101" pitchFamily="49" charset="-122"/>
+                <a:ea typeface="仿宋" panose="02010609060101010101" pitchFamily="49" charset="-122"/>
+              </a:endParaRPr>
+            </a:p>
+          </p:txBody>
+        </p:sp>
+        <p:sp>
+          <p:nvSpPr>
+            <p:cNvPr id="223" name="矩形 222">
+              <a:extLst>
+                <a:ext uri="{FF2B5EF4-FFF2-40B4-BE49-F238E27FC236}">
+                  <a16:creationId xmlns:a16="http://schemas.microsoft.com/office/drawing/2014/main" id="{279A1BC4-84ED-4D5E-0284-790681A23640}"/>
+                </a:ext>
+              </a:extLst>
+            </p:cNvPr>
+            <p:cNvSpPr/>
+            <p:nvPr/>
+          </p:nvSpPr>
+          <p:spPr>
+            <a:xfrm>
+              <a:off x="5428515" y="4446295"/>
+              <a:ext cx="80516" cy="76355"/>
+            </a:xfrm>
+            <a:prstGeom prst="rect">
+              <a:avLst/>
+            </a:prstGeom>
+            <a:solidFill>
+              <a:schemeClr val="accent3">
+                <a:lumMod val="50000"/>
+              </a:schemeClr>
+            </a:solidFill>
+            <a:ln>
+              <a:noFill/>
+            </a:ln>
+          </p:spPr>
+          <p:style>
+            <a:lnRef idx="2">
+              <a:schemeClr val="accent1">
+                <a:shade val="15000"/>
+              </a:schemeClr>
+            </a:lnRef>
+            <a:fillRef idx="1">
+              <a:schemeClr val="accent1"/>
+            </a:fillRef>
+            <a:effectRef idx="0">
+              <a:schemeClr val="accent1"/>
+            </a:effectRef>
+            <a:fontRef idx="minor">
+              <a:schemeClr val="lt1"/>
+            </a:fontRef>
+          </p:style>
+          <p:txBody>
+            <a:bodyPr rtlCol="0" anchor="ctr"/>
+            <a:lstStyle/>
+            <a:p>
+              <a:pPr algn="ctr"/>
+              <a:endParaRPr lang="en-US">
+                <a:latin typeface="仿宋" panose="02010609060101010101" pitchFamily="49" charset="-122"/>
+                <a:ea typeface="仿宋" panose="02010609060101010101" pitchFamily="49" charset="-122"/>
+              </a:endParaRPr>
+            </a:p>
+          </p:txBody>
+        </p:sp>
+        <p:sp>
+          <p:nvSpPr>
+            <p:cNvPr id="256" name="矩形 255">
+              <a:extLst>
+                <a:ext uri="{FF2B5EF4-FFF2-40B4-BE49-F238E27FC236}">
+                  <a16:creationId xmlns:a16="http://schemas.microsoft.com/office/drawing/2014/main" id="{15E18C9D-30D9-05A3-D10A-2C2BD6AA14C2}"/>
+                </a:ext>
+              </a:extLst>
+            </p:cNvPr>
+            <p:cNvSpPr/>
+            <p:nvPr/>
+          </p:nvSpPr>
+          <p:spPr>
+            <a:xfrm>
+              <a:off x="5428515" y="4545306"/>
+              <a:ext cx="80516" cy="76355"/>
+            </a:xfrm>
+            <a:prstGeom prst="rect">
+              <a:avLst/>
+            </a:prstGeom>
+            <a:solidFill>
+              <a:schemeClr val="accent3">
+                <a:lumMod val="50000"/>
+              </a:schemeClr>
+            </a:solidFill>
+            <a:ln>
+              <a:noFill/>
+            </a:ln>
+          </p:spPr>
+          <p:style>
+            <a:lnRef idx="2">
+              <a:schemeClr val="accent1">
+                <a:shade val="15000"/>
+              </a:schemeClr>
+            </a:lnRef>
+            <a:fillRef idx="1">
+              <a:schemeClr val="accent1"/>
+            </a:fillRef>
+            <a:effectRef idx="0">
+              <a:schemeClr val="accent1"/>
+            </a:effectRef>
+            <a:fontRef idx="minor">
+              <a:schemeClr val="lt1"/>
+            </a:fontRef>
+          </p:style>
+          <p:txBody>
+            <a:bodyPr rtlCol="0" anchor="ctr"/>
+            <a:lstStyle/>
+            <a:p>
+              <a:pPr algn="ctr"/>
+              <a:endParaRPr lang="en-US">
+                <a:latin typeface="仿宋" panose="02010609060101010101" pitchFamily="49" charset="-122"/>
+                <a:ea typeface="仿宋" panose="02010609060101010101" pitchFamily="49" charset="-122"/>
+              </a:endParaRPr>
+            </a:p>
+          </p:txBody>
+        </p:sp>
+        <p:sp>
+          <p:nvSpPr>
+            <p:cNvPr id="257" name="矩形 256">
+              <a:extLst>
+                <a:ext uri="{FF2B5EF4-FFF2-40B4-BE49-F238E27FC236}">
+                  <a16:creationId xmlns:a16="http://schemas.microsoft.com/office/drawing/2014/main" id="{0E37F342-382D-EC5A-BED1-FFAC0E6D2616}"/>
+                </a:ext>
+              </a:extLst>
+            </p:cNvPr>
+            <p:cNvSpPr/>
+            <p:nvPr/>
+          </p:nvSpPr>
+          <p:spPr>
+            <a:xfrm>
+              <a:off x="5559934" y="4446295"/>
+              <a:ext cx="80516" cy="76355"/>
+            </a:xfrm>
+            <a:prstGeom prst="rect">
+              <a:avLst/>
+            </a:prstGeom>
+            <a:solidFill>
+              <a:schemeClr val="accent3">
+                <a:lumMod val="50000"/>
+              </a:schemeClr>
+            </a:solidFill>
+            <a:ln>
+              <a:noFill/>
+            </a:ln>
+          </p:spPr>
+          <p:style>
+            <a:lnRef idx="2">
+              <a:schemeClr val="accent1">
+                <a:shade val="15000"/>
+              </a:schemeClr>
+            </a:lnRef>
+            <a:fillRef idx="1">
+              <a:schemeClr val="accent1"/>
+            </a:fillRef>
+            <a:effectRef idx="0">
+              <a:schemeClr val="accent1"/>
+            </a:effectRef>
+            <a:fontRef idx="minor">
+              <a:schemeClr val="lt1"/>
+            </a:fontRef>
+          </p:style>
+          <p:txBody>
+            <a:bodyPr rtlCol="0" anchor="ctr"/>
+            <a:lstStyle/>
+            <a:p>
+              <a:pPr algn="ctr"/>
+              <a:endParaRPr lang="en-US">
+                <a:latin typeface="仿宋" panose="02010609060101010101" pitchFamily="49" charset="-122"/>
+                <a:ea typeface="仿宋" panose="02010609060101010101" pitchFamily="49" charset="-122"/>
+              </a:endParaRPr>
+            </a:p>
+          </p:txBody>
+        </p:sp>
+        <p:sp>
+          <p:nvSpPr>
+            <p:cNvPr id="258" name="矩形 257">
+              <a:extLst>
+                <a:ext uri="{FF2B5EF4-FFF2-40B4-BE49-F238E27FC236}">
+                  <a16:creationId xmlns:a16="http://schemas.microsoft.com/office/drawing/2014/main" id="{F54A8438-9B04-853F-DD03-2B7C6693CA67}"/>
+                </a:ext>
+              </a:extLst>
+            </p:cNvPr>
+            <p:cNvSpPr/>
+            <p:nvPr/>
+          </p:nvSpPr>
+          <p:spPr>
+            <a:xfrm>
+              <a:off x="5559933" y="4546621"/>
+              <a:ext cx="80516" cy="76355"/>
+            </a:xfrm>
+            <a:prstGeom prst="rect">
+              <a:avLst/>
+            </a:prstGeom>
+            <a:solidFill>
+              <a:schemeClr val="accent3">
+                <a:lumMod val="50000"/>
+              </a:schemeClr>
+            </a:solidFill>
+            <a:ln>
+              <a:noFill/>
+            </a:ln>
+          </p:spPr>
+          <p:style>
+            <a:lnRef idx="2">
+              <a:schemeClr val="accent1">
+                <a:shade val="15000"/>
+              </a:schemeClr>
+            </a:lnRef>
+            <a:fillRef idx="1">
+              <a:schemeClr val="accent1"/>
+            </a:fillRef>
+            <a:effectRef idx="0">
+              <a:schemeClr val="accent1"/>
+            </a:effectRef>
+            <a:fontRef idx="minor">
+              <a:schemeClr val="lt1"/>
+            </a:fontRef>
+          </p:style>
+          <p:txBody>
+            <a:bodyPr rtlCol="0" anchor="ctr"/>
+            <a:lstStyle/>
+            <a:p>
+              <a:pPr algn="ctr"/>
+              <a:endParaRPr lang="en-US">
+                <a:latin typeface="仿宋" panose="02010609060101010101" pitchFamily="49" charset="-122"/>
+                <a:ea typeface="仿宋" panose="02010609060101010101" pitchFamily="49" charset="-122"/>
+              </a:endParaRPr>
+            </a:p>
+          </p:txBody>
+        </p:sp>
+      </p:grpSp>
+      <p:cxnSp>
+        <p:nvCxnSpPr>
+          <p:cNvPr id="259" name="直接箭头连接符 258">
+            <a:extLst>
+              <a:ext uri="{FF2B5EF4-FFF2-40B4-BE49-F238E27FC236}">
+                <a16:creationId xmlns:a16="http://schemas.microsoft.com/office/drawing/2014/main" id="{0587B2C9-DC70-C159-81DE-D4EF5098F9D6}"/>
+              </a:ext>
+            </a:extLst>
+          </p:cNvPr>
+          <p:cNvCxnSpPr>
+            <a:cxnSpLocks/>
+          </p:cNvCxnSpPr>
+          <p:nvPr/>
+        </p:nvCxnSpPr>
+        <p:spPr>
+          <a:xfrm>
+            <a:off x="3333915" y="5715883"/>
+            <a:ext cx="0" cy="589667"/>
+          </a:xfrm>
+          <a:prstGeom prst="straightConnector1">
+            <a:avLst/>
+          </a:prstGeom>
+          <a:ln w="19050">
+            <a:tailEnd type="triangle"/>
+          </a:ln>
+        </p:spPr>
+        <p:style>
+          <a:lnRef idx="1">
+            <a:schemeClr val="accent1"/>
+          </a:lnRef>
+          <a:fillRef idx="0">
+            <a:schemeClr val="accent1"/>
+          </a:fillRef>
+          <a:effectRef idx="0">
+            <a:schemeClr val="accent1"/>
+          </a:effectRef>
+          <a:fontRef idx="minor">
+            <a:schemeClr val="tx1"/>
+          </a:fontRef>
+        </p:style>
+      </p:cxnSp>
+      <p:cxnSp>
+        <p:nvCxnSpPr>
+          <p:cNvPr id="262" name="直接箭头连接符 261">
+            <a:extLst>
+              <a:ext uri="{FF2B5EF4-FFF2-40B4-BE49-F238E27FC236}">
+                <a16:creationId xmlns:a16="http://schemas.microsoft.com/office/drawing/2014/main" id="{37C21ECD-0FCF-F2E0-7D3E-662F0FE5BF44}"/>
+              </a:ext>
+            </a:extLst>
+          </p:cNvPr>
+          <p:cNvCxnSpPr>
+            <a:cxnSpLocks/>
+          </p:cNvCxnSpPr>
+          <p:nvPr/>
+        </p:nvCxnSpPr>
+        <p:spPr>
+          <a:xfrm>
+            <a:off x="3323399" y="6305550"/>
+            <a:ext cx="843049" cy="0"/>
+          </a:xfrm>
+          <a:prstGeom prst="straightConnector1">
+            <a:avLst/>
+          </a:prstGeom>
+          <a:ln w="19050">
+            <a:tailEnd type="triangle"/>
+          </a:ln>
+        </p:spPr>
+        <p:style>
+          <a:lnRef idx="1">
+            <a:schemeClr val="accent1"/>
+          </a:lnRef>
+          <a:fillRef idx="0">
+            <a:schemeClr val="accent1"/>
+          </a:fillRef>
+          <a:effectRef idx="0">
+            <a:schemeClr val="accent1"/>
+          </a:effectRef>
+          <a:fontRef idx="minor">
+            <a:schemeClr val="tx1"/>
+          </a:fontRef>
+        </p:style>
+      </p:cxnSp>
+      <p:grpSp>
+        <p:nvGrpSpPr>
+          <p:cNvPr id="263" name="组合 262">
+            <a:extLst>
+              <a:ext uri="{FF2B5EF4-FFF2-40B4-BE49-F238E27FC236}">
+                <a16:creationId xmlns:a16="http://schemas.microsoft.com/office/drawing/2014/main" id="{6755330C-531F-4803-10BC-F6B6FCC89C17}"/>
+              </a:ext>
+            </a:extLst>
+          </p:cNvPr>
+          <p:cNvGrpSpPr/>
+          <p:nvPr/>
+        </p:nvGrpSpPr>
+        <p:grpSpPr>
+          <a:xfrm>
+            <a:off x="4183014" y="5905318"/>
+            <a:ext cx="1344140" cy="622663"/>
+            <a:chOff x="4801866" y="4069497"/>
+            <a:chExt cx="1344140" cy="622663"/>
+          </a:xfrm>
+        </p:grpSpPr>
+        <p:sp>
+          <p:nvSpPr>
+            <p:cNvPr id="264" name="矩形 263">
+              <a:extLst>
+                <a:ext uri="{FF2B5EF4-FFF2-40B4-BE49-F238E27FC236}">
+                  <a16:creationId xmlns:a16="http://schemas.microsoft.com/office/drawing/2014/main" id="{C3736BC5-5F9B-5ED6-B6B5-6233BC792BC0}"/>
+                </a:ext>
+              </a:extLst>
+            </p:cNvPr>
+            <p:cNvSpPr/>
+            <p:nvPr/>
+          </p:nvSpPr>
+          <p:spPr>
+            <a:xfrm>
+              <a:off x="4801866" y="4069497"/>
+              <a:ext cx="1344140" cy="622663"/>
+            </a:xfrm>
+            <a:prstGeom prst="rect">
+              <a:avLst/>
+            </a:prstGeom>
+            <a:solidFill>
+              <a:schemeClr val="accent6">
+                <a:lumMod val="40000"/>
+                <a:lumOff val="60000"/>
+              </a:schemeClr>
+            </a:solidFill>
+            <a:ln>
+              <a:noFill/>
+            </a:ln>
+          </p:spPr>
+          <p:style>
+            <a:lnRef idx="2">
+              <a:schemeClr val="accent1">
+                <a:shade val="15000"/>
+              </a:schemeClr>
+            </a:lnRef>
+            <a:fillRef idx="1">
+              <a:schemeClr val="accent1"/>
+            </a:fillRef>
+            <a:effectRef idx="0">
+              <a:schemeClr val="accent1"/>
+            </a:effectRef>
+            <a:fontRef idx="minor">
+              <a:schemeClr val="lt1"/>
+            </a:fontRef>
+          </p:style>
+          <p:txBody>
+            <a:bodyPr rtlCol="0" anchor="t"/>
+            <a:lstStyle/>
+            <a:p>
+              <a:pPr algn="ctr"/>
+              <a:r>
+                <a:rPr lang="en-US" altLang="zh-CN" sz="1000" dirty="0" err="1">
+                  <a:solidFill>
+                    <a:schemeClr val="tx1"/>
+                  </a:solidFill>
+                  <a:latin typeface="仿宋" panose="02010609060101010101" pitchFamily="49" charset="-122"/>
+                  <a:ea typeface="仿宋" panose="02010609060101010101" pitchFamily="49" charset="-122"/>
+                </a:rPr>
+                <a:t>RNAErine</a:t>
+              </a:r>
+              <a:r>
+                <a:rPr lang="en-US" altLang="zh-CN" sz="1000" dirty="0">
+                  <a:solidFill>
+                    <a:schemeClr val="tx1"/>
+                  </a:solidFill>
+                  <a:latin typeface="仿宋" panose="02010609060101010101" pitchFamily="49" charset="-122"/>
+                  <a:ea typeface="仿宋" panose="02010609060101010101" pitchFamily="49" charset="-122"/>
+                </a:rPr>
+                <a:t> features</a:t>
+              </a:r>
+              <a:endParaRPr lang="zh-CN" altLang="en-US" sz="1000" dirty="0">
+                <a:solidFill>
+                  <a:schemeClr val="tx1"/>
+                </a:solidFill>
+                <a:latin typeface="仿宋" panose="02010609060101010101" pitchFamily="49" charset="-122"/>
+                <a:ea typeface="仿宋" panose="02010609060101010101" pitchFamily="49" charset="-122"/>
+              </a:endParaRPr>
+            </a:p>
+          </p:txBody>
+        </p:sp>
+        <p:sp>
+          <p:nvSpPr>
+            <p:cNvPr id="265" name="左中括号 264">
+              <a:extLst>
+                <a:ext uri="{FF2B5EF4-FFF2-40B4-BE49-F238E27FC236}">
+                  <a16:creationId xmlns:a16="http://schemas.microsoft.com/office/drawing/2014/main" id="{1813B63F-C995-0E46-6B1A-F4C9EDEACBDD}"/>
+                </a:ext>
+              </a:extLst>
+            </p:cNvPr>
+            <p:cNvSpPr/>
+            <p:nvPr/>
+          </p:nvSpPr>
+          <p:spPr>
+            <a:xfrm>
+              <a:off x="5226565" y="4339978"/>
+              <a:ext cx="53306" cy="282773"/>
+            </a:xfrm>
+            <a:prstGeom prst="leftBracket">
+              <a:avLst/>
+            </a:prstGeom>
+            <a:noFill/>
+            <a:ln w="12700">
+              <a:solidFill>
+                <a:srgbClr val="FF0066"/>
+              </a:solidFill>
+            </a:ln>
+          </p:spPr>
+          <p:style>
+            <a:lnRef idx="1">
+              <a:schemeClr val="accent1"/>
+            </a:lnRef>
+            <a:fillRef idx="0">
+              <a:schemeClr val="accent1"/>
+            </a:fillRef>
+            <a:effectRef idx="0">
+              <a:schemeClr val="accent1"/>
+            </a:effectRef>
+            <a:fontRef idx="minor">
+              <a:schemeClr val="tx1"/>
+            </a:fontRef>
+          </p:style>
+          <p:txBody>
+            <a:bodyPr rtlCol="0" anchor="ctr"/>
+            <a:lstStyle/>
+            <a:p>
+              <a:pPr algn="ctr"/>
+              <a:endParaRPr lang="en-US">
+                <a:latin typeface="仿宋" panose="02010609060101010101" pitchFamily="49" charset="-122"/>
+                <a:ea typeface="仿宋" panose="02010609060101010101" pitchFamily="49" charset="-122"/>
+              </a:endParaRPr>
+            </a:p>
+          </p:txBody>
+        </p:sp>
+        <p:sp>
+          <p:nvSpPr>
+            <p:cNvPr id="266" name="右中括号 265">
+              <a:extLst>
+                <a:ext uri="{FF2B5EF4-FFF2-40B4-BE49-F238E27FC236}">
+                  <a16:creationId xmlns:a16="http://schemas.microsoft.com/office/drawing/2014/main" id="{D5785475-BEB7-A936-C160-CE569C672628}"/>
+                </a:ext>
+              </a:extLst>
+            </p:cNvPr>
+            <p:cNvSpPr/>
+            <p:nvPr/>
+          </p:nvSpPr>
+          <p:spPr>
+            <a:xfrm>
+              <a:off x="5647622" y="4332405"/>
+              <a:ext cx="64891" cy="294616"/>
+            </a:xfrm>
+            <a:prstGeom prst="rightBracket">
+              <a:avLst/>
+            </a:prstGeom>
+            <a:noFill/>
+            <a:ln w="12700">
+              <a:solidFill>
+                <a:srgbClr val="FF0066"/>
+              </a:solidFill>
+            </a:ln>
+          </p:spPr>
+          <p:style>
+            <a:lnRef idx="1">
+              <a:schemeClr val="accent1"/>
+            </a:lnRef>
+            <a:fillRef idx="0">
+              <a:schemeClr val="accent1"/>
+            </a:fillRef>
+            <a:effectRef idx="0">
+              <a:schemeClr val="accent1"/>
+            </a:effectRef>
+            <a:fontRef idx="minor">
+              <a:schemeClr val="tx1"/>
+            </a:fontRef>
+          </p:style>
+          <p:txBody>
+            <a:bodyPr rtlCol="0" anchor="ctr"/>
+            <a:lstStyle/>
+            <a:p>
+              <a:pPr algn="ctr"/>
+              <a:endParaRPr lang="en-US">
+                <a:latin typeface="仿宋" panose="02010609060101010101" pitchFamily="49" charset="-122"/>
+                <a:ea typeface="仿宋" panose="02010609060101010101" pitchFamily="49" charset="-122"/>
+              </a:endParaRPr>
+            </a:p>
+          </p:txBody>
+        </p:sp>
+        <p:sp>
+          <p:nvSpPr>
+            <p:cNvPr id="267" name="矩形 266">
+              <a:extLst>
+                <a:ext uri="{FF2B5EF4-FFF2-40B4-BE49-F238E27FC236}">
+                  <a16:creationId xmlns:a16="http://schemas.microsoft.com/office/drawing/2014/main" id="{DE8B5DB1-2A3E-57CB-EA41-0BF980835935}"/>
+                </a:ext>
+              </a:extLst>
+            </p:cNvPr>
+            <p:cNvSpPr/>
+            <p:nvPr/>
+          </p:nvSpPr>
+          <p:spPr>
+            <a:xfrm>
+              <a:off x="5304963" y="4350510"/>
+              <a:ext cx="80516" cy="76355"/>
+            </a:xfrm>
+            <a:prstGeom prst="rect">
+              <a:avLst/>
+            </a:prstGeom>
+            <a:solidFill>
+              <a:srgbClr val="FF0066"/>
+            </a:solidFill>
+            <a:ln>
+              <a:noFill/>
+            </a:ln>
+          </p:spPr>
+          <p:style>
+            <a:lnRef idx="2">
+              <a:schemeClr val="accent1">
+                <a:shade val="15000"/>
+              </a:schemeClr>
+            </a:lnRef>
+            <a:fillRef idx="1">
+              <a:schemeClr val="accent1"/>
+            </a:fillRef>
+            <a:effectRef idx="0">
+              <a:schemeClr val="accent1"/>
+            </a:effectRef>
+            <a:fontRef idx="minor">
+              <a:schemeClr val="lt1"/>
+            </a:fontRef>
+          </p:style>
+          <p:txBody>
+            <a:bodyPr rtlCol="0" anchor="ctr"/>
+            <a:lstStyle/>
+            <a:p>
+              <a:pPr algn="ctr"/>
+              <a:endParaRPr lang="en-US">
+                <a:latin typeface="仿宋" panose="02010609060101010101" pitchFamily="49" charset="-122"/>
+                <a:ea typeface="仿宋" panose="02010609060101010101" pitchFamily="49" charset="-122"/>
+              </a:endParaRPr>
+            </a:p>
+          </p:txBody>
+        </p:sp>
+        <p:sp>
+          <p:nvSpPr>
+            <p:cNvPr id="268" name="矩形 267">
+              <a:extLst>
+                <a:ext uri="{FF2B5EF4-FFF2-40B4-BE49-F238E27FC236}">
+                  <a16:creationId xmlns:a16="http://schemas.microsoft.com/office/drawing/2014/main" id="{E287E46D-0E43-4A46-C732-3C3DD3DD5E71}"/>
+                </a:ext>
+              </a:extLst>
+            </p:cNvPr>
+            <p:cNvSpPr/>
+            <p:nvPr/>
+          </p:nvSpPr>
+          <p:spPr>
+            <a:xfrm>
+              <a:off x="5431293" y="4350510"/>
+              <a:ext cx="80516" cy="76355"/>
+            </a:xfrm>
+            <a:prstGeom prst="rect">
+              <a:avLst/>
+            </a:prstGeom>
+            <a:solidFill>
+              <a:srgbClr val="FF0066"/>
+            </a:solidFill>
+            <a:ln>
+              <a:noFill/>
+            </a:ln>
+          </p:spPr>
+          <p:style>
+            <a:lnRef idx="2">
+              <a:schemeClr val="accent1">
+                <a:shade val="15000"/>
+              </a:schemeClr>
+            </a:lnRef>
+            <a:fillRef idx="1">
+              <a:schemeClr val="accent1"/>
+            </a:fillRef>
+            <a:effectRef idx="0">
+              <a:schemeClr val="accent1"/>
+            </a:effectRef>
+            <a:fontRef idx="minor">
+              <a:schemeClr val="lt1"/>
+            </a:fontRef>
+          </p:style>
+          <p:txBody>
+            <a:bodyPr rtlCol="0" anchor="ctr"/>
+            <a:lstStyle/>
+            <a:p>
+              <a:pPr algn="ctr"/>
+              <a:endParaRPr lang="en-US">
+                <a:latin typeface="仿宋" panose="02010609060101010101" pitchFamily="49" charset="-122"/>
+                <a:ea typeface="仿宋" panose="02010609060101010101" pitchFamily="49" charset="-122"/>
+              </a:endParaRPr>
+            </a:p>
+          </p:txBody>
+        </p:sp>
+        <p:sp>
+          <p:nvSpPr>
+            <p:cNvPr id="269" name="矩形 268">
+              <a:extLst>
+                <a:ext uri="{FF2B5EF4-FFF2-40B4-BE49-F238E27FC236}">
+                  <a16:creationId xmlns:a16="http://schemas.microsoft.com/office/drawing/2014/main" id="{142C93F4-3D07-BBA7-0D1C-74A802B8BCB7}"/>
+                </a:ext>
+              </a:extLst>
+            </p:cNvPr>
+            <p:cNvSpPr/>
+            <p:nvPr/>
+          </p:nvSpPr>
+          <p:spPr>
+            <a:xfrm>
+              <a:off x="5560138" y="4346978"/>
+              <a:ext cx="80516" cy="76355"/>
+            </a:xfrm>
+            <a:prstGeom prst="rect">
+              <a:avLst/>
+            </a:prstGeom>
+            <a:solidFill>
+              <a:srgbClr val="FF0066"/>
+            </a:solidFill>
+            <a:ln>
+              <a:noFill/>
+            </a:ln>
+          </p:spPr>
+          <p:style>
+            <a:lnRef idx="2">
+              <a:schemeClr val="accent1">
+                <a:shade val="15000"/>
+              </a:schemeClr>
+            </a:lnRef>
+            <a:fillRef idx="1">
+              <a:schemeClr val="accent1"/>
+            </a:fillRef>
+            <a:effectRef idx="0">
+              <a:schemeClr val="accent1"/>
+            </a:effectRef>
+            <a:fontRef idx="minor">
+              <a:schemeClr val="lt1"/>
+            </a:fontRef>
+          </p:style>
+          <p:txBody>
+            <a:bodyPr rtlCol="0" anchor="ctr"/>
+            <a:lstStyle/>
+            <a:p>
+              <a:pPr algn="ctr"/>
+              <a:endParaRPr lang="en-US">
+                <a:latin typeface="仿宋" panose="02010609060101010101" pitchFamily="49" charset="-122"/>
+                <a:ea typeface="仿宋" panose="02010609060101010101" pitchFamily="49" charset="-122"/>
+              </a:endParaRPr>
+            </a:p>
+          </p:txBody>
+        </p:sp>
+        <p:sp>
+          <p:nvSpPr>
+            <p:cNvPr id="270" name="矩形 269">
+              <a:extLst>
+                <a:ext uri="{FF2B5EF4-FFF2-40B4-BE49-F238E27FC236}">
+                  <a16:creationId xmlns:a16="http://schemas.microsoft.com/office/drawing/2014/main" id="{BE8B72D8-BF20-B119-FE98-86CF95CEB6E4}"/>
+                </a:ext>
+              </a:extLst>
+            </p:cNvPr>
+            <p:cNvSpPr/>
+            <p:nvPr/>
+          </p:nvSpPr>
+          <p:spPr>
+            <a:xfrm>
+              <a:off x="5304963" y="4448635"/>
+              <a:ext cx="80516" cy="76355"/>
+            </a:xfrm>
+            <a:prstGeom prst="rect">
+              <a:avLst/>
+            </a:prstGeom>
+            <a:solidFill>
+              <a:srgbClr val="FF0066"/>
+            </a:solidFill>
+            <a:ln>
+              <a:noFill/>
+            </a:ln>
+          </p:spPr>
+          <p:style>
+            <a:lnRef idx="2">
+              <a:schemeClr val="accent1">
+                <a:shade val="15000"/>
+              </a:schemeClr>
+            </a:lnRef>
+            <a:fillRef idx="1">
+              <a:schemeClr val="accent1"/>
+            </a:fillRef>
+            <a:effectRef idx="0">
+              <a:schemeClr val="accent1"/>
+            </a:effectRef>
+            <a:fontRef idx="minor">
+              <a:schemeClr val="lt1"/>
+            </a:fontRef>
+          </p:style>
+          <p:txBody>
+            <a:bodyPr rtlCol="0" anchor="ctr"/>
+            <a:lstStyle/>
+            <a:p>
+              <a:pPr algn="ctr"/>
+              <a:endParaRPr lang="en-US">
+                <a:latin typeface="仿宋" panose="02010609060101010101" pitchFamily="49" charset="-122"/>
+                <a:ea typeface="仿宋" panose="02010609060101010101" pitchFamily="49" charset="-122"/>
+              </a:endParaRPr>
+            </a:p>
+          </p:txBody>
+        </p:sp>
+        <p:sp>
+          <p:nvSpPr>
+            <p:cNvPr id="271" name="矩形 270">
+              <a:extLst>
+                <a:ext uri="{FF2B5EF4-FFF2-40B4-BE49-F238E27FC236}">
+                  <a16:creationId xmlns:a16="http://schemas.microsoft.com/office/drawing/2014/main" id="{06676878-0F6F-7EE7-4DFF-7F7AEEAD03EF}"/>
+                </a:ext>
+              </a:extLst>
+            </p:cNvPr>
+            <p:cNvSpPr/>
+            <p:nvPr/>
+          </p:nvSpPr>
+          <p:spPr>
+            <a:xfrm>
+              <a:off x="5304963" y="4546621"/>
+              <a:ext cx="80516" cy="76355"/>
+            </a:xfrm>
+            <a:prstGeom prst="rect">
+              <a:avLst/>
+            </a:prstGeom>
+            <a:solidFill>
+              <a:srgbClr val="FF0066"/>
+            </a:solidFill>
+            <a:ln>
+              <a:noFill/>
+            </a:ln>
+          </p:spPr>
+          <p:style>
+            <a:lnRef idx="2">
+              <a:schemeClr val="accent1">
+                <a:shade val="15000"/>
+              </a:schemeClr>
+            </a:lnRef>
+            <a:fillRef idx="1">
+              <a:schemeClr val="accent1"/>
+            </a:fillRef>
+            <a:effectRef idx="0">
+              <a:schemeClr val="accent1"/>
+            </a:effectRef>
+            <a:fontRef idx="minor">
+              <a:schemeClr val="lt1"/>
+            </a:fontRef>
+          </p:style>
+          <p:txBody>
+            <a:bodyPr rtlCol="0" anchor="ctr"/>
+            <a:lstStyle/>
+            <a:p>
+              <a:pPr algn="ctr"/>
+              <a:endParaRPr lang="en-US">
+                <a:latin typeface="仿宋" panose="02010609060101010101" pitchFamily="49" charset="-122"/>
+                <a:ea typeface="仿宋" panose="02010609060101010101" pitchFamily="49" charset="-122"/>
+              </a:endParaRPr>
+            </a:p>
+          </p:txBody>
+        </p:sp>
+        <p:sp>
+          <p:nvSpPr>
+            <p:cNvPr id="272" name="矩形 271">
+              <a:extLst>
+                <a:ext uri="{FF2B5EF4-FFF2-40B4-BE49-F238E27FC236}">
+                  <a16:creationId xmlns:a16="http://schemas.microsoft.com/office/drawing/2014/main" id="{445B40AA-F7B4-A2EC-973B-7BBBB847F039}"/>
+                </a:ext>
+              </a:extLst>
+            </p:cNvPr>
+            <p:cNvSpPr/>
+            <p:nvPr/>
+          </p:nvSpPr>
+          <p:spPr>
+            <a:xfrm>
+              <a:off x="5428515" y="4446295"/>
+              <a:ext cx="80516" cy="76355"/>
+            </a:xfrm>
+            <a:prstGeom prst="rect">
+              <a:avLst/>
+            </a:prstGeom>
+            <a:solidFill>
+              <a:srgbClr val="FF0066"/>
+            </a:solidFill>
+            <a:ln>
+              <a:noFill/>
+            </a:ln>
+          </p:spPr>
+          <p:style>
+            <a:lnRef idx="2">
+              <a:schemeClr val="accent1">
+                <a:shade val="15000"/>
+              </a:schemeClr>
+            </a:lnRef>
+            <a:fillRef idx="1">
+              <a:schemeClr val="accent1"/>
+            </a:fillRef>
+            <a:effectRef idx="0">
+              <a:schemeClr val="accent1"/>
+            </a:effectRef>
+            <a:fontRef idx="minor">
+              <a:schemeClr val="lt1"/>
+            </a:fontRef>
+          </p:style>
+          <p:txBody>
+            <a:bodyPr rtlCol="0" anchor="ctr"/>
+            <a:lstStyle/>
+            <a:p>
+              <a:pPr algn="ctr"/>
+              <a:endParaRPr lang="en-US">
+                <a:latin typeface="仿宋" panose="02010609060101010101" pitchFamily="49" charset="-122"/>
+                <a:ea typeface="仿宋" panose="02010609060101010101" pitchFamily="49" charset="-122"/>
+              </a:endParaRPr>
+            </a:p>
+          </p:txBody>
+        </p:sp>
+        <p:sp>
+          <p:nvSpPr>
+            <p:cNvPr id="273" name="矩形 272">
+              <a:extLst>
+                <a:ext uri="{FF2B5EF4-FFF2-40B4-BE49-F238E27FC236}">
+                  <a16:creationId xmlns:a16="http://schemas.microsoft.com/office/drawing/2014/main" id="{6FEF7DAF-0811-CDC4-F0D0-292E73FF320E}"/>
+                </a:ext>
+              </a:extLst>
+            </p:cNvPr>
+            <p:cNvSpPr/>
+            <p:nvPr/>
+          </p:nvSpPr>
+          <p:spPr>
+            <a:xfrm>
+              <a:off x="5428515" y="4545306"/>
+              <a:ext cx="80516" cy="76355"/>
+            </a:xfrm>
+            <a:prstGeom prst="rect">
+              <a:avLst/>
+            </a:prstGeom>
+            <a:solidFill>
+              <a:srgbClr val="FF0066"/>
+            </a:solidFill>
+            <a:ln>
+              <a:noFill/>
+            </a:ln>
+          </p:spPr>
+          <p:style>
+            <a:lnRef idx="2">
+              <a:schemeClr val="accent1">
+                <a:shade val="15000"/>
+              </a:schemeClr>
+            </a:lnRef>
+            <a:fillRef idx="1">
+              <a:schemeClr val="accent1"/>
+            </a:fillRef>
+            <a:effectRef idx="0">
+              <a:schemeClr val="accent1"/>
+            </a:effectRef>
+            <a:fontRef idx="minor">
+              <a:schemeClr val="lt1"/>
+            </a:fontRef>
+          </p:style>
+          <p:txBody>
+            <a:bodyPr rtlCol="0" anchor="ctr"/>
+            <a:lstStyle/>
+            <a:p>
+              <a:pPr algn="ctr"/>
+              <a:endParaRPr lang="en-US">
+                <a:latin typeface="仿宋" panose="02010609060101010101" pitchFamily="49" charset="-122"/>
+                <a:ea typeface="仿宋" panose="02010609060101010101" pitchFamily="49" charset="-122"/>
+              </a:endParaRPr>
+            </a:p>
+          </p:txBody>
+        </p:sp>
+        <p:sp>
+          <p:nvSpPr>
+            <p:cNvPr id="274" name="矩形 273">
+              <a:extLst>
+                <a:ext uri="{FF2B5EF4-FFF2-40B4-BE49-F238E27FC236}">
+                  <a16:creationId xmlns:a16="http://schemas.microsoft.com/office/drawing/2014/main" id="{BEDBC627-A9B1-4F4E-CAD7-524A019FBC5A}"/>
+                </a:ext>
+              </a:extLst>
+            </p:cNvPr>
+            <p:cNvSpPr/>
+            <p:nvPr/>
+          </p:nvSpPr>
+          <p:spPr>
+            <a:xfrm>
+              <a:off x="5559934" y="4446295"/>
+              <a:ext cx="80516" cy="76355"/>
+            </a:xfrm>
+            <a:prstGeom prst="rect">
+              <a:avLst/>
+            </a:prstGeom>
+            <a:solidFill>
+              <a:srgbClr val="FF0066"/>
+            </a:solidFill>
+            <a:ln>
+              <a:noFill/>
+            </a:ln>
+          </p:spPr>
+          <p:style>
+            <a:lnRef idx="2">
+              <a:schemeClr val="accent1">
+                <a:shade val="15000"/>
+              </a:schemeClr>
+            </a:lnRef>
+            <a:fillRef idx="1">
+              <a:schemeClr val="accent1"/>
+            </a:fillRef>
+            <a:effectRef idx="0">
+              <a:schemeClr val="accent1"/>
+            </a:effectRef>
+            <a:fontRef idx="minor">
+              <a:schemeClr val="lt1"/>
+            </a:fontRef>
+          </p:style>
+          <p:txBody>
+            <a:bodyPr rtlCol="0" anchor="ctr"/>
+            <a:lstStyle/>
+            <a:p>
+              <a:pPr algn="ctr"/>
+              <a:endParaRPr lang="en-US">
+                <a:latin typeface="仿宋" panose="02010609060101010101" pitchFamily="49" charset="-122"/>
+                <a:ea typeface="仿宋" panose="02010609060101010101" pitchFamily="49" charset="-122"/>
+              </a:endParaRPr>
+            </a:p>
+          </p:txBody>
+        </p:sp>
+        <p:sp>
+          <p:nvSpPr>
+            <p:cNvPr id="275" name="矩形 274">
+              <a:extLst>
+                <a:ext uri="{FF2B5EF4-FFF2-40B4-BE49-F238E27FC236}">
+                  <a16:creationId xmlns:a16="http://schemas.microsoft.com/office/drawing/2014/main" id="{B41DA99B-34CF-E2FC-753A-653713E62DDA}"/>
+                </a:ext>
+              </a:extLst>
+            </p:cNvPr>
+            <p:cNvSpPr/>
+            <p:nvPr/>
+          </p:nvSpPr>
+          <p:spPr>
+            <a:xfrm>
+              <a:off x="5559933" y="4546621"/>
+              <a:ext cx="80516" cy="76355"/>
+            </a:xfrm>
+            <a:prstGeom prst="rect">
+              <a:avLst/>
+            </a:prstGeom>
+            <a:solidFill>
+              <a:srgbClr val="FF0066"/>
+            </a:solidFill>
+            <a:ln>
+              <a:noFill/>
+            </a:ln>
+          </p:spPr>
+          <p:style>
+            <a:lnRef idx="2">
+              <a:schemeClr val="accent1">
+                <a:shade val="15000"/>
+              </a:schemeClr>
+            </a:lnRef>
+            <a:fillRef idx="1">
+              <a:schemeClr val="accent1"/>
+            </a:fillRef>
+            <a:effectRef idx="0">
+              <a:schemeClr val="accent1"/>
+            </a:effectRef>
+            <a:fontRef idx="minor">
+              <a:schemeClr val="lt1"/>
+            </a:fontRef>
+          </p:style>
+          <p:txBody>
+            <a:bodyPr rtlCol="0" anchor="ctr"/>
+            <a:lstStyle/>
+            <a:p>
+              <a:pPr algn="ctr"/>
+              <a:endParaRPr lang="en-US">
+                <a:latin typeface="仿宋" panose="02010609060101010101" pitchFamily="49" charset="-122"/>
+                <a:ea typeface="仿宋" panose="02010609060101010101" pitchFamily="49" charset="-122"/>
+              </a:endParaRPr>
+            </a:p>
+          </p:txBody>
+        </p:sp>
+      </p:grpSp>
+      <p:sp>
+        <p:nvSpPr>
+          <p:cNvPr id="276" name="文本框 275">
+            <a:extLst>
+              <a:ext uri="{FF2B5EF4-FFF2-40B4-BE49-F238E27FC236}">
+                <a16:creationId xmlns:a16="http://schemas.microsoft.com/office/drawing/2014/main" id="{DFA7A3FF-25E4-C45D-AF2D-DE23AE99053A}"/>
+              </a:ext>
+            </a:extLst>
+          </p:cNvPr>
+          <p:cNvSpPr txBox="1"/>
+          <p:nvPr/>
+        </p:nvSpPr>
+        <p:spPr>
+          <a:xfrm>
+            <a:off x="3290054" y="4876622"/>
+            <a:ext cx="958850" cy="246221"/>
+          </a:xfrm>
+          <a:prstGeom prst="rect">
+            <a:avLst/>
+          </a:prstGeom>
+          <a:noFill/>
+        </p:spPr>
         <p:txBody>
-          <a:bodyPr rtlCol="0" anchor="ctr"/>
-          <a:lstStyle/>
+          <a:bodyPr wrap="square" rtlCol="0">
+            <a:spAutoFit/>
+          </a:bodyPr>
+          <a:lstStyle>
+            <a:defPPr>
+              <a:defRPr lang="zh-CN"/>
+            </a:defPPr>
+            <a:lvl1pPr>
+              <a:defRPr sz="1000"/>
+            </a:lvl1pPr>
+          </a:lstStyle>
           <a:p>
-            <a:pPr algn="ctr"/>
-            <a:endParaRPr lang="en-US"/>
+            <a:r>
+              <a:rPr lang="en-US" altLang="zh-CN" sz="1000" dirty="0">
+                <a:solidFill>
+                  <a:schemeClr val="tx1"/>
+                </a:solidFill>
+                <a:latin typeface="仿宋" panose="02010609060101010101" pitchFamily="49" charset="-122"/>
+                <a:ea typeface="仿宋" panose="02010609060101010101" pitchFamily="49" charset="-122"/>
+              </a:rPr>
+              <a:t>K-</a:t>
+            </a:r>
+            <a:r>
+              <a:rPr lang="en-US" altLang="zh-CN" sz="1000" dirty="0" err="1">
+                <a:solidFill>
+                  <a:schemeClr val="tx1"/>
+                </a:solidFill>
+                <a:latin typeface="仿宋" panose="02010609060101010101" pitchFamily="49" charset="-122"/>
+                <a:ea typeface="仿宋" panose="02010609060101010101" pitchFamily="49" charset="-122"/>
+              </a:rPr>
+              <a:t>mer</a:t>
+            </a:r>
+            <a:endParaRPr lang="zh-CN" altLang="en-US" dirty="0">
+              <a:latin typeface="仿宋" panose="02010609060101010101" pitchFamily="49" charset="-122"/>
+              <a:ea typeface="仿宋" panose="02010609060101010101" pitchFamily="49" charset="-122"/>
+            </a:endParaRPr>
           </a:p>
         </p:txBody>
       </p:sp>
       <p:sp>
         <p:nvSpPr>
-          <p:cNvPr id="121" name="矩形 120">
+          <p:cNvPr id="278" name="文本框 277">
             <a:extLst>
               <a:ext uri="{FF2B5EF4-FFF2-40B4-BE49-F238E27FC236}">
-                <a16:creationId xmlns:a16="http://schemas.microsoft.com/office/drawing/2014/main" id="{E12DE624-52F8-7157-6BCF-BD2592FC0266}"/>
+                <a16:creationId xmlns:a16="http://schemas.microsoft.com/office/drawing/2014/main" id="{DB188258-FA91-0C4C-31C5-E9B02FCF4AF1}"/>
+              </a:ext>
+            </a:extLst>
+          </p:cNvPr>
+          <p:cNvSpPr txBox="1"/>
+          <p:nvPr/>
+        </p:nvSpPr>
+        <p:spPr>
+          <a:xfrm>
+            <a:off x="3290054" y="5513553"/>
+            <a:ext cx="958850" cy="246221"/>
+          </a:xfrm>
+          <a:prstGeom prst="rect">
+            <a:avLst/>
+          </a:prstGeom>
+          <a:noFill/>
+        </p:spPr>
+        <p:txBody>
+          <a:bodyPr wrap="square" rtlCol="0">
+            <a:spAutoFit/>
+          </a:bodyPr>
+          <a:lstStyle>
+            <a:defPPr>
+              <a:defRPr lang="zh-CN"/>
+            </a:defPPr>
+            <a:lvl1pPr>
+              <a:defRPr sz="1000"/>
+            </a:lvl1pPr>
+          </a:lstStyle>
+          <a:p>
+            <a:r>
+              <a:rPr lang="en-US" altLang="zh-CN" sz="1000" dirty="0">
+                <a:solidFill>
+                  <a:schemeClr val="tx1"/>
+                </a:solidFill>
+                <a:latin typeface="仿宋" panose="02010609060101010101" pitchFamily="49" charset="-122"/>
+                <a:ea typeface="仿宋" panose="02010609060101010101" pitchFamily="49" charset="-122"/>
+              </a:rPr>
+              <a:t>RCK-mer</a:t>
+            </a:r>
+            <a:endParaRPr lang="zh-CN" altLang="en-US" dirty="0">
+              <a:latin typeface="仿宋" panose="02010609060101010101" pitchFamily="49" charset="-122"/>
+              <a:ea typeface="仿宋" panose="02010609060101010101" pitchFamily="49" charset="-122"/>
+            </a:endParaRPr>
+          </a:p>
+        </p:txBody>
+      </p:sp>
+      <p:sp>
+        <p:nvSpPr>
+          <p:cNvPr id="279" name="文本框 278">
+            <a:extLst>
+              <a:ext uri="{FF2B5EF4-FFF2-40B4-BE49-F238E27FC236}">
+                <a16:creationId xmlns:a16="http://schemas.microsoft.com/office/drawing/2014/main" id="{D29D8492-B548-DB05-6AEF-FEFB2374B16A}"/>
+              </a:ext>
+            </a:extLst>
+          </p:cNvPr>
+          <p:cNvSpPr txBox="1"/>
+          <p:nvPr/>
+        </p:nvSpPr>
+        <p:spPr>
+          <a:xfrm>
+            <a:off x="3323399" y="6078660"/>
+            <a:ext cx="958850" cy="246221"/>
+          </a:xfrm>
+          <a:prstGeom prst="rect">
+            <a:avLst/>
+          </a:prstGeom>
+          <a:noFill/>
+        </p:spPr>
+        <p:txBody>
+          <a:bodyPr wrap="square" rtlCol="0">
+            <a:spAutoFit/>
+          </a:bodyPr>
+          <a:lstStyle>
+            <a:defPPr>
+              <a:defRPr lang="zh-CN"/>
+            </a:defPPr>
+            <a:lvl1pPr>
+              <a:defRPr sz="1000"/>
+            </a:lvl1pPr>
+          </a:lstStyle>
+          <a:p>
+            <a:r>
+              <a:rPr lang="en-US" altLang="zh-CN" sz="1000" dirty="0" err="1">
+                <a:solidFill>
+                  <a:schemeClr val="tx1"/>
+                </a:solidFill>
+                <a:latin typeface="仿宋" panose="02010609060101010101" pitchFamily="49" charset="-122"/>
+                <a:ea typeface="仿宋" panose="02010609060101010101" pitchFamily="49" charset="-122"/>
+              </a:rPr>
+              <a:t>RNAErine</a:t>
+            </a:r>
+            <a:endParaRPr lang="zh-CN" altLang="en-US" dirty="0">
+              <a:latin typeface="仿宋" panose="02010609060101010101" pitchFamily="49" charset="-122"/>
+              <a:ea typeface="仿宋" panose="02010609060101010101" pitchFamily="49" charset="-122"/>
+            </a:endParaRPr>
+          </a:p>
+        </p:txBody>
+      </p:sp>
+      <p:cxnSp>
+        <p:nvCxnSpPr>
+          <p:cNvPr id="280" name="直接箭头连接符 279">
+            <a:extLst>
+              <a:ext uri="{FF2B5EF4-FFF2-40B4-BE49-F238E27FC236}">
+                <a16:creationId xmlns:a16="http://schemas.microsoft.com/office/drawing/2014/main" id="{4C2D4A47-94CA-06A7-3D54-A9FF349279E0}"/>
+              </a:ext>
+            </a:extLst>
+          </p:cNvPr>
+          <p:cNvCxnSpPr>
+            <a:cxnSpLocks/>
+            <a:stCxn id="241" idx="3"/>
+          </p:cNvCxnSpPr>
+          <p:nvPr/>
+        </p:nvCxnSpPr>
+        <p:spPr>
+          <a:xfrm>
+            <a:off x="5528905" y="4937637"/>
+            <a:ext cx="2153477" cy="0"/>
+          </a:xfrm>
+          <a:prstGeom prst="straightConnector1">
+            <a:avLst/>
+          </a:prstGeom>
+          <a:ln w="19050">
+            <a:tailEnd type="triangle"/>
+          </a:ln>
+        </p:spPr>
+        <p:style>
+          <a:lnRef idx="1">
+            <a:schemeClr val="accent1"/>
+          </a:lnRef>
+          <a:fillRef idx="0">
+            <a:schemeClr val="accent1"/>
+          </a:fillRef>
+          <a:effectRef idx="0">
+            <a:schemeClr val="accent1"/>
+          </a:effectRef>
+          <a:fontRef idx="minor">
+            <a:schemeClr val="tx1"/>
+          </a:fontRef>
+        </p:style>
+      </p:cxnSp>
+      <p:cxnSp>
+        <p:nvCxnSpPr>
+          <p:cNvPr id="283" name="直接箭头连接符 282">
+            <a:extLst>
+              <a:ext uri="{FF2B5EF4-FFF2-40B4-BE49-F238E27FC236}">
+                <a16:creationId xmlns:a16="http://schemas.microsoft.com/office/drawing/2014/main" id="{4153E995-9766-D3A6-3CA7-920A0E303420}"/>
+              </a:ext>
+            </a:extLst>
+          </p:cNvPr>
+          <p:cNvCxnSpPr>
+            <a:cxnSpLocks/>
+            <a:stCxn id="117" idx="3"/>
+          </p:cNvCxnSpPr>
+          <p:nvPr/>
+        </p:nvCxnSpPr>
+        <p:spPr>
+          <a:xfrm>
+            <a:off x="5535144" y="5580870"/>
+            <a:ext cx="2147238" cy="0"/>
+          </a:xfrm>
+          <a:prstGeom prst="straightConnector1">
+            <a:avLst/>
+          </a:prstGeom>
+          <a:ln w="19050">
+            <a:tailEnd type="triangle"/>
+          </a:ln>
+        </p:spPr>
+        <p:style>
+          <a:lnRef idx="1">
+            <a:schemeClr val="accent1"/>
+          </a:lnRef>
+          <a:fillRef idx="0">
+            <a:schemeClr val="accent1"/>
+          </a:fillRef>
+          <a:effectRef idx="0">
+            <a:schemeClr val="accent1"/>
+          </a:effectRef>
+          <a:fontRef idx="minor">
+            <a:schemeClr val="tx1"/>
+          </a:fontRef>
+        </p:style>
+      </p:cxnSp>
+      <p:cxnSp>
+        <p:nvCxnSpPr>
+          <p:cNvPr id="286" name="直接箭头连接符 285">
+            <a:extLst>
+              <a:ext uri="{FF2B5EF4-FFF2-40B4-BE49-F238E27FC236}">
+                <a16:creationId xmlns:a16="http://schemas.microsoft.com/office/drawing/2014/main" id="{09BB27A6-BAD8-0ED6-BF40-3C18E15E8030}"/>
+              </a:ext>
+            </a:extLst>
+          </p:cNvPr>
+          <p:cNvCxnSpPr>
+            <a:cxnSpLocks/>
+            <a:stCxn id="264" idx="3"/>
+          </p:cNvCxnSpPr>
+          <p:nvPr/>
+        </p:nvCxnSpPr>
+        <p:spPr>
+          <a:xfrm>
+            <a:off x="5527154" y="6216650"/>
+            <a:ext cx="2155228" cy="0"/>
+          </a:xfrm>
+          <a:prstGeom prst="straightConnector1">
+            <a:avLst/>
+          </a:prstGeom>
+          <a:ln w="19050">
+            <a:tailEnd type="triangle"/>
+          </a:ln>
+        </p:spPr>
+        <p:style>
+          <a:lnRef idx="1">
+            <a:schemeClr val="accent1"/>
+          </a:lnRef>
+          <a:fillRef idx="0">
+            <a:schemeClr val="accent1"/>
+          </a:fillRef>
+          <a:effectRef idx="0">
+            <a:schemeClr val="accent1"/>
+          </a:effectRef>
+          <a:fontRef idx="minor">
+            <a:schemeClr val="tx1"/>
+          </a:fontRef>
+        </p:style>
+      </p:cxnSp>
+      <p:sp>
+        <p:nvSpPr>
+          <p:cNvPr id="290" name="矩形: 圆角 289">
+            <a:extLst>
+              <a:ext uri="{FF2B5EF4-FFF2-40B4-BE49-F238E27FC236}">
+                <a16:creationId xmlns:a16="http://schemas.microsoft.com/office/drawing/2014/main" id="{CC585DA3-DF18-2845-FC21-BFC92DD7F2F9}"/>
               </a:ext>
             </a:extLst>
           </p:cNvPr>
@@ -13844,30 +17489,1282 @@
         </p:nvSpPr>
         <p:spPr>
           <a:xfrm>
-            <a:off x="5304963" y="4350510"/>
-            <a:ext cx="80516" cy="76355"/>
+            <a:off x="7599605" y="165100"/>
+            <a:ext cx="1203845" cy="392112"/>
+          </a:xfrm>
+          <a:prstGeom prst="roundRect">
+            <a:avLst/>
+          </a:prstGeom>
+          <a:solidFill>
+            <a:srgbClr val="FF6699"/>
+          </a:solidFill>
+        </p:spPr>
+        <p:style>
+          <a:lnRef idx="2">
+            <a:schemeClr val="dk1"/>
+          </a:lnRef>
+          <a:fillRef idx="1">
+            <a:schemeClr val="lt1"/>
+          </a:fillRef>
+          <a:effectRef idx="0">
+            <a:schemeClr val="dk1"/>
+          </a:effectRef>
+          <a:fontRef idx="minor">
+            <a:schemeClr val="dk1"/>
+          </a:fontRef>
+        </p:style>
+        <p:txBody>
+          <a:bodyPr rtlCol="0" anchor="ctr"/>
+          <a:lstStyle/>
+          <a:p>
+            <a:pPr algn="ctr"/>
+            <a:r>
+              <a:rPr lang="en-US" altLang="zh-CN" sz="1400" dirty="0" err="1">
+                <a:ln>
+                  <a:solidFill>
+                    <a:schemeClr val="accent1">
+                      <a:lumMod val="75000"/>
+                    </a:schemeClr>
+                  </a:solidFill>
+                </a:ln>
+                <a:solidFill>
+                  <a:schemeClr val="accent1">
+                    <a:lumMod val="75000"/>
+                  </a:schemeClr>
+                </a:solidFill>
+                <a:latin typeface="仿宋" panose="02010609060101010101" pitchFamily="49" charset="-122"/>
+                <a:ea typeface="仿宋" panose="02010609060101010101" pitchFamily="49" charset="-122"/>
+              </a:rPr>
+              <a:t>Concatenta</a:t>
+            </a:r>
+            <a:endParaRPr lang="zh-CN" altLang="en-US" sz="1400" dirty="0">
+              <a:ln>
+                <a:solidFill>
+                  <a:schemeClr val="accent1">
+                    <a:lumMod val="75000"/>
+                  </a:schemeClr>
+                </a:solidFill>
+              </a:ln>
+              <a:solidFill>
+                <a:schemeClr val="accent1">
+                  <a:lumMod val="75000"/>
+                </a:schemeClr>
+              </a:solidFill>
+              <a:latin typeface="仿宋" panose="02010609060101010101" pitchFamily="49" charset="-122"/>
+              <a:ea typeface="仿宋" panose="02010609060101010101" pitchFamily="49" charset="-122"/>
+            </a:endParaRPr>
+          </a:p>
+        </p:txBody>
+      </p:sp>
+      <p:graphicFrame>
+        <p:nvGraphicFramePr>
+          <p:cNvPr id="291" name="表格 290">
+            <a:extLst>
+              <a:ext uri="{FF2B5EF4-FFF2-40B4-BE49-F238E27FC236}">
+                <a16:creationId xmlns:a16="http://schemas.microsoft.com/office/drawing/2014/main" id="{24D4BA18-DF4D-EEB5-5AF6-D68080CD3E72}"/>
+              </a:ext>
+            </a:extLst>
+          </p:cNvPr>
+          <p:cNvGraphicFramePr>
+            <a:graphicFrameLocks noGrp="1"/>
+          </p:cNvGraphicFramePr>
+          <p:nvPr>
+            <p:extLst>
+              <p:ext uri="{D42A27DB-BD31-4B8C-83A1-F6EECF244321}">
+                <p14:modId xmlns:p14="http://schemas.microsoft.com/office/powerpoint/2010/main" val="3275552482"/>
+              </p:ext>
+            </p:extLst>
+          </p:nvPr>
+        </p:nvGraphicFramePr>
+        <p:xfrm>
+          <a:off x="7683435" y="639115"/>
+          <a:ext cx="1091114" cy="5828278"/>
+        </p:xfrm>
+        <a:graphic>
+          <a:graphicData uri="http://schemas.openxmlformats.org/drawingml/2006/table">
+            <a:tbl>
+              <a:tblPr firstRow="1" bandRow="1">
+                <a:tableStyleId>{5C22544A-7EE6-4342-B048-85BDC9FD1C3A}</a:tableStyleId>
+              </a:tblPr>
+              <a:tblGrid>
+                <a:gridCol w="1091114">
+                  <a:extLst>
+                    <a:ext uri="{9D8B030D-6E8A-4147-A177-3AD203B41FA5}">
+                      <a16:colId xmlns:a16="http://schemas.microsoft.com/office/drawing/2014/main" val="2630461815"/>
+                    </a:ext>
+                  </a:extLst>
+                </a:gridCol>
+              </a:tblGrid>
+              <a:tr h="740848">
+                <a:tc>
+                  <a:txBody>
+                    <a:bodyPr/>
+                    <a:lstStyle/>
+                    <a:p>
+                      <a:pPr algn="ctr"/>
+                      <a:r>
+                        <a:rPr lang="en-US" altLang="zh-CN" sz="1400" b="0" kern="1200" dirty="0" err="1">
+                          <a:solidFill>
+                            <a:schemeClr val="tx1"/>
+                          </a:solidFill>
+                          <a:latin typeface="仿宋" panose="02010609060101010101" pitchFamily="49" charset="-122"/>
+                          <a:ea typeface="仿宋" panose="02010609060101010101" pitchFamily="49" charset="-122"/>
+                          <a:cs typeface="+mn-cs"/>
+                        </a:rPr>
+                        <a:t>circRNA</a:t>
+                      </a:r>
+                      <a:r>
+                        <a:rPr lang="en-US" altLang="zh-CN" sz="1400" b="0" kern="1200" dirty="0">
+                          <a:solidFill>
+                            <a:schemeClr val="tx1"/>
+                          </a:solidFill>
+                          <a:latin typeface="仿宋" panose="02010609060101010101" pitchFamily="49" charset="-122"/>
+                          <a:ea typeface="仿宋" panose="02010609060101010101" pitchFamily="49" charset="-122"/>
+                          <a:cs typeface="+mn-cs"/>
+                        </a:rPr>
+                        <a:t> </a:t>
+                      </a:r>
+                    </a:p>
+                    <a:p>
+                      <a:pPr algn="ctr"/>
+                      <a:r>
+                        <a:rPr lang="en-US" altLang="zh-CN" sz="1400" b="0" kern="1200" dirty="0">
+                          <a:solidFill>
+                            <a:schemeClr val="tx1"/>
+                          </a:solidFill>
+                          <a:latin typeface="仿宋" panose="02010609060101010101" pitchFamily="49" charset="-122"/>
+                          <a:ea typeface="仿宋" panose="02010609060101010101" pitchFamily="49" charset="-122"/>
+                          <a:cs typeface="+mn-cs"/>
+                        </a:rPr>
+                        <a:t>Drug</a:t>
+                      </a:r>
+                    </a:p>
+                    <a:p>
+                      <a:pPr algn="ctr"/>
+                      <a:r>
+                        <a:rPr lang="en-US" altLang="zh-CN" sz="1400" b="0" kern="1200" dirty="0">
+                          <a:solidFill>
+                            <a:schemeClr val="tx1"/>
+                          </a:solidFill>
+                          <a:latin typeface="仿宋" panose="02010609060101010101" pitchFamily="49" charset="-122"/>
+                          <a:ea typeface="仿宋" panose="02010609060101010101" pitchFamily="49" charset="-122"/>
+                          <a:cs typeface="+mn-cs"/>
+                        </a:rPr>
+                        <a:t> features</a:t>
+                      </a:r>
+                      <a:endParaRPr lang="en-US" sz="1400" b="0" kern="1200" dirty="0">
+                        <a:solidFill>
+                          <a:schemeClr val="tx1"/>
+                        </a:solidFill>
+                        <a:latin typeface="仿宋" panose="02010609060101010101" pitchFamily="49" charset="-122"/>
+                        <a:ea typeface="仿宋" panose="02010609060101010101" pitchFamily="49" charset="-122"/>
+                        <a:cs typeface="+mn-cs"/>
+                      </a:endParaRPr>
+                    </a:p>
+                  </a:txBody>
+                  <a:tcPr anchor="ctr">
+                    <a:solidFill>
+                      <a:schemeClr val="accent5"/>
+                    </a:solidFill>
+                  </a:tcPr>
+                </a:tc>
+                <a:extLst>
+                  <a:ext uri="{0D108BD9-81ED-4DB2-BD59-A6C34878D82A}">
+                    <a16:rowId xmlns:a16="http://schemas.microsoft.com/office/drawing/2014/main" val="72793892"/>
+                  </a:ext>
+                </a:extLst>
+              </a:tr>
+              <a:tr h="740848">
+                <a:tc>
+                  <a:txBody>
+                    <a:bodyPr/>
+                    <a:lstStyle/>
+                    <a:p>
+                      <a:pPr marL="0" algn="ctr" defTabSz="914400" rtl="0" eaLnBrk="1" latinLnBrk="0" hangingPunct="1"/>
+                      <a:r>
+                        <a:rPr lang="en-US" altLang="zh-CN" sz="1400" b="0" kern="1200" dirty="0" err="1">
+                          <a:solidFill>
+                            <a:schemeClr val="tx1"/>
+                          </a:solidFill>
+                          <a:latin typeface="仿宋" panose="02010609060101010101" pitchFamily="49" charset="-122"/>
+                          <a:ea typeface="仿宋" panose="02010609060101010101" pitchFamily="49" charset="-122"/>
+                          <a:cs typeface="+mn-cs"/>
+                        </a:rPr>
+                        <a:t>circRNA</a:t>
+                      </a:r>
+                      <a:endParaRPr lang="en-US" altLang="zh-CN" sz="1400" b="0" kern="1200" dirty="0">
+                        <a:solidFill>
+                          <a:schemeClr val="tx1"/>
+                        </a:solidFill>
+                        <a:latin typeface="仿宋" panose="02010609060101010101" pitchFamily="49" charset="-122"/>
+                        <a:ea typeface="仿宋" panose="02010609060101010101" pitchFamily="49" charset="-122"/>
+                        <a:cs typeface="+mn-cs"/>
+                      </a:endParaRPr>
+                    </a:p>
+                    <a:p>
+                      <a:pPr marL="0" algn="ctr" defTabSz="914400" rtl="0" eaLnBrk="1" latinLnBrk="0" hangingPunct="1"/>
+                      <a:r>
+                        <a:rPr lang="en-US" altLang="zh-CN" sz="1400" b="0" kern="1200" dirty="0">
+                          <a:solidFill>
+                            <a:schemeClr val="tx1"/>
+                          </a:solidFill>
+                          <a:latin typeface="仿宋" panose="02010609060101010101" pitchFamily="49" charset="-122"/>
+                          <a:ea typeface="仿宋" panose="02010609060101010101" pitchFamily="49" charset="-122"/>
+                          <a:cs typeface="+mn-cs"/>
+                        </a:rPr>
+                        <a:t>Disease</a:t>
+                      </a:r>
+                    </a:p>
+                    <a:p>
+                      <a:pPr marL="0" algn="ctr" defTabSz="914400" rtl="0" eaLnBrk="1" latinLnBrk="0" hangingPunct="1"/>
+                      <a:r>
+                        <a:rPr lang="en-US" altLang="zh-CN" sz="1400" b="0" kern="1200" dirty="0">
+                          <a:solidFill>
+                            <a:schemeClr val="tx1"/>
+                          </a:solidFill>
+                          <a:latin typeface="仿宋" panose="02010609060101010101" pitchFamily="49" charset="-122"/>
+                          <a:ea typeface="仿宋" panose="02010609060101010101" pitchFamily="49" charset="-122"/>
+                          <a:cs typeface="+mn-cs"/>
+                        </a:rPr>
+                        <a:t>features</a:t>
+                      </a:r>
+                      <a:endParaRPr lang="en-US" sz="1400" b="0" kern="1200" dirty="0">
+                        <a:solidFill>
+                          <a:schemeClr val="tx1"/>
+                        </a:solidFill>
+                        <a:latin typeface="仿宋" panose="02010609060101010101" pitchFamily="49" charset="-122"/>
+                        <a:ea typeface="仿宋" panose="02010609060101010101" pitchFamily="49" charset="-122"/>
+                        <a:cs typeface="+mn-cs"/>
+                      </a:endParaRPr>
+                    </a:p>
+                  </a:txBody>
+                  <a:tcPr anchor="ctr">
+                    <a:solidFill>
+                      <a:schemeClr val="accent4">
+                        <a:lumMod val="40000"/>
+                        <a:lumOff val="60000"/>
+                      </a:schemeClr>
+                    </a:solidFill>
+                  </a:tcPr>
+                </a:tc>
+                <a:extLst>
+                  <a:ext uri="{0D108BD9-81ED-4DB2-BD59-A6C34878D82A}">
+                    <a16:rowId xmlns:a16="http://schemas.microsoft.com/office/drawing/2014/main" val="28309028"/>
+                  </a:ext>
+                </a:extLst>
+              </a:tr>
+              <a:tr h="361874">
+                <a:tc>
+                  <a:txBody>
+                    <a:bodyPr/>
+                    <a:lstStyle/>
+                    <a:p>
+                      <a:pPr marL="0" marR="0" lvl="0" indent="0" algn="ctr" defTabSz="914400" rtl="0" eaLnBrk="1" fontAlgn="auto" latinLnBrk="0" hangingPunct="1">
+                        <a:lnSpc>
+                          <a:spcPct val="100000"/>
+                        </a:lnSpc>
+                        <a:spcBef>
+                          <a:spcPts val="0"/>
+                        </a:spcBef>
+                        <a:spcAft>
+                          <a:spcPts val="0"/>
+                        </a:spcAft>
+                        <a:buClrTx/>
+                        <a:buSzTx/>
+                        <a:buFontTx/>
+                        <a:buNone/>
+                        <a:tabLst/>
+                        <a:defRPr/>
+                      </a:pPr>
+                      <a:r>
+                        <a:rPr lang="en-US" altLang="zh-CN" sz="1400" b="0" kern="1200" dirty="0" err="1">
+                          <a:solidFill>
+                            <a:schemeClr val="tx1"/>
+                          </a:solidFill>
+                          <a:latin typeface="仿宋" panose="02010609060101010101" pitchFamily="49" charset="-122"/>
+                          <a:ea typeface="仿宋" panose="02010609060101010101" pitchFamily="49" charset="-122"/>
+                          <a:cs typeface="+mn-cs"/>
+                        </a:rPr>
+                        <a:t>circRNA</a:t>
+                      </a:r>
+                      <a:r>
+                        <a:rPr lang="en-US" altLang="zh-CN" sz="1400" b="0" kern="1200" dirty="0">
+                          <a:solidFill>
+                            <a:schemeClr val="tx1"/>
+                          </a:solidFill>
+                          <a:latin typeface="仿宋" panose="02010609060101010101" pitchFamily="49" charset="-122"/>
+                          <a:ea typeface="仿宋" panose="02010609060101010101" pitchFamily="49" charset="-122"/>
+                          <a:cs typeface="+mn-cs"/>
+                        </a:rPr>
+                        <a:t> sequence features</a:t>
+                      </a:r>
+                      <a:endParaRPr lang="zh-CN" altLang="en-US" sz="1400" b="0" kern="1200" dirty="0">
+                        <a:solidFill>
+                          <a:schemeClr val="tx1"/>
+                        </a:solidFill>
+                        <a:latin typeface="仿宋" panose="02010609060101010101" pitchFamily="49" charset="-122"/>
+                        <a:ea typeface="仿宋" panose="02010609060101010101" pitchFamily="49" charset="-122"/>
+                        <a:cs typeface="+mn-cs"/>
+                      </a:endParaRPr>
+                    </a:p>
+                  </a:txBody>
+                  <a:tcPr anchor="ctr">
+                    <a:solidFill>
+                      <a:srgbClr val="FFFF99"/>
+                    </a:solidFill>
+                  </a:tcPr>
+                </a:tc>
+                <a:extLst>
+                  <a:ext uri="{0D108BD9-81ED-4DB2-BD59-A6C34878D82A}">
+                    <a16:rowId xmlns:a16="http://schemas.microsoft.com/office/drawing/2014/main" val="1967821253"/>
+                  </a:ext>
+                </a:extLst>
+              </a:tr>
+              <a:tr h="740848">
+                <a:tc>
+                  <a:txBody>
+                    <a:bodyPr/>
+                    <a:lstStyle/>
+                    <a:p>
+                      <a:pPr marL="0" marR="0" lvl="0" indent="0" algn="ctr" defTabSz="914400" rtl="0" eaLnBrk="1" fontAlgn="auto" latinLnBrk="0" hangingPunct="1">
+                        <a:lnSpc>
+                          <a:spcPct val="100000"/>
+                        </a:lnSpc>
+                        <a:spcBef>
+                          <a:spcPts val="0"/>
+                        </a:spcBef>
+                        <a:spcAft>
+                          <a:spcPts val="0"/>
+                        </a:spcAft>
+                        <a:buClrTx/>
+                        <a:buSzTx/>
+                        <a:buFontTx/>
+                        <a:buNone/>
+                        <a:tabLst/>
+                        <a:defRPr/>
+                      </a:pPr>
+                      <a:r>
+                        <a:rPr lang="en-US" altLang="zh-CN" sz="1400" b="0" kern="1200" dirty="0" err="1">
+                          <a:solidFill>
+                            <a:schemeClr val="tx1"/>
+                          </a:solidFill>
+                          <a:latin typeface="仿宋" panose="02010609060101010101" pitchFamily="49" charset="-122"/>
+                          <a:ea typeface="仿宋" panose="02010609060101010101" pitchFamily="49" charset="-122"/>
+                          <a:cs typeface="+mn-cs"/>
+                        </a:rPr>
+                        <a:t>circRNA</a:t>
+                      </a:r>
+                      <a:r>
+                        <a:rPr lang="en-US" altLang="zh-CN" sz="1400" b="0" kern="1200" dirty="0">
+                          <a:solidFill>
+                            <a:schemeClr val="tx1"/>
+                          </a:solidFill>
+                          <a:latin typeface="仿宋" panose="02010609060101010101" pitchFamily="49" charset="-122"/>
+                          <a:ea typeface="仿宋" panose="02010609060101010101" pitchFamily="49" charset="-122"/>
+                          <a:cs typeface="+mn-cs"/>
+                        </a:rPr>
+                        <a:t> miRNA features</a:t>
+                      </a:r>
+                      <a:endParaRPr lang="en-US" sz="1400" b="0" kern="1200" dirty="0">
+                        <a:solidFill>
+                          <a:schemeClr val="tx1"/>
+                        </a:solidFill>
+                        <a:latin typeface="仿宋" panose="02010609060101010101" pitchFamily="49" charset="-122"/>
+                        <a:ea typeface="仿宋" panose="02010609060101010101" pitchFamily="49" charset="-122"/>
+                        <a:cs typeface="+mn-cs"/>
+                      </a:endParaRPr>
+                    </a:p>
+                  </a:txBody>
+                  <a:tcPr anchor="ctr">
+                    <a:solidFill>
+                      <a:srgbClr val="FFC000"/>
+                    </a:solidFill>
+                  </a:tcPr>
+                </a:tc>
+                <a:extLst>
+                  <a:ext uri="{0D108BD9-81ED-4DB2-BD59-A6C34878D82A}">
+                    <a16:rowId xmlns:a16="http://schemas.microsoft.com/office/drawing/2014/main" val="1950595921"/>
+                  </a:ext>
+                </a:extLst>
+              </a:tr>
+              <a:tr h="740848">
+                <a:tc>
+                  <a:txBody>
+                    <a:bodyPr/>
+                    <a:lstStyle/>
+                    <a:p>
+                      <a:pPr marL="0" marR="0" lvl="0" indent="0" algn="ctr" defTabSz="914400" rtl="0" eaLnBrk="1" fontAlgn="auto" latinLnBrk="0" hangingPunct="1">
+                        <a:lnSpc>
+                          <a:spcPct val="100000"/>
+                        </a:lnSpc>
+                        <a:spcBef>
+                          <a:spcPts val="0"/>
+                        </a:spcBef>
+                        <a:spcAft>
+                          <a:spcPts val="0"/>
+                        </a:spcAft>
+                        <a:buClrTx/>
+                        <a:buSzTx/>
+                        <a:buFontTx/>
+                        <a:buNone/>
+                        <a:tabLst/>
+                        <a:defRPr/>
+                      </a:pPr>
+                      <a:r>
+                        <a:rPr lang="en-US" altLang="zh-CN" sz="1400" b="0" kern="1200" dirty="0" err="1">
+                          <a:solidFill>
+                            <a:schemeClr val="tx1"/>
+                          </a:solidFill>
+                          <a:latin typeface="仿宋" panose="02010609060101010101" pitchFamily="49" charset="-122"/>
+                          <a:ea typeface="仿宋" panose="02010609060101010101" pitchFamily="49" charset="-122"/>
+                          <a:cs typeface="+mn-cs"/>
+                        </a:rPr>
+                        <a:t>circRNA</a:t>
+                      </a:r>
+                      <a:r>
+                        <a:rPr lang="en-US" altLang="zh-CN" sz="1400" b="0" kern="1200" dirty="0">
+                          <a:solidFill>
+                            <a:schemeClr val="tx1"/>
+                          </a:solidFill>
+                          <a:latin typeface="仿宋" panose="02010609060101010101" pitchFamily="49" charset="-122"/>
+                          <a:ea typeface="仿宋" panose="02010609060101010101" pitchFamily="49" charset="-122"/>
+                          <a:cs typeface="+mn-cs"/>
+                        </a:rPr>
+                        <a:t> miRNA </a:t>
+                      </a:r>
+                    </a:p>
+                    <a:p>
+                      <a:pPr marL="0" marR="0" lvl="0" indent="0" algn="ctr" defTabSz="914400" rtl="0" eaLnBrk="1" fontAlgn="auto" latinLnBrk="0" hangingPunct="1">
+                        <a:lnSpc>
+                          <a:spcPct val="100000"/>
+                        </a:lnSpc>
+                        <a:spcBef>
+                          <a:spcPts val="0"/>
+                        </a:spcBef>
+                        <a:spcAft>
+                          <a:spcPts val="0"/>
+                        </a:spcAft>
+                        <a:buClrTx/>
+                        <a:buSzTx/>
+                        <a:buFontTx/>
+                        <a:buNone/>
+                        <a:tabLst/>
+                        <a:defRPr/>
+                      </a:pPr>
+                      <a:r>
+                        <a:rPr lang="en-US" altLang="zh-CN" sz="1400" b="0" kern="1200" dirty="0">
+                          <a:solidFill>
+                            <a:schemeClr val="tx1"/>
+                          </a:solidFill>
+                          <a:latin typeface="仿宋" panose="02010609060101010101" pitchFamily="49" charset="-122"/>
+                          <a:ea typeface="仿宋" panose="02010609060101010101" pitchFamily="49" charset="-122"/>
+                          <a:cs typeface="+mn-cs"/>
+                        </a:rPr>
+                        <a:t>colocation features</a:t>
+                      </a:r>
+                      <a:endParaRPr lang="zh-CN" altLang="en-US" sz="1400" b="0" kern="1200" dirty="0">
+                        <a:solidFill>
+                          <a:schemeClr val="tx1"/>
+                        </a:solidFill>
+                        <a:latin typeface="仿宋" panose="02010609060101010101" pitchFamily="49" charset="-122"/>
+                        <a:ea typeface="仿宋" panose="02010609060101010101" pitchFamily="49" charset="-122"/>
+                        <a:cs typeface="+mn-cs"/>
+                      </a:endParaRPr>
+                    </a:p>
+                  </a:txBody>
+                  <a:tcPr anchor="ctr">
+                    <a:solidFill>
+                      <a:schemeClr val="accent5">
+                        <a:lumMod val="60000"/>
+                        <a:lumOff val="40000"/>
+                      </a:schemeClr>
+                    </a:solidFill>
+                  </a:tcPr>
+                </a:tc>
+                <a:extLst>
+                  <a:ext uri="{0D108BD9-81ED-4DB2-BD59-A6C34878D82A}">
+                    <a16:rowId xmlns:a16="http://schemas.microsoft.com/office/drawing/2014/main" val="1207558575"/>
+                  </a:ext>
+                </a:extLst>
+              </a:tr>
+              <a:tr h="565722">
+                <a:tc>
+                  <a:txBody>
+                    <a:bodyPr/>
+                    <a:lstStyle/>
+                    <a:p>
+                      <a:pPr marL="0" marR="0" lvl="0" indent="0" algn="ctr" defTabSz="914400" rtl="0" eaLnBrk="1" fontAlgn="auto" latinLnBrk="0" hangingPunct="1">
+                        <a:lnSpc>
+                          <a:spcPct val="100000"/>
+                        </a:lnSpc>
+                        <a:spcBef>
+                          <a:spcPts val="0"/>
+                        </a:spcBef>
+                        <a:spcAft>
+                          <a:spcPts val="0"/>
+                        </a:spcAft>
+                        <a:buClrTx/>
+                        <a:buSzTx/>
+                        <a:buFontTx/>
+                        <a:buNone/>
+                        <a:tabLst/>
+                        <a:defRPr/>
+                      </a:pPr>
+                      <a:r>
+                        <a:rPr lang="en-US" altLang="zh-CN" sz="1400" b="0" kern="1200" dirty="0">
+                          <a:solidFill>
+                            <a:schemeClr val="tx1"/>
+                          </a:solidFill>
+                          <a:latin typeface="仿宋" panose="02010609060101010101" pitchFamily="49" charset="-122"/>
+                          <a:ea typeface="仿宋" panose="02010609060101010101" pitchFamily="49" charset="-122"/>
+                          <a:cs typeface="+mn-cs"/>
+                        </a:rPr>
+                        <a:t>K-</a:t>
+                      </a:r>
+                      <a:r>
+                        <a:rPr lang="en-US" altLang="zh-CN" sz="1400" b="0" kern="1200" dirty="0" err="1">
+                          <a:solidFill>
+                            <a:schemeClr val="tx1"/>
+                          </a:solidFill>
+                          <a:latin typeface="仿宋" panose="02010609060101010101" pitchFamily="49" charset="-122"/>
+                          <a:ea typeface="仿宋" panose="02010609060101010101" pitchFamily="49" charset="-122"/>
+                          <a:cs typeface="+mn-cs"/>
+                        </a:rPr>
+                        <a:t>mer</a:t>
+                      </a:r>
+                      <a:r>
+                        <a:rPr lang="en-US" altLang="zh-CN" sz="1400" b="0" kern="1200" dirty="0">
+                          <a:solidFill>
+                            <a:schemeClr val="tx1"/>
+                          </a:solidFill>
+                          <a:latin typeface="仿宋" panose="02010609060101010101" pitchFamily="49" charset="-122"/>
+                          <a:ea typeface="仿宋" panose="02010609060101010101" pitchFamily="49" charset="-122"/>
+                          <a:cs typeface="+mn-cs"/>
+                        </a:rPr>
+                        <a:t> features</a:t>
+                      </a:r>
+                      <a:endParaRPr lang="zh-CN" altLang="en-US" sz="1400" b="0" kern="1200" dirty="0">
+                        <a:solidFill>
+                          <a:schemeClr val="tx1"/>
+                        </a:solidFill>
+                        <a:latin typeface="仿宋" panose="02010609060101010101" pitchFamily="49" charset="-122"/>
+                        <a:ea typeface="仿宋" panose="02010609060101010101" pitchFamily="49" charset="-122"/>
+                        <a:cs typeface="+mn-cs"/>
+                      </a:endParaRPr>
+                    </a:p>
+                  </a:txBody>
+                  <a:tcPr anchor="ctr">
+                    <a:solidFill>
+                      <a:srgbClr val="FF7C80"/>
+                    </a:solidFill>
+                  </a:tcPr>
+                </a:tc>
+                <a:extLst>
+                  <a:ext uri="{0D108BD9-81ED-4DB2-BD59-A6C34878D82A}">
+                    <a16:rowId xmlns:a16="http://schemas.microsoft.com/office/drawing/2014/main" val="4198491046"/>
+                  </a:ext>
+                </a:extLst>
+              </a:tr>
+              <a:tr h="622764">
+                <a:tc>
+                  <a:txBody>
+                    <a:bodyPr/>
+                    <a:lstStyle/>
+                    <a:p>
+                      <a:pPr marL="0" marR="0" lvl="0" indent="0" algn="ctr" defTabSz="914400" rtl="0" eaLnBrk="1" fontAlgn="auto" latinLnBrk="0" hangingPunct="1">
+                        <a:lnSpc>
+                          <a:spcPct val="100000"/>
+                        </a:lnSpc>
+                        <a:spcBef>
+                          <a:spcPts val="0"/>
+                        </a:spcBef>
+                        <a:spcAft>
+                          <a:spcPts val="0"/>
+                        </a:spcAft>
+                        <a:buClrTx/>
+                        <a:buSzTx/>
+                        <a:buFontTx/>
+                        <a:buNone/>
+                        <a:tabLst/>
+                        <a:defRPr/>
+                      </a:pPr>
+                      <a:r>
+                        <a:rPr lang="en-US" altLang="zh-CN" sz="1400" b="0" kern="1200" dirty="0">
+                          <a:solidFill>
+                            <a:schemeClr val="tx1"/>
+                          </a:solidFill>
+                          <a:latin typeface="仿宋" panose="02010609060101010101" pitchFamily="49" charset="-122"/>
+                          <a:ea typeface="仿宋" panose="02010609060101010101" pitchFamily="49" charset="-122"/>
+                          <a:cs typeface="+mn-cs"/>
+                        </a:rPr>
+                        <a:t>RCK-mer features</a:t>
+                      </a:r>
+                      <a:endParaRPr lang="zh-CN" altLang="en-US" sz="1400" b="0" kern="1200" dirty="0">
+                        <a:solidFill>
+                          <a:schemeClr val="tx1"/>
+                        </a:solidFill>
+                        <a:latin typeface="仿宋" panose="02010609060101010101" pitchFamily="49" charset="-122"/>
+                        <a:ea typeface="仿宋" panose="02010609060101010101" pitchFamily="49" charset="-122"/>
+                        <a:cs typeface="+mn-cs"/>
+                      </a:endParaRPr>
+                    </a:p>
+                  </a:txBody>
+                  <a:tcPr anchor="ctr">
+                    <a:solidFill>
+                      <a:srgbClr val="FF6600"/>
+                    </a:solidFill>
+                  </a:tcPr>
+                </a:tc>
+                <a:extLst>
+                  <a:ext uri="{0D108BD9-81ED-4DB2-BD59-A6C34878D82A}">
+                    <a16:rowId xmlns:a16="http://schemas.microsoft.com/office/drawing/2014/main" val="1341645241"/>
+                  </a:ext>
+                </a:extLst>
+              </a:tr>
+              <a:tr h="740848">
+                <a:tc>
+                  <a:txBody>
+                    <a:bodyPr/>
+                    <a:lstStyle/>
+                    <a:p>
+                      <a:pPr marL="0" marR="0" lvl="0" indent="0" algn="ctr" defTabSz="914400" rtl="0" eaLnBrk="1" fontAlgn="auto" latinLnBrk="0" hangingPunct="1">
+                        <a:lnSpc>
+                          <a:spcPct val="100000"/>
+                        </a:lnSpc>
+                        <a:spcBef>
+                          <a:spcPts val="0"/>
+                        </a:spcBef>
+                        <a:spcAft>
+                          <a:spcPts val="0"/>
+                        </a:spcAft>
+                        <a:buClrTx/>
+                        <a:buSzTx/>
+                        <a:buFontTx/>
+                        <a:buNone/>
+                        <a:tabLst/>
+                        <a:defRPr/>
+                      </a:pPr>
+                      <a:r>
+                        <a:rPr lang="en-US" altLang="zh-CN" sz="1400" b="0" kern="1200" dirty="0" err="1">
+                          <a:solidFill>
+                            <a:schemeClr val="tx1"/>
+                          </a:solidFill>
+                          <a:latin typeface="仿宋" panose="02010609060101010101" pitchFamily="49" charset="-122"/>
+                          <a:ea typeface="仿宋" panose="02010609060101010101" pitchFamily="49" charset="-122"/>
+                          <a:cs typeface="+mn-cs"/>
+                        </a:rPr>
+                        <a:t>RNAErine</a:t>
+                      </a:r>
+                      <a:r>
+                        <a:rPr lang="en-US" altLang="zh-CN" sz="1400" b="0" kern="1200" dirty="0">
+                          <a:solidFill>
+                            <a:schemeClr val="tx1"/>
+                          </a:solidFill>
+                          <a:latin typeface="仿宋" panose="02010609060101010101" pitchFamily="49" charset="-122"/>
+                          <a:ea typeface="仿宋" panose="02010609060101010101" pitchFamily="49" charset="-122"/>
+                          <a:cs typeface="+mn-cs"/>
+                        </a:rPr>
+                        <a:t> features</a:t>
+                      </a:r>
+                      <a:endParaRPr lang="zh-CN" altLang="en-US" sz="1400" b="0" kern="1200" dirty="0">
+                        <a:solidFill>
+                          <a:schemeClr val="tx1"/>
+                        </a:solidFill>
+                        <a:latin typeface="仿宋" panose="02010609060101010101" pitchFamily="49" charset="-122"/>
+                        <a:ea typeface="仿宋" panose="02010609060101010101" pitchFamily="49" charset="-122"/>
+                        <a:cs typeface="+mn-cs"/>
+                      </a:endParaRPr>
+                    </a:p>
+                  </a:txBody>
+                  <a:tcPr anchor="ctr">
+                    <a:solidFill>
+                      <a:srgbClr val="FF9966"/>
+                    </a:solidFill>
+                  </a:tcPr>
+                </a:tc>
+                <a:extLst>
+                  <a:ext uri="{0D108BD9-81ED-4DB2-BD59-A6C34878D82A}">
+                    <a16:rowId xmlns:a16="http://schemas.microsoft.com/office/drawing/2014/main" val="4064356619"/>
+                  </a:ext>
+                </a:extLst>
+              </a:tr>
+            </a:tbl>
+          </a:graphicData>
+        </a:graphic>
+      </p:graphicFrame>
+      <p:cxnSp>
+        <p:nvCxnSpPr>
+          <p:cNvPr id="81" name="直接箭头连接符 80">
+            <a:extLst>
+              <a:ext uri="{FF2B5EF4-FFF2-40B4-BE49-F238E27FC236}">
+                <a16:creationId xmlns:a16="http://schemas.microsoft.com/office/drawing/2014/main" id="{5E71D027-2B45-5A4D-E31D-4431E9DD6686}"/>
+              </a:ext>
+            </a:extLst>
+          </p:cNvPr>
+          <p:cNvCxnSpPr>
+            <a:cxnSpLocks/>
+            <a:stCxn id="38" idx="3"/>
+          </p:cNvCxnSpPr>
+          <p:nvPr/>
+        </p:nvCxnSpPr>
+        <p:spPr>
+          <a:xfrm>
+            <a:off x="6678227" y="1776073"/>
+            <a:ext cx="1005208" cy="0"/>
+          </a:xfrm>
+          <a:prstGeom prst="straightConnector1">
+            <a:avLst/>
+          </a:prstGeom>
+          <a:ln w="19050">
+            <a:tailEnd type="triangle"/>
+          </a:ln>
+        </p:spPr>
+        <p:style>
+          <a:lnRef idx="1">
+            <a:schemeClr val="accent1"/>
+          </a:lnRef>
+          <a:fillRef idx="0">
+            <a:schemeClr val="accent1"/>
+          </a:fillRef>
+          <a:effectRef idx="0">
+            <a:schemeClr val="accent1"/>
+          </a:effectRef>
+          <a:fontRef idx="minor">
+            <a:schemeClr val="tx1"/>
+          </a:fontRef>
+        </p:style>
+      </p:cxnSp>
+      <p:cxnSp>
+        <p:nvCxnSpPr>
+          <p:cNvPr id="26" name="直接箭头连接符 25">
+            <a:extLst>
+              <a:ext uri="{FF2B5EF4-FFF2-40B4-BE49-F238E27FC236}">
+                <a16:creationId xmlns:a16="http://schemas.microsoft.com/office/drawing/2014/main" id="{4FBAC76C-AC8B-5EDC-3A5C-93A0BC7823B2}"/>
+              </a:ext>
+            </a:extLst>
+          </p:cNvPr>
+          <p:cNvCxnSpPr>
+            <a:cxnSpLocks/>
+          </p:cNvCxnSpPr>
+          <p:nvPr/>
+        </p:nvCxnSpPr>
+        <p:spPr>
+          <a:xfrm>
+            <a:off x="6613529" y="2574695"/>
+            <a:ext cx="1069906" cy="13070"/>
+          </a:xfrm>
+          <a:prstGeom prst="straightConnector1">
+            <a:avLst/>
+          </a:prstGeom>
+          <a:ln w="19050">
+            <a:tailEnd type="triangle"/>
+          </a:ln>
+        </p:spPr>
+        <p:style>
+          <a:lnRef idx="1">
+            <a:schemeClr val="accent1"/>
+          </a:lnRef>
+          <a:fillRef idx="0">
+            <a:schemeClr val="accent1"/>
+          </a:fillRef>
+          <a:effectRef idx="0">
+            <a:schemeClr val="accent1"/>
+          </a:effectRef>
+          <a:fontRef idx="minor">
+            <a:schemeClr val="tx1"/>
+          </a:fontRef>
+        </p:style>
+      </p:cxnSp>
+      <p:cxnSp>
+        <p:nvCxnSpPr>
+          <p:cNvPr id="57" name="直接箭头连接符 56">
+            <a:extLst>
+              <a:ext uri="{FF2B5EF4-FFF2-40B4-BE49-F238E27FC236}">
+                <a16:creationId xmlns:a16="http://schemas.microsoft.com/office/drawing/2014/main" id="{DE3C0C4E-BE76-D465-EC8F-F5FED109919F}"/>
+              </a:ext>
+            </a:extLst>
+          </p:cNvPr>
+          <p:cNvCxnSpPr>
+            <a:cxnSpLocks/>
+          </p:cNvCxnSpPr>
+          <p:nvPr/>
+        </p:nvCxnSpPr>
+        <p:spPr>
+          <a:xfrm>
+            <a:off x="4191004" y="3429000"/>
+            <a:ext cx="1205916" cy="7787"/>
+          </a:xfrm>
+          <a:prstGeom prst="straightConnector1">
+            <a:avLst/>
+          </a:prstGeom>
+          <a:ln w="19050">
+            <a:tailEnd type="triangle"/>
+          </a:ln>
+        </p:spPr>
+        <p:style>
+          <a:lnRef idx="1">
+            <a:schemeClr val="accent1"/>
+          </a:lnRef>
+          <a:fillRef idx="0">
+            <a:schemeClr val="accent1"/>
+          </a:fillRef>
+          <a:effectRef idx="0">
+            <a:schemeClr val="accent1"/>
+          </a:effectRef>
+          <a:fontRef idx="minor">
+            <a:schemeClr val="tx1"/>
+          </a:fontRef>
+        </p:style>
+      </p:cxnSp>
+      <p:cxnSp>
+        <p:nvCxnSpPr>
+          <p:cNvPr id="85" name="直接箭头连接符 84">
+            <a:extLst>
+              <a:ext uri="{FF2B5EF4-FFF2-40B4-BE49-F238E27FC236}">
+                <a16:creationId xmlns:a16="http://schemas.microsoft.com/office/drawing/2014/main" id="{AF15A49B-8881-1C6C-6F3F-B4557352D9AC}"/>
+              </a:ext>
+            </a:extLst>
+          </p:cNvPr>
+          <p:cNvCxnSpPr>
+            <a:cxnSpLocks/>
+            <a:stCxn id="89" idx="3"/>
+          </p:cNvCxnSpPr>
+          <p:nvPr/>
+        </p:nvCxnSpPr>
+        <p:spPr>
+          <a:xfrm>
+            <a:off x="6799355" y="3414845"/>
+            <a:ext cx="883027" cy="6369"/>
+          </a:xfrm>
+          <a:prstGeom prst="straightConnector1">
+            <a:avLst/>
+          </a:prstGeom>
+          <a:ln w="19050">
+            <a:tailEnd type="triangle"/>
+          </a:ln>
+        </p:spPr>
+        <p:style>
+          <a:lnRef idx="1">
+            <a:schemeClr val="accent1"/>
+          </a:lnRef>
+          <a:fillRef idx="0">
+            <a:schemeClr val="accent1"/>
+          </a:fillRef>
+          <a:effectRef idx="0">
+            <a:schemeClr val="accent1"/>
+          </a:effectRef>
+          <a:fontRef idx="minor">
+            <a:schemeClr val="tx1"/>
+          </a:fontRef>
+        </p:style>
+      </p:cxnSp>
+      <p:cxnSp>
+        <p:nvCxnSpPr>
+          <p:cNvPr id="86" name="直接箭头连接符 85">
+            <a:extLst>
+              <a:ext uri="{FF2B5EF4-FFF2-40B4-BE49-F238E27FC236}">
+                <a16:creationId xmlns:a16="http://schemas.microsoft.com/office/drawing/2014/main" id="{F211111D-4230-6366-E6B9-AB433CF373F4}"/>
+              </a:ext>
+            </a:extLst>
+          </p:cNvPr>
+          <p:cNvCxnSpPr>
+            <a:cxnSpLocks/>
+          </p:cNvCxnSpPr>
+          <p:nvPr/>
+        </p:nvCxnSpPr>
+        <p:spPr>
+          <a:xfrm>
+            <a:off x="6032504" y="4084027"/>
+            <a:ext cx="1649878" cy="0"/>
+          </a:xfrm>
+          <a:prstGeom prst="straightConnector1">
+            <a:avLst/>
+          </a:prstGeom>
+          <a:ln w="19050">
+            <a:tailEnd type="triangle"/>
+          </a:ln>
+        </p:spPr>
+        <p:style>
+          <a:lnRef idx="1">
+            <a:schemeClr val="accent1"/>
+          </a:lnRef>
+          <a:fillRef idx="0">
+            <a:schemeClr val="accent1"/>
+          </a:fillRef>
+          <a:effectRef idx="0">
+            <a:schemeClr val="accent1"/>
+          </a:effectRef>
+          <a:fontRef idx="minor">
+            <a:schemeClr val="tx1"/>
+          </a:fontRef>
+        </p:style>
+      </p:cxnSp>
+      <p:sp>
+        <p:nvSpPr>
+          <p:cNvPr id="319" name="矩形 318">
+            <a:extLst>
+              <a:ext uri="{FF2B5EF4-FFF2-40B4-BE49-F238E27FC236}">
+                <a16:creationId xmlns:a16="http://schemas.microsoft.com/office/drawing/2014/main" id="{FBCAF922-11D5-C89D-9327-D899157F8118}"/>
+              </a:ext>
+            </a:extLst>
+          </p:cNvPr>
+          <p:cNvSpPr/>
+          <p:nvPr/>
+        </p:nvSpPr>
+        <p:spPr>
+          <a:xfrm>
+            <a:off x="9091634" y="101600"/>
+            <a:ext cx="1286240" cy="6464300"/>
           </a:xfrm>
           <a:prstGeom prst="rect">
             <a:avLst/>
           </a:prstGeom>
-          <a:solidFill>
-            <a:schemeClr val="accent2"/>
-          </a:solidFill>
-          <a:ln>
-            <a:noFill/>
-          </a:ln>
         </p:spPr>
         <p:style>
           <a:lnRef idx="2">
-            <a:schemeClr val="accent1">
+            <a:schemeClr val="dk1"/>
+          </a:lnRef>
+          <a:fillRef idx="1">
+            <a:schemeClr val="lt1"/>
+          </a:fillRef>
+          <a:effectRef idx="0">
+            <a:schemeClr val="dk1"/>
+          </a:effectRef>
+          <a:fontRef idx="minor">
+            <a:schemeClr val="dk1"/>
+          </a:fontRef>
+        </p:style>
+        <p:txBody>
+          <a:bodyPr rtlCol="0" anchor="ctr"/>
+          <a:lstStyle/>
+          <a:p>
+            <a:pPr algn="ctr"/>
+            <a:endParaRPr lang="zh-CN" altLang="en-US"/>
+          </a:p>
+        </p:txBody>
+      </p:sp>
+      <p:sp>
+        <p:nvSpPr>
+          <p:cNvPr id="320" name="矩形: 圆角 319">
+            <a:extLst>
+              <a:ext uri="{FF2B5EF4-FFF2-40B4-BE49-F238E27FC236}">
+                <a16:creationId xmlns:a16="http://schemas.microsoft.com/office/drawing/2014/main" id="{0E9439E1-BDC7-B703-EF9C-F327297075C1}"/>
+              </a:ext>
+            </a:extLst>
+          </p:cNvPr>
+          <p:cNvSpPr/>
+          <p:nvPr/>
+        </p:nvSpPr>
+        <p:spPr>
+          <a:xfrm>
+            <a:off x="9140884" y="166038"/>
+            <a:ext cx="1203845" cy="392112"/>
+          </a:xfrm>
+          <a:prstGeom prst="roundRect">
+            <a:avLst/>
+          </a:prstGeom>
+          <a:solidFill>
+            <a:schemeClr val="accent3">
+              <a:lumMod val="40000"/>
+              <a:lumOff val="60000"/>
+            </a:schemeClr>
+          </a:solidFill>
+        </p:spPr>
+        <p:style>
+          <a:lnRef idx="2">
+            <a:schemeClr val="dk1"/>
+          </a:lnRef>
+          <a:fillRef idx="1">
+            <a:schemeClr val="lt1"/>
+          </a:fillRef>
+          <a:effectRef idx="0">
+            <a:schemeClr val="dk1"/>
+          </a:effectRef>
+          <a:fontRef idx="minor">
+            <a:schemeClr val="dk1"/>
+          </a:fontRef>
+        </p:style>
+        <p:txBody>
+          <a:bodyPr rtlCol="0" anchor="ctr"/>
+          <a:lstStyle/>
+          <a:p>
+            <a:pPr algn="ctr"/>
+            <a:r>
+              <a:rPr lang="en-US" altLang="zh-CN" sz="1400" dirty="0">
+                <a:ln>
+                  <a:solidFill>
+                    <a:schemeClr val="accent1">
+                      <a:lumMod val="75000"/>
+                    </a:schemeClr>
+                  </a:solidFill>
+                </a:ln>
+                <a:solidFill>
+                  <a:schemeClr val="accent1">
+                    <a:lumMod val="75000"/>
+                  </a:schemeClr>
+                </a:solidFill>
+                <a:latin typeface="仿宋" panose="02010609060101010101" pitchFamily="49" charset="-122"/>
+                <a:ea typeface="仿宋" panose="02010609060101010101" pitchFamily="49" charset="-122"/>
+              </a:rPr>
+              <a:t>Prediction</a:t>
+            </a:r>
+            <a:endParaRPr lang="zh-CN" altLang="en-US" sz="1400" dirty="0">
+              <a:ln>
+                <a:solidFill>
+                  <a:schemeClr val="accent1">
+                    <a:lumMod val="75000"/>
+                  </a:schemeClr>
+                </a:solidFill>
+              </a:ln>
+              <a:solidFill>
+                <a:schemeClr val="accent1">
+                  <a:lumMod val="75000"/>
+                </a:schemeClr>
+              </a:solidFill>
+              <a:latin typeface="仿宋" panose="02010609060101010101" pitchFamily="49" charset="-122"/>
+              <a:ea typeface="仿宋" panose="02010609060101010101" pitchFamily="49" charset="-122"/>
+            </a:endParaRPr>
+          </a:p>
+        </p:txBody>
+      </p:sp>
+      <p:sp>
+        <p:nvSpPr>
+          <p:cNvPr id="321" name="矩形: 圆角 320">
+            <a:extLst>
+              <a:ext uri="{FF2B5EF4-FFF2-40B4-BE49-F238E27FC236}">
+                <a16:creationId xmlns:a16="http://schemas.microsoft.com/office/drawing/2014/main" id="{7255E98C-E0BE-608C-005E-A5457BEE1632}"/>
+              </a:ext>
+            </a:extLst>
+          </p:cNvPr>
+          <p:cNvSpPr/>
+          <p:nvPr/>
+        </p:nvSpPr>
+        <p:spPr>
+          <a:xfrm>
+            <a:off x="9231186" y="695818"/>
+            <a:ext cx="387830" cy="5714872"/>
+          </a:xfrm>
+          <a:prstGeom prst="roundRect">
+            <a:avLst/>
+          </a:prstGeom>
+          <a:solidFill>
+            <a:schemeClr val="accent6">
+              <a:lumMod val="40000"/>
+              <a:lumOff val="60000"/>
+            </a:schemeClr>
+          </a:solidFill>
+        </p:spPr>
+        <p:style>
+          <a:lnRef idx="2">
+            <a:schemeClr val="dk1"/>
+          </a:lnRef>
+          <a:fillRef idx="1">
+            <a:schemeClr val="lt1"/>
+          </a:fillRef>
+          <a:effectRef idx="0">
+            <a:schemeClr val="dk1"/>
+          </a:effectRef>
+          <a:fontRef idx="minor">
+            <a:schemeClr val="dk1"/>
+          </a:fontRef>
+        </p:style>
+        <p:txBody>
+          <a:bodyPr vert="vert270" rtlCol="0" anchor="ctr"/>
+          <a:lstStyle/>
+          <a:p>
+            <a:pPr algn="ctr"/>
+            <a:r>
+              <a:rPr lang="en-US" altLang="zh-CN" sz="1400" dirty="0">
+                <a:ln>
+                  <a:solidFill>
+                    <a:schemeClr val="accent1">
+                      <a:lumMod val="75000"/>
+                    </a:schemeClr>
+                  </a:solidFill>
+                </a:ln>
+                <a:solidFill>
+                  <a:schemeClr val="accent1">
+                    <a:lumMod val="75000"/>
+                  </a:schemeClr>
+                </a:solidFill>
+                <a:latin typeface="仿宋" panose="02010609060101010101" pitchFamily="49" charset="-122"/>
+                <a:ea typeface="仿宋" panose="02010609060101010101" pitchFamily="49" charset="-122"/>
+              </a:rPr>
+              <a:t>Self-attention layer</a:t>
+            </a:r>
+            <a:endParaRPr lang="zh-CN" altLang="en-US" sz="1400" dirty="0">
+              <a:ln>
+                <a:solidFill>
+                  <a:schemeClr val="accent1">
+                    <a:lumMod val="75000"/>
+                  </a:schemeClr>
+                </a:solidFill>
+              </a:ln>
+              <a:solidFill>
+                <a:schemeClr val="accent1">
+                  <a:lumMod val="75000"/>
+                </a:schemeClr>
+              </a:solidFill>
+              <a:latin typeface="仿宋" panose="02010609060101010101" pitchFamily="49" charset="-122"/>
+              <a:ea typeface="仿宋" panose="02010609060101010101" pitchFamily="49" charset="-122"/>
+            </a:endParaRPr>
+          </a:p>
+        </p:txBody>
+      </p:sp>
+      <p:sp>
+        <p:nvSpPr>
+          <p:cNvPr id="323" name="矩形: 圆角 322">
+            <a:extLst>
+              <a:ext uri="{FF2B5EF4-FFF2-40B4-BE49-F238E27FC236}">
+                <a16:creationId xmlns:a16="http://schemas.microsoft.com/office/drawing/2014/main" id="{9413AD32-7574-0DF6-7361-2662E1445C93}"/>
+              </a:ext>
+            </a:extLst>
+          </p:cNvPr>
+          <p:cNvSpPr/>
+          <p:nvPr/>
+        </p:nvSpPr>
+        <p:spPr>
+          <a:xfrm>
+            <a:off x="9870483" y="704589"/>
+            <a:ext cx="387830" cy="5714872"/>
+          </a:xfrm>
+          <a:prstGeom prst="roundRect">
+            <a:avLst/>
+          </a:prstGeom>
+          <a:solidFill>
+            <a:schemeClr val="accent6">
+              <a:lumMod val="40000"/>
+              <a:lumOff val="60000"/>
+            </a:schemeClr>
+          </a:solidFill>
+        </p:spPr>
+        <p:style>
+          <a:lnRef idx="2">
+            <a:schemeClr val="dk1"/>
+          </a:lnRef>
+          <a:fillRef idx="1">
+            <a:schemeClr val="lt1"/>
+          </a:fillRef>
+          <a:effectRef idx="0">
+            <a:schemeClr val="dk1"/>
+          </a:effectRef>
+          <a:fontRef idx="minor">
+            <a:schemeClr val="dk1"/>
+          </a:fontRef>
+        </p:style>
+        <p:txBody>
+          <a:bodyPr vert="vert270" rtlCol="0" anchor="ctr"/>
+          <a:lstStyle/>
+          <a:p>
+            <a:pPr algn="ctr"/>
+            <a:r>
+              <a:rPr lang="en-US" altLang="zh-CN" sz="1400" dirty="0">
+                <a:ln>
+                  <a:solidFill>
+                    <a:schemeClr val="accent1">
+                      <a:lumMod val="75000"/>
+                    </a:schemeClr>
+                  </a:solidFill>
+                </a:ln>
+                <a:solidFill>
+                  <a:schemeClr val="accent1">
+                    <a:lumMod val="75000"/>
+                  </a:schemeClr>
+                </a:solidFill>
+                <a:latin typeface="仿宋" panose="02010609060101010101" pitchFamily="49" charset="-122"/>
+                <a:ea typeface="仿宋" panose="02010609060101010101" pitchFamily="49" charset="-122"/>
+              </a:rPr>
+              <a:t>Fully </a:t>
+            </a:r>
+            <a:r>
+              <a:rPr lang="en-US" altLang="zh-CN" sz="1400" dirty="0" err="1">
+                <a:ln>
+                  <a:solidFill>
+                    <a:schemeClr val="accent1">
+                      <a:lumMod val="75000"/>
+                    </a:schemeClr>
+                  </a:solidFill>
+                </a:ln>
+                <a:solidFill>
+                  <a:schemeClr val="accent1">
+                    <a:lumMod val="75000"/>
+                  </a:schemeClr>
+                </a:solidFill>
+                <a:latin typeface="仿宋" panose="02010609060101010101" pitchFamily="49" charset="-122"/>
+                <a:ea typeface="仿宋" panose="02010609060101010101" pitchFamily="49" charset="-122"/>
+              </a:rPr>
+              <a:t>concatenta</a:t>
+            </a:r>
+            <a:r>
+              <a:rPr lang="en-US" altLang="zh-CN" sz="1400" dirty="0">
+                <a:ln>
+                  <a:solidFill>
+                    <a:schemeClr val="accent1">
+                      <a:lumMod val="75000"/>
+                    </a:schemeClr>
+                  </a:solidFill>
+                </a:ln>
+                <a:solidFill>
+                  <a:schemeClr val="accent1">
+                    <a:lumMod val="75000"/>
+                  </a:schemeClr>
+                </a:solidFill>
+                <a:latin typeface="仿宋" panose="02010609060101010101" pitchFamily="49" charset="-122"/>
+                <a:ea typeface="仿宋" panose="02010609060101010101" pitchFamily="49" charset="-122"/>
+              </a:rPr>
+              <a:t> layer</a:t>
+            </a:r>
+            <a:endParaRPr lang="zh-CN" altLang="en-US" sz="1400" dirty="0">
+              <a:ln>
+                <a:solidFill>
+                  <a:schemeClr val="accent1">
+                    <a:lumMod val="75000"/>
+                  </a:schemeClr>
+                </a:solidFill>
+              </a:ln>
+              <a:solidFill>
+                <a:schemeClr val="accent1">
+                  <a:lumMod val="75000"/>
+                </a:schemeClr>
+              </a:solidFill>
+              <a:latin typeface="仿宋" panose="02010609060101010101" pitchFamily="49" charset="-122"/>
+              <a:ea typeface="仿宋" panose="02010609060101010101" pitchFamily="49" charset="-122"/>
+            </a:endParaRPr>
+          </a:p>
+        </p:txBody>
+      </p:sp>
+      <p:sp>
+        <p:nvSpPr>
+          <p:cNvPr id="324" name="箭头: 右 323">
+            <a:extLst>
+              <a:ext uri="{FF2B5EF4-FFF2-40B4-BE49-F238E27FC236}">
+                <a16:creationId xmlns:a16="http://schemas.microsoft.com/office/drawing/2014/main" id="{BDAF8E2B-F6EF-0742-210B-571BC628586E}"/>
+              </a:ext>
+            </a:extLst>
+          </p:cNvPr>
+          <p:cNvSpPr/>
+          <p:nvPr/>
+        </p:nvSpPr>
+        <p:spPr>
+          <a:xfrm>
+            <a:off x="8844648" y="3257314"/>
+            <a:ext cx="386538" cy="333611"/>
+          </a:xfrm>
+          <a:prstGeom prst="rightArrow">
+            <a:avLst/>
+          </a:prstGeom>
+        </p:spPr>
+        <p:style>
+          <a:lnRef idx="2">
+            <a:schemeClr val="accent3">
               <a:shade val="15000"/>
             </a:schemeClr>
           </a:lnRef>
           <a:fillRef idx="1">
-            <a:schemeClr val="accent1"/>
+            <a:schemeClr val="accent3"/>
           </a:fillRef>
           <a:effectRef idx="0">
-            <a:schemeClr val="accent1"/>
+            <a:schemeClr val="accent3"/>
           </a:effectRef>
           <a:fontRef idx="minor">
             <a:schemeClr val="lt1"/>
@@ -13884,10 +18781,10 @@
       </p:sp>
       <p:sp>
         <p:nvSpPr>
-          <p:cNvPr id="122" name="矩形 121">
+          <p:cNvPr id="325" name="箭头: 右 324">
             <a:extLst>
               <a:ext uri="{FF2B5EF4-FFF2-40B4-BE49-F238E27FC236}">
-                <a16:creationId xmlns:a16="http://schemas.microsoft.com/office/drawing/2014/main" id="{20DBA7C8-1131-E837-37BA-4577ED72D49A}"/>
+                <a16:creationId xmlns:a16="http://schemas.microsoft.com/office/drawing/2014/main" id="{BF36E999-E40F-EC84-3190-3DFDE9C46D30}"/>
               </a:ext>
             </a:extLst>
           </p:cNvPr>
@@ -13896,30 +18793,24 @@
         </p:nvSpPr>
         <p:spPr>
           <a:xfrm>
-            <a:off x="5431293" y="4350510"/>
-            <a:ext cx="80516" cy="76355"/>
+            <a:off x="9623497" y="3269981"/>
+            <a:ext cx="242505" cy="333611"/>
           </a:xfrm>
-          <a:prstGeom prst="rect">
+          <a:prstGeom prst="rightArrow">
             <a:avLst/>
           </a:prstGeom>
-          <a:solidFill>
-            <a:schemeClr val="accent2"/>
-          </a:solidFill>
-          <a:ln>
-            <a:noFill/>
-          </a:ln>
         </p:spPr>
         <p:style>
           <a:lnRef idx="2">
-            <a:schemeClr val="accent1">
+            <a:schemeClr val="accent3">
               <a:shade val="15000"/>
             </a:schemeClr>
           </a:lnRef>
           <a:fillRef idx="1">
-            <a:schemeClr val="accent1"/>
+            <a:schemeClr val="accent3"/>
           </a:fillRef>
           <a:effectRef idx="0">
-            <a:schemeClr val="accent1"/>
+            <a:schemeClr val="accent3"/>
           </a:effectRef>
           <a:fontRef idx="minor">
             <a:schemeClr val="lt1"/>
@@ -13936,10 +18827,10 @@
       </p:sp>
       <p:sp>
         <p:nvSpPr>
-          <p:cNvPr id="124" name="矩形 123">
+          <p:cNvPr id="326" name="箭头: 右 325">
             <a:extLst>
               <a:ext uri="{FF2B5EF4-FFF2-40B4-BE49-F238E27FC236}">
-                <a16:creationId xmlns:a16="http://schemas.microsoft.com/office/drawing/2014/main" id="{BB8E8A6F-49D8-717D-A99C-46EF8E05C25F}"/>
+                <a16:creationId xmlns:a16="http://schemas.microsoft.com/office/drawing/2014/main" id="{BBEE8D13-2A90-7D58-328E-E8A5EF104AAA}"/>
               </a:ext>
             </a:extLst>
           </p:cNvPr>
@@ -13948,30 +18839,24 @@
         </p:nvSpPr>
         <p:spPr>
           <a:xfrm>
-            <a:off x="5560138" y="4346978"/>
-            <a:ext cx="80516" cy="76355"/>
+            <a:off x="10274921" y="3248039"/>
+            <a:ext cx="349939" cy="333611"/>
           </a:xfrm>
-          <a:prstGeom prst="rect">
+          <a:prstGeom prst="rightArrow">
             <a:avLst/>
           </a:prstGeom>
-          <a:solidFill>
-            <a:schemeClr val="accent2"/>
-          </a:solidFill>
-          <a:ln>
-            <a:noFill/>
-          </a:ln>
         </p:spPr>
         <p:style>
           <a:lnRef idx="2">
-            <a:schemeClr val="accent1">
+            <a:schemeClr val="accent3">
               <a:shade val="15000"/>
             </a:schemeClr>
           </a:lnRef>
           <a:fillRef idx="1">
-            <a:schemeClr val="accent1"/>
+            <a:schemeClr val="accent3"/>
           </a:fillRef>
           <a:effectRef idx="0">
-            <a:schemeClr val="accent1"/>
+            <a:schemeClr val="accent3"/>
           </a:effectRef>
           <a:fontRef idx="minor">
             <a:schemeClr val="lt1"/>
@@ -13988,10 +18873,10 @@
       </p:sp>
       <p:sp>
         <p:nvSpPr>
-          <p:cNvPr id="125" name="矩形 124">
+          <p:cNvPr id="327" name="矩形 326">
             <a:extLst>
               <a:ext uri="{FF2B5EF4-FFF2-40B4-BE49-F238E27FC236}">
-                <a16:creationId xmlns:a16="http://schemas.microsoft.com/office/drawing/2014/main" id="{9DFFD8CD-2415-FF36-E0D4-313BBF978E4E}"/>
+                <a16:creationId xmlns:a16="http://schemas.microsoft.com/office/drawing/2014/main" id="{31908523-4F62-CE86-5EA7-C91424C8D487}"/>
               </a:ext>
             </a:extLst>
           </p:cNvPr>
@@ -14000,30 +18885,68 @@
         </p:nvSpPr>
         <p:spPr>
           <a:xfrm>
-            <a:off x="5304963" y="4448635"/>
-            <a:ext cx="80516" cy="76355"/>
+            <a:off x="10624859" y="101600"/>
+            <a:ext cx="1539433" cy="6464300"/>
           </a:xfrm>
           <a:prstGeom prst="rect">
             <a:avLst/>
           </a:prstGeom>
-          <a:solidFill>
-            <a:schemeClr val="accent2"/>
-          </a:solidFill>
-          <a:ln>
-            <a:noFill/>
-          </a:ln>
         </p:spPr>
         <p:style>
           <a:lnRef idx="2">
-            <a:schemeClr val="accent1">
+            <a:schemeClr val="dk1"/>
+          </a:lnRef>
+          <a:fillRef idx="1">
+            <a:schemeClr val="lt1"/>
+          </a:fillRef>
+          <a:effectRef idx="0">
+            <a:schemeClr val="dk1"/>
+          </a:effectRef>
+          <a:fontRef idx="minor">
+            <a:schemeClr val="dk1"/>
+          </a:fontRef>
+        </p:style>
+        <p:txBody>
+          <a:bodyPr rtlCol="0" anchor="ctr"/>
+          <a:lstStyle/>
+          <a:p>
+            <a:pPr algn="ctr"/>
+            <a:endParaRPr lang="zh-CN" altLang="en-US"/>
+          </a:p>
+        </p:txBody>
+      </p:sp>
+      <p:sp>
+        <p:nvSpPr>
+          <p:cNvPr id="329" name="矩形: 圆角 328">
+            <a:extLst>
+              <a:ext uri="{FF2B5EF4-FFF2-40B4-BE49-F238E27FC236}">
+                <a16:creationId xmlns:a16="http://schemas.microsoft.com/office/drawing/2014/main" id="{82CFE9E9-B139-602C-1996-CDFF92E9E797}"/>
+              </a:ext>
+            </a:extLst>
+          </p:cNvPr>
+          <p:cNvSpPr/>
+          <p:nvPr/>
+        </p:nvSpPr>
+        <p:spPr>
+          <a:xfrm>
+            <a:off x="10723418" y="165100"/>
+            <a:ext cx="1337927" cy="392112"/>
+          </a:xfrm>
+          <a:prstGeom prst="roundRect">
+            <a:avLst/>
+          </a:prstGeom>
+        </p:spPr>
+        <p:style>
+          <a:lnRef idx="2">
+            <a:schemeClr val="accent5">
               <a:shade val="15000"/>
             </a:schemeClr>
           </a:lnRef>
           <a:fillRef idx="1">
-            <a:schemeClr val="accent1"/>
+            <a:schemeClr val="accent5"/>
           </a:fillRef>
           <a:effectRef idx="0">
-            <a:schemeClr val="accent1"/>
+            <a:schemeClr val="accent5"/>
           </a:effectRef>
           <a:fontRef idx="minor">
             <a:schemeClr val="lt1"/>
@@ -14034,267 +18957,47 @@
           <a:lstStyle/>
           <a:p>
             <a:pPr algn="ctr"/>
-            <a:endParaRPr lang="en-US"/>
+            <a:r>
+              <a:rPr lang="en-US" sz="1000" dirty="0">
+                <a:latin typeface="仿宋" panose="02010609060101010101" pitchFamily="49" charset="-122"/>
+                <a:ea typeface="仿宋" panose="02010609060101010101" pitchFamily="49" charset="-122"/>
+              </a:rPr>
+              <a:t>Multi-label Predicted results</a:t>
+            </a:r>
           </a:p>
         </p:txBody>
       </p:sp>
       <p:sp>
         <p:nvSpPr>
-          <p:cNvPr id="127" name="矩形 126">
+          <p:cNvPr id="331" name="文本框 330">
             <a:extLst>
               <a:ext uri="{FF2B5EF4-FFF2-40B4-BE49-F238E27FC236}">
-                <a16:creationId xmlns:a16="http://schemas.microsoft.com/office/drawing/2014/main" id="{8B81D1E3-B1A0-CB51-F662-B2ECA36D1CB0}"/>
+                <a16:creationId xmlns:a16="http://schemas.microsoft.com/office/drawing/2014/main" id="{2804425A-C943-D592-9791-02A4141A1D68}"/>
               </a:ext>
             </a:extLst>
           </p:cNvPr>
-          <p:cNvSpPr/>
+          <p:cNvSpPr txBox="1"/>
           <p:nvPr/>
         </p:nvSpPr>
         <p:spPr>
           <a:xfrm>
-            <a:off x="5304963" y="4546621"/>
-            <a:ext cx="80516" cy="76355"/>
+            <a:off x="10730533" y="704589"/>
+            <a:ext cx="1337927" cy="5762804"/>
           </a:xfrm>
           <a:prstGeom prst="rect">
             <a:avLst/>
           </a:prstGeom>
           <a:solidFill>
-            <a:schemeClr val="accent2"/>
+            <a:schemeClr val="accent5"/>
           </a:solidFill>
-          <a:ln>
-            <a:noFill/>
-          </a:ln>
         </p:spPr>
-        <p:style>
-          <a:lnRef idx="2">
-            <a:schemeClr val="accent1">
-              <a:shade val="15000"/>
-            </a:schemeClr>
-          </a:lnRef>
-          <a:fillRef idx="1">
-            <a:schemeClr val="accent1"/>
-          </a:fillRef>
-          <a:effectRef idx="0">
-            <a:schemeClr val="accent1"/>
-          </a:effectRef>
-          <a:fontRef idx="minor">
-            <a:schemeClr val="lt1"/>
-          </a:fontRef>
-        </p:style>
         <p:txBody>
-          <a:bodyPr rtlCol="0" anchor="ctr"/>
+          <a:bodyPr wrap="square" rtlCol="0">
+            <a:spAutoFit/>
+          </a:bodyPr>
           <a:lstStyle/>
           <a:p>
-            <a:pPr algn="ctr"/>
-            <a:endParaRPr lang="en-US"/>
-          </a:p>
-        </p:txBody>
-      </p:sp>
-      <p:sp>
-        <p:nvSpPr>
-          <p:cNvPr id="128" name="矩形 127">
-            <a:extLst>
-              <a:ext uri="{FF2B5EF4-FFF2-40B4-BE49-F238E27FC236}">
-                <a16:creationId xmlns:a16="http://schemas.microsoft.com/office/drawing/2014/main" id="{87F5F40C-6034-33BD-CB46-FF2D8FD574DC}"/>
-              </a:ext>
-            </a:extLst>
-          </p:cNvPr>
-          <p:cNvSpPr/>
-          <p:nvPr/>
-        </p:nvSpPr>
-        <p:spPr>
-          <a:xfrm>
-            <a:off x="5428515" y="4446295"/>
-            <a:ext cx="80516" cy="76355"/>
-          </a:xfrm>
-          <a:prstGeom prst="rect">
-            <a:avLst/>
-          </a:prstGeom>
-          <a:solidFill>
-            <a:schemeClr val="accent2"/>
-          </a:solidFill>
-          <a:ln>
-            <a:noFill/>
-          </a:ln>
-        </p:spPr>
-        <p:style>
-          <a:lnRef idx="2">
-            <a:schemeClr val="accent1">
-              <a:shade val="15000"/>
-            </a:schemeClr>
-          </a:lnRef>
-          <a:fillRef idx="1">
-            <a:schemeClr val="accent1"/>
-          </a:fillRef>
-          <a:effectRef idx="0">
-            <a:schemeClr val="accent1"/>
-          </a:effectRef>
-          <a:fontRef idx="minor">
-            <a:schemeClr val="lt1"/>
-          </a:fontRef>
-        </p:style>
-        <p:txBody>
-          <a:bodyPr rtlCol="0" anchor="ctr"/>
-          <a:lstStyle/>
-          <a:p>
-            <a:pPr algn="ctr"/>
-            <a:endParaRPr lang="en-US"/>
-          </a:p>
-        </p:txBody>
-      </p:sp>
-      <p:sp>
-        <p:nvSpPr>
-          <p:cNvPr id="129" name="矩形 128">
-            <a:extLst>
-              <a:ext uri="{FF2B5EF4-FFF2-40B4-BE49-F238E27FC236}">
-                <a16:creationId xmlns:a16="http://schemas.microsoft.com/office/drawing/2014/main" id="{907BD1BC-9BC6-EF37-FBC2-E0C982E69CF0}"/>
-              </a:ext>
-            </a:extLst>
-          </p:cNvPr>
-          <p:cNvSpPr/>
-          <p:nvPr/>
-        </p:nvSpPr>
-        <p:spPr>
-          <a:xfrm>
-            <a:off x="5428515" y="4545306"/>
-            <a:ext cx="80516" cy="76355"/>
-          </a:xfrm>
-          <a:prstGeom prst="rect">
-            <a:avLst/>
-          </a:prstGeom>
-          <a:solidFill>
-            <a:schemeClr val="accent2"/>
-          </a:solidFill>
-          <a:ln>
-            <a:noFill/>
-          </a:ln>
-        </p:spPr>
-        <p:style>
-          <a:lnRef idx="2">
-            <a:schemeClr val="accent1">
-              <a:shade val="15000"/>
-            </a:schemeClr>
-          </a:lnRef>
-          <a:fillRef idx="1">
-            <a:schemeClr val="accent1"/>
-          </a:fillRef>
-          <a:effectRef idx="0">
-            <a:schemeClr val="accent1"/>
-          </a:effectRef>
-          <a:fontRef idx="minor">
-            <a:schemeClr val="lt1"/>
-          </a:fontRef>
-        </p:style>
-        <p:txBody>
-          <a:bodyPr rtlCol="0" anchor="ctr"/>
-          <a:lstStyle/>
-          <a:p>
-            <a:pPr algn="ctr"/>
-            <a:endParaRPr lang="en-US"/>
-          </a:p>
-        </p:txBody>
-      </p:sp>
-      <p:sp>
-        <p:nvSpPr>
-          <p:cNvPr id="172" name="矩形 171">
-            <a:extLst>
-              <a:ext uri="{FF2B5EF4-FFF2-40B4-BE49-F238E27FC236}">
-                <a16:creationId xmlns:a16="http://schemas.microsoft.com/office/drawing/2014/main" id="{126880C5-37B7-2737-4782-D2AE40AFC9EE}"/>
-              </a:ext>
-            </a:extLst>
-          </p:cNvPr>
-          <p:cNvSpPr/>
-          <p:nvPr/>
-        </p:nvSpPr>
-        <p:spPr>
-          <a:xfrm>
-            <a:off x="5559934" y="4446295"/>
-            <a:ext cx="80516" cy="76355"/>
-          </a:xfrm>
-          <a:prstGeom prst="rect">
-            <a:avLst/>
-          </a:prstGeom>
-          <a:solidFill>
-            <a:schemeClr val="accent2"/>
-          </a:solidFill>
-          <a:ln>
-            <a:noFill/>
-          </a:ln>
-        </p:spPr>
-        <p:style>
-          <a:lnRef idx="2">
-            <a:schemeClr val="accent1">
-              <a:shade val="15000"/>
-            </a:schemeClr>
-          </a:lnRef>
-          <a:fillRef idx="1">
-            <a:schemeClr val="accent1"/>
-          </a:fillRef>
-          <a:effectRef idx="0">
-            <a:schemeClr val="accent1"/>
-          </a:effectRef>
-          <a:fontRef idx="minor">
-            <a:schemeClr val="lt1"/>
-          </a:fontRef>
-        </p:style>
-        <p:txBody>
-          <a:bodyPr rtlCol="0" anchor="ctr"/>
-          <a:lstStyle/>
-          <a:p>
-            <a:pPr algn="ctr"/>
-            <a:endParaRPr lang="en-US"/>
-          </a:p>
-        </p:txBody>
-      </p:sp>
-      <p:sp>
-        <p:nvSpPr>
-          <p:cNvPr id="173" name="矩形 172">
-            <a:extLst>
-              <a:ext uri="{FF2B5EF4-FFF2-40B4-BE49-F238E27FC236}">
-                <a16:creationId xmlns:a16="http://schemas.microsoft.com/office/drawing/2014/main" id="{E9D9ED9E-C137-E9E8-9D3C-DD433A4690E8}"/>
-              </a:ext>
-            </a:extLst>
-          </p:cNvPr>
-          <p:cNvSpPr/>
-          <p:nvPr/>
-        </p:nvSpPr>
-        <p:spPr>
-          <a:xfrm>
-            <a:off x="5559933" y="4546621"/>
-            <a:ext cx="80516" cy="76355"/>
-          </a:xfrm>
-          <a:prstGeom prst="rect">
-            <a:avLst/>
-          </a:prstGeom>
-          <a:solidFill>
-            <a:schemeClr val="accent2"/>
-          </a:solidFill>
-          <a:ln>
-            <a:noFill/>
-          </a:ln>
-        </p:spPr>
-        <p:style>
-          <a:lnRef idx="2">
-            <a:schemeClr val="accent1">
-              <a:shade val="15000"/>
-            </a:schemeClr>
-          </a:lnRef>
-          <a:fillRef idx="1">
-            <a:schemeClr val="accent1"/>
-          </a:fillRef>
-          <a:effectRef idx="0">
-            <a:schemeClr val="accent1"/>
-          </a:effectRef>
-          <a:fontRef idx="minor">
-            <a:schemeClr val="lt1"/>
-          </a:fontRef>
-        </p:style>
-        <p:txBody>
-          <a:bodyPr rtlCol="0" anchor="ctr"/>
-          <a:lstStyle/>
-          <a:p>
-            <a:pPr algn="ctr"/>
-            <a:endParaRPr lang="en-US"/>
+            <a:endParaRPr lang="en-US" dirty="0"/>
           </a:p>
         </p:txBody>
       </p:sp>
